--- a/Program-Model-Checking.pptx
+++ b/Program-Model-Checking.pptx
@@ -767,6 +767,90 @@
     <p:extLst>
       <p:ext uri="{BB962C8B-B14F-4D97-AF65-F5344CB8AC3E}">
         <p14:creationId xmlns:p14="http://schemas.microsoft.com/office/powerpoint/2010/main" val="325790474"/>
+      </p:ext>
+    </p:extLst>
+  </p:cSld>
+  <p:clrMapOvr>
+    <a:masterClrMapping/>
+  </p:clrMapOvr>
+</p:notes>
+</file>
+
+<file path=ppt/notesSlides/notesSlide2.xml><?xml version="1.0" encoding="utf-8"?>
+<p:notes xmlns:a="http://schemas.openxmlformats.org/drawingml/2006/main" xmlns:r="http://schemas.openxmlformats.org/officeDocument/2006/relationships" xmlns:p="http://schemas.openxmlformats.org/presentationml/2006/main">
+  <p:cSld>
+    <p:spTree>
+      <p:nvGrpSpPr>
+        <p:cNvPr id="1" name=""/>
+        <p:cNvGrpSpPr/>
+        <p:nvPr/>
+      </p:nvGrpSpPr>
+      <p:grpSpPr>
+        <a:xfrm>
+          <a:off x="0" y="0"/>
+          <a:ext cx="0" cy="0"/>
+          <a:chOff x="0" y="0"/>
+          <a:chExt cx="0" cy="0"/>
+        </a:xfrm>
+      </p:grpSpPr>
+      <p:sp>
+        <p:nvSpPr>
+          <p:cNvPr id="2" name="Slide Image Placeholder 1"/>
+          <p:cNvSpPr>
+            <a:spLocks noGrp="1" noRot="1" noChangeAspect="1"/>
+          </p:cNvSpPr>
+          <p:nvPr>
+            <p:ph type="sldImg"/>
+          </p:nvPr>
+        </p:nvSpPr>
+        <p:spPr/>
+      </p:sp>
+      <p:sp>
+        <p:nvSpPr>
+          <p:cNvPr id="3" name="Notes Placeholder 2"/>
+          <p:cNvSpPr>
+            <a:spLocks noGrp="1"/>
+          </p:cNvSpPr>
+          <p:nvPr>
+            <p:ph type="body" idx="1"/>
+          </p:nvPr>
+        </p:nvSpPr>
+        <p:spPr/>
+        <p:txBody>
+          <a:bodyPr/>
+          <a:lstStyle/>
+          <a:p>
+            <a:endParaRPr lang="en-US" dirty="0"/>
+          </a:p>
+        </p:txBody>
+      </p:sp>
+      <p:sp>
+        <p:nvSpPr>
+          <p:cNvPr id="4" name="Slide Number Placeholder 3"/>
+          <p:cNvSpPr>
+            <a:spLocks noGrp="1"/>
+          </p:cNvSpPr>
+          <p:nvPr>
+            <p:ph type="sldNum" sz="quarter" idx="10"/>
+          </p:nvPr>
+        </p:nvSpPr>
+        <p:spPr/>
+        <p:txBody>
+          <a:bodyPr/>
+          <a:lstStyle/>
+          <a:p>
+            <a:fld id="{FB7D3134-AFFC-4877-846D-0D71DADBA2FA}" type="slidenum">
+              <a:rPr lang="en-US" smtClean="0"/>
+              <a:t>26</a:t>
+            </a:fld>
+            <a:endParaRPr lang="en-US"/>
+          </a:p>
+        </p:txBody>
+      </p:sp>
+    </p:spTree>
+    <p:extLst>
+      <p:ext uri="{BB962C8B-B14F-4D97-AF65-F5344CB8AC3E}">
+        <p14:creationId xmlns:p14="http://schemas.microsoft.com/office/powerpoint/2010/main" val="703448360"/>
       </p:ext>
     </p:extLst>
   </p:cSld>
@@ -7148,8 +7232,8 @@
         </p:nvSpPr>
         <p:spPr>
           <a:xfrm>
-            <a:off x="638175" y="1983477"/>
-            <a:ext cx="11027891" cy="707886"/>
+            <a:off x="2308935" y="1983477"/>
+            <a:ext cx="7789184" cy="707886"/>
           </a:xfrm>
           <a:prstGeom prst="rect">
             <a:avLst/>
@@ -7163,7 +7247,7 @@
           <a:p>
             <a:r>
               <a:rPr lang="en-US" sz="4000" dirty="0"/>
-              <a:t>http://davinomjr.github.io/model-checking-tutorial/</a:t>
+              <a:t>http://model-checking.dmtsj.com.br</a:t>
             </a:r>
           </a:p>
         </p:txBody>
@@ -10272,11 +10356,19 @@
           <a:lstStyle/>
           <a:p>
             <a:r>
-              <a:rPr lang="pt-BR" dirty="0" err="1"/>
+              <a:rPr lang="pt-BR" dirty="0" err="1">
+                <a:solidFill>
+                  <a:schemeClr val="accent1"/>
+                </a:solidFill>
+              </a:rPr>
               <a:t>int</a:t>
             </a:r>
             <a:r>
-              <a:rPr lang="pt-BR" dirty="0"/>
+              <a:rPr lang="pt-BR" dirty="0">
+                <a:solidFill>
+                  <a:schemeClr val="accent1"/>
+                </a:solidFill>
+              </a:rPr>
               <a:t> x, y</a:t>
             </a:r>
           </a:p>
@@ -10890,15 +10982,27 @@
           </a:p>
           <a:p>
             <a:r>
-              <a:rPr lang="pt-BR" dirty="0"/>
+              <a:rPr lang="pt-BR" dirty="0">
+                <a:solidFill>
+                  <a:schemeClr val="accent1"/>
+                </a:solidFill>
+              </a:rPr>
               <a:t>1 </a:t>
             </a:r>
             <a:r>
-              <a:rPr lang="pt-BR" dirty="0" err="1"/>
+              <a:rPr lang="pt-BR" dirty="0" err="1">
+                <a:solidFill>
+                  <a:schemeClr val="accent1"/>
+                </a:solidFill>
+              </a:rPr>
               <a:t>if</a:t>
             </a:r>
             <a:r>
-              <a:rPr lang="pt-BR" dirty="0"/>
+              <a:rPr lang="pt-BR" dirty="0">
+                <a:solidFill>
+                  <a:schemeClr val="accent1"/>
+                </a:solidFill>
+              </a:rPr>
               <a:t>(x &gt; y){</a:t>
             </a:r>
           </a:p>
@@ -11731,7 +11835,11 @@
               <a:buAutoNum type="arabicPlain" startAt="2"/>
             </a:pPr>
             <a:r>
-              <a:rPr lang="pt-BR" dirty="0"/>
+              <a:rPr lang="pt-BR" dirty="0">
+                <a:solidFill>
+                  <a:schemeClr val="accent1"/>
+                </a:solidFill>
+              </a:rPr>
               <a:t>x = x + y;</a:t>
             </a:r>
           </a:p>
@@ -12801,7 +12909,11 @@
               <a:buAutoNum type="arabicPlain" startAt="2"/>
             </a:pPr>
             <a:r>
-              <a:rPr lang="pt-BR" dirty="0"/>
+              <a:rPr lang="pt-BR" dirty="0">
+                <a:solidFill>
+                  <a:schemeClr val="accent1"/>
+                </a:solidFill>
+              </a:rPr>
               <a:t>y = x – y;</a:t>
             </a:r>
           </a:p>
@@ -14236,7 +14348,11 @@
               <a:buAutoNum type="arabicPlain" startAt="2"/>
             </a:pPr>
             <a:r>
-              <a:rPr lang="pt-BR" dirty="0"/>
+              <a:rPr lang="pt-BR" dirty="0">
+                <a:solidFill>
+                  <a:schemeClr val="accent1"/>
+                </a:solidFill>
+              </a:rPr>
               <a:t>x = x – y;</a:t>
             </a:r>
           </a:p>
@@ -14423,7 +14539,7 @@
           <a:p>
             <a:r>
               <a:rPr lang="pt-BR" dirty="0"/>
-              <a:t>PC: $A &gt; $B &amp; $B-$A &gt; 0</a:t>
+              <a:t>PC: $A &gt; $B &amp; $B &gt; $A</a:t>
             </a:r>
           </a:p>
         </p:txBody>
@@ -15299,7 +15415,7 @@
           <a:lstStyle/>
           <a:p>
             <a:r>
-              <a:rPr lang="pt-BR"/>
+              <a:rPr lang="pt-BR" dirty="0"/>
               <a:t>6</a:t>
             </a:r>
           </a:p>
@@ -15829,7 +15945,11 @@
               <a:buAutoNum type="arabicPlain" startAt="2"/>
             </a:pPr>
             <a:r>
-              <a:rPr lang="pt-BR" dirty="0"/>
+              <a:rPr lang="pt-BR" dirty="0">
+                <a:solidFill>
+                  <a:schemeClr val="accent1"/>
+                </a:solidFill>
+              </a:rPr>
               <a:t>if(x &gt; y){</a:t>
             </a:r>
           </a:p>
@@ -15968,88 +16088,6 @@
       </p:sp>
       <p:sp>
         <p:nvSpPr>
-          <p:cNvPr id="13" name="CaixaDeTexto 12">
-            <a:extLst>
-              <a:ext uri="{FF2B5EF4-FFF2-40B4-BE49-F238E27FC236}">
-                <a16:creationId xmlns:a16="http://schemas.microsoft.com/office/drawing/2014/main" id="{CD7E33C5-6687-42E9-8C80-FA833198C99D}"/>
-              </a:ext>
-            </a:extLst>
-          </p:cNvPr>
-          <p:cNvSpPr txBox="1"/>
-          <p:nvPr/>
-        </p:nvSpPr>
-        <p:spPr>
-          <a:xfrm>
-            <a:off x="2628898" y="5907408"/>
-            <a:ext cx="2749554" cy="646331"/>
-          </a:xfrm>
-          <a:prstGeom prst="rect">
-            <a:avLst/>
-          </a:prstGeom>
-          <a:solidFill>
-            <a:schemeClr val="bg2"/>
-          </a:solidFill>
-        </p:spPr>
-        <p:txBody>
-          <a:bodyPr wrap="square" rtlCol="0">
-            <a:spAutoFit/>
-          </a:bodyPr>
-          <a:lstStyle/>
-          <a:p>
-            <a:r>
-              <a:rPr lang="pt-BR" dirty="0"/>
-              <a:t>x = $B, y = $A</a:t>
-            </a:r>
-          </a:p>
-          <a:p>
-            <a:r>
-              <a:rPr lang="pt-BR" dirty="0"/>
-              <a:t>PC: $A &gt; $B &amp; $B-$A &gt; 0</a:t>
-            </a:r>
-          </a:p>
-        </p:txBody>
-      </p:sp>
-      <p:cxnSp>
-        <p:nvCxnSpPr>
-          <p:cNvPr id="32" name="Conector de Seta Reta 31">
-            <a:extLst>
-              <a:ext uri="{FF2B5EF4-FFF2-40B4-BE49-F238E27FC236}">
-                <a16:creationId xmlns:a16="http://schemas.microsoft.com/office/drawing/2014/main" id="{7E5FD7C9-F16E-4954-986D-2DB0E16B9F78}"/>
-              </a:ext>
-            </a:extLst>
-          </p:cNvPr>
-          <p:cNvCxnSpPr/>
-          <p:nvPr/>
-        </p:nvCxnSpPr>
-        <p:spPr>
-          <a:xfrm flipH="1">
-            <a:off x="4203698" y="5701219"/>
-            <a:ext cx="361952" cy="300722"/>
-          </a:xfrm>
-          <a:prstGeom prst="straightConnector1">
-            <a:avLst/>
-          </a:prstGeom>
-          <a:ln>
-            <a:tailEnd type="triangle"/>
-          </a:ln>
-        </p:spPr>
-        <p:style>
-          <a:lnRef idx="1">
-            <a:schemeClr val="dk1"/>
-          </a:lnRef>
-          <a:fillRef idx="0">
-            <a:schemeClr val="dk1"/>
-          </a:fillRef>
-          <a:effectRef idx="0">
-            <a:schemeClr val="dk1"/>
-          </a:effectRef>
-          <a:fontRef idx="minor">
-            <a:schemeClr val="tx1"/>
-          </a:fontRef>
-        </p:style>
-      </p:cxnSp>
-      <p:sp>
-        <p:nvSpPr>
           <p:cNvPr id="45" name="CaixaDeTexto 44">
             <a:extLst>
               <a:ext uri="{FF2B5EF4-FFF2-40B4-BE49-F238E27FC236}">
@@ -16465,7 +16503,904 @@
       </p:cxnSp>
       <p:sp>
         <p:nvSpPr>
-          <p:cNvPr id="59" name="Retângulo 58">
+          <p:cNvPr id="61" name="Retângulo 60">
+            <a:extLst>
+              <a:ext uri="{FF2B5EF4-FFF2-40B4-BE49-F238E27FC236}">
+                <a16:creationId xmlns:a16="http://schemas.microsoft.com/office/drawing/2014/main" id="{D3265EEC-53C2-42D8-A294-AA7CB681116A}"/>
+              </a:ext>
+            </a:extLst>
+          </p:cNvPr>
+          <p:cNvSpPr/>
+          <p:nvPr/>
+        </p:nvSpPr>
+        <p:spPr>
+          <a:xfrm>
+            <a:off x="5580067" y="2770860"/>
+            <a:ext cx="1476370" cy="382588"/>
+          </a:xfrm>
+          <a:prstGeom prst="rect">
+            <a:avLst/>
+          </a:prstGeom>
+          <a:solidFill>
+            <a:schemeClr val="bg2"/>
+          </a:solidFill>
+        </p:spPr>
+        <p:style>
+          <a:lnRef idx="2">
+            <a:schemeClr val="dk1">
+              <a:shade val="50000"/>
+            </a:schemeClr>
+          </a:lnRef>
+          <a:fillRef idx="1">
+            <a:schemeClr val="dk1"/>
+          </a:fillRef>
+          <a:effectRef idx="0">
+            <a:schemeClr val="dk1"/>
+          </a:effectRef>
+          <a:fontRef idx="minor">
+            <a:schemeClr val="lt1"/>
+          </a:fontRef>
+        </p:style>
+        <p:txBody>
+          <a:bodyPr rot="0" spcFirstLastPara="0" vertOverflow="overflow" horzOverflow="overflow" vert="horz" wrap="square" lIns="91440" tIns="45720" rIns="91440" bIns="45720" numCol="1" spcCol="0" rtlCol="0" fromWordArt="0" anchor="ctr" anchorCtr="0" forceAA="0" compatLnSpc="1">
+            <a:prstTxWarp prst="textNoShape">
+              <a:avLst/>
+            </a:prstTxWarp>
+            <a:noAutofit/>
+          </a:bodyPr>
+          <a:lstStyle/>
+          <a:p>
+            <a:pPr algn="ctr"/>
+            <a:r>
+              <a:rPr lang="pt-BR" dirty="0">
+                <a:ln w="0"/>
+                <a:solidFill>
+                  <a:schemeClr val="tx1"/>
+                </a:solidFill>
+                <a:effectLst>
+                  <a:outerShdw blurRad="38100" dist="19050" dir="2700000" algn="tl" rotWithShape="0">
+                    <a:schemeClr val="dk1">
+                      <a:alpha val="40000"/>
+                    </a:schemeClr>
+                  </a:outerShdw>
+                </a:effectLst>
+              </a:rPr>
+              <a:t> SAT?</a:t>
+            </a:r>
+            <a:r>
+              <a:rPr lang="pt-BR" dirty="0">
+                <a:solidFill>
+                  <a:srgbClr val="000000"/>
+                </a:solidFill>
+              </a:rPr>
+              <a:t> </a:t>
+            </a:r>
+            <a:r>
+              <a:rPr lang="pt-BR" dirty="0">
+                <a:ln w="0"/>
+                <a:solidFill>
+                  <a:schemeClr val="accent6"/>
+                </a:solidFill>
+                <a:effectLst>
+                  <a:outerShdw blurRad="38100" dist="19050" dir="2700000" algn="tl" rotWithShape="0">
+                    <a:schemeClr val="dk1">
+                      <a:alpha val="40000"/>
+                    </a:schemeClr>
+                  </a:outerShdw>
+                </a:effectLst>
+                <a:sym typeface="Webdings" panose="05030102010509060703" pitchFamily="18" charset="2"/>
+              </a:rPr>
+              <a:t> </a:t>
+            </a:r>
+            <a:endParaRPr lang="pt-BR" b="1" dirty="0">
+              <a:ln w="10160">
+                <a:solidFill>
+                  <a:schemeClr val="accent5"/>
+                </a:solidFill>
+                <a:prstDash val="solid"/>
+              </a:ln>
+              <a:solidFill>
+                <a:srgbClr val="FFFFFF"/>
+              </a:solidFill>
+              <a:effectLst>
+                <a:outerShdw blurRad="38100" dist="22860" dir="5400000" algn="tl" rotWithShape="0">
+                  <a:srgbClr val="000000">
+                    <a:alpha val="30000"/>
+                  </a:srgbClr>
+                </a:outerShdw>
+              </a:effectLst>
+            </a:endParaRPr>
+          </a:p>
+        </p:txBody>
+      </p:sp>
+      <p:sp>
+        <p:nvSpPr>
+          <p:cNvPr id="74" name="CaixaDeTexto 73">
+            <a:extLst>
+              <a:ext uri="{FF2B5EF4-FFF2-40B4-BE49-F238E27FC236}">
+                <a16:creationId xmlns:a16="http://schemas.microsoft.com/office/drawing/2014/main" id="{309128CE-D2EA-4A3E-B07B-DD6C4916C001}"/>
+              </a:ext>
+            </a:extLst>
+          </p:cNvPr>
+          <p:cNvSpPr txBox="1"/>
+          <p:nvPr/>
+        </p:nvSpPr>
+        <p:spPr>
+          <a:xfrm>
+            <a:off x="6273803" y="2365004"/>
+            <a:ext cx="279398" cy="369332"/>
+          </a:xfrm>
+          <a:prstGeom prst="rect">
+            <a:avLst/>
+          </a:prstGeom>
+          <a:noFill/>
+        </p:spPr>
+        <p:txBody>
+          <a:bodyPr wrap="square" rtlCol="0">
+            <a:spAutoFit/>
+          </a:bodyPr>
+          <a:lstStyle/>
+          <a:p>
+            <a:r>
+              <a:rPr lang="pt-BR"/>
+              <a:t>2</a:t>
+            </a:r>
+          </a:p>
+        </p:txBody>
+      </p:sp>
+      <p:sp>
+        <p:nvSpPr>
+          <p:cNvPr id="76" name="CaixaDeTexto 75">
+            <a:extLst>
+              <a:ext uri="{FF2B5EF4-FFF2-40B4-BE49-F238E27FC236}">
+                <a16:creationId xmlns:a16="http://schemas.microsoft.com/office/drawing/2014/main" id="{189E141C-AE3F-4589-9371-CE9AF5A7AFE7}"/>
+              </a:ext>
+            </a:extLst>
+          </p:cNvPr>
+          <p:cNvSpPr txBox="1"/>
+          <p:nvPr/>
+        </p:nvSpPr>
+        <p:spPr>
+          <a:xfrm>
+            <a:off x="6291265" y="4252777"/>
+            <a:ext cx="279398" cy="369332"/>
+          </a:xfrm>
+          <a:prstGeom prst="rect">
+            <a:avLst/>
+          </a:prstGeom>
+          <a:noFill/>
+        </p:spPr>
+        <p:txBody>
+          <a:bodyPr wrap="square" rtlCol="0">
+            <a:spAutoFit/>
+          </a:bodyPr>
+          <a:lstStyle/>
+          <a:p>
+            <a:r>
+              <a:rPr lang="pt-BR"/>
+              <a:t>4</a:t>
+            </a:r>
+          </a:p>
+        </p:txBody>
+      </p:sp>
+      <p:sp>
+        <p:nvSpPr>
+          <p:cNvPr id="77" name="CaixaDeTexto 76">
+            <a:extLst>
+              <a:ext uri="{FF2B5EF4-FFF2-40B4-BE49-F238E27FC236}">
+                <a16:creationId xmlns:a16="http://schemas.microsoft.com/office/drawing/2014/main" id="{3B5D0713-0C42-484C-AE89-757D701F679D}"/>
+              </a:ext>
+            </a:extLst>
+          </p:cNvPr>
+          <p:cNvSpPr txBox="1"/>
+          <p:nvPr/>
+        </p:nvSpPr>
+        <p:spPr>
+          <a:xfrm>
+            <a:off x="6273803" y="3311727"/>
+            <a:ext cx="279398" cy="369332"/>
+          </a:xfrm>
+          <a:prstGeom prst="rect">
+            <a:avLst/>
+          </a:prstGeom>
+          <a:noFill/>
+        </p:spPr>
+        <p:txBody>
+          <a:bodyPr wrap="square" rtlCol="0">
+            <a:spAutoFit/>
+          </a:bodyPr>
+          <a:lstStyle/>
+          <a:p>
+            <a:r>
+              <a:rPr lang="pt-BR"/>
+              <a:t>3</a:t>
+            </a:r>
+          </a:p>
+        </p:txBody>
+      </p:sp>
+      <p:sp>
+        <p:nvSpPr>
+          <p:cNvPr id="78" name="CaixaDeTexto 77">
+            <a:extLst>
+              <a:ext uri="{FF2B5EF4-FFF2-40B4-BE49-F238E27FC236}">
+                <a16:creationId xmlns:a16="http://schemas.microsoft.com/office/drawing/2014/main" id="{3E9D4315-0CEA-46BC-ACC5-EB6799A2D8ED}"/>
+              </a:ext>
+            </a:extLst>
+          </p:cNvPr>
+          <p:cNvSpPr txBox="1"/>
+          <p:nvPr/>
+        </p:nvSpPr>
+        <p:spPr>
+          <a:xfrm>
+            <a:off x="7448552" y="1417121"/>
+            <a:ext cx="247648" cy="369332"/>
+          </a:xfrm>
+          <a:prstGeom prst="rect">
+            <a:avLst/>
+          </a:prstGeom>
+          <a:noFill/>
+        </p:spPr>
+        <p:txBody>
+          <a:bodyPr wrap="square" rtlCol="0">
+            <a:spAutoFit/>
+          </a:bodyPr>
+          <a:lstStyle/>
+          <a:p>
+            <a:r>
+              <a:rPr lang="pt-BR"/>
+              <a:t>1</a:t>
+            </a:r>
+          </a:p>
+        </p:txBody>
+      </p:sp>
+      <p:sp>
+        <p:nvSpPr>
+          <p:cNvPr id="79" name="CaixaDeTexto 78">
+            <a:extLst>
+              <a:ext uri="{FF2B5EF4-FFF2-40B4-BE49-F238E27FC236}">
+                <a16:creationId xmlns:a16="http://schemas.microsoft.com/office/drawing/2014/main" id="{93C02185-913C-4D09-8B8D-EB06A444829D}"/>
+              </a:ext>
+            </a:extLst>
+          </p:cNvPr>
+          <p:cNvSpPr txBox="1"/>
+          <p:nvPr/>
+        </p:nvSpPr>
+        <p:spPr>
+          <a:xfrm>
+            <a:off x="6310315" y="5163265"/>
+            <a:ext cx="279398" cy="369332"/>
+          </a:xfrm>
+          <a:prstGeom prst="rect">
+            <a:avLst/>
+          </a:prstGeom>
+          <a:noFill/>
+        </p:spPr>
+        <p:txBody>
+          <a:bodyPr wrap="square" rtlCol="0">
+            <a:spAutoFit/>
+          </a:bodyPr>
+          <a:lstStyle/>
+          <a:p>
+            <a:r>
+              <a:rPr lang="pt-BR"/>
+              <a:t>5</a:t>
+            </a:r>
+          </a:p>
+        </p:txBody>
+      </p:sp>
+      <p:sp>
+        <p:nvSpPr>
+          <p:cNvPr id="86" name="CaixaDeTexto 85">
+            <a:extLst>
+              <a:ext uri="{FF2B5EF4-FFF2-40B4-BE49-F238E27FC236}">
+                <a16:creationId xmlns:a16="http://schemas.microsoft.com/office/drawing/2014/main" id="{428539E9-4457-498E-87B4-0438136A0442}"/>
+              </a:ext>
+            </a:extLst>
+          </p:cNvPr>
+          <p:cNvSpPr txBox="1"/>
+          <p:nvPr/>
+        </p:nvSpPr>
+        <p:spPr>
+          <a:xfrm>
+            <a:off x="2390776" y="6081491"/>
+            <a:ext cx="279398" cy="369332"/>
+          </a:xfrm>
+          <a:prstGeom prst="rect">
+            <a:avLst/>
+          </a:prstGeom>
+          <a:noFill/>
+        </p:spPr>
+        <p:txBody>
+          <a:bodyPr wrap="square" rtlCol="0">
+            <a:spAutoFit/>
+          </a:bodyPr>
+          <a:lstStyle/>
+          <a:p>
+            <a:r>
+              <a:rPr lang="pt-BR" dirty="0"/>
+              <a:t>6</a:t>
+            </a:r>
+          </a:p>
+        </p:txBody>
+      </p:sp>
+      <p:sp>
+        <p:nvSpPr>
+          <p:cNvPr id="36" name="CaixaDeTexto 35">
+            <a:extLst>
+              <a:ext uri="{FF2B5EF4-FFF2-40B4-BE49-F238E27FC236}">
+                <a16:creationId xmlns:a16="http://schemas.microsoft.com/office/drawing/2014/main" id="{F23EECFD-991E-4007-9762-6701A6E8E8C5}"/>
+              </a:ext>
+            </a:extLst>
+          </p:cNvPr>
+          <p:cNvSpPr txBox="1"/>
+          <p:nvPr/>
+        </p:nvSpPr>
+        <p:spPr>
+          <a:xfrm>
+            <a:off x="7150101" y="2356921"/>
+            <a:ext cx="844550" cy="369332"/>
+          </a:xfrm>
+          <a:prstGeom prst="rect">
+            <a:avLst/>
+          </a:prstGeom>
+          <a:noFill/>
+        </p:spPr>
+        <p:txBody>
+          <a:bodyPr wrap="square" rtlCol="0">
+            <a:spAutoFit/>
+          </a:bodyPr>
+          <a:lstStyle/>
+          <a:p>
+            <a:r>
+              <a:rPr lang="pt-BR"/>
+              <a:t>?</a:t>
+            </a:r>
+          </a:p>
+        </p:txBody>
+      </p:sp>
+      <p:sp>
+        <p:nvSpPr>
+          <p:cNvPr id="37" name="Retângulo 36">
+            <a:extLst>
+              <a:ext uri="{FF2B5EF4-FFF2-40B4-BE49-F238E27FC236}">
+                <a16:creationId xmlns:a16="http://schemas.microsoft.com/office/drawing/2014/main" id="{ED9BE864-8629-4424-A5A9-8D0497726EA0}"/>
+              </a:ext>
+            </a:extLst>
+          </p:cNvPr>
+          <p:cNvSpPr/>
+          <p:nvPr/>
+        </p:nvSpPr>
+        <p:spPr>
+          <a:xfrm>
+            <a:off x="5580067" y="3729940"/>
+            <a:ext cx="1476370" cy="382588"/>
+          </a:xfrm>
+          <a:prstGeom prst="rect">
+            <a:avLst/>
+          </a:prstGeom>
+          <a:solidFill>
+            <a:schemeClr val="bg2"/>
+          </a:solidFill>
+        </p:spPr>
+        <p:style>
+          <a:lnRef idx="2">
+            <a:schemeClr val="dk1">
+              <a:shade val="50000"/>
+            </a:schemeClr>
+          </a:lnRef>
+          <a:fillRef idx="1">
+            <a:schemeClr val="dk1"/>
+          </a:fillRef>
+          <a:effectRef idx="0">
+            <a:schemeClr val="dk1"/>
+          </a:effectRef>
+          <a:fontRef idx="minor">
+            <a:schemeClr val="lt1"/>
+          </a:fontRef>
+        </p:style>
+        <p:txBody>
+          <a:bodyPr rot="0" spcFirstLastPara="0" vertOverflow="overflow" horzOverflow="overflow" vert="horz" wrap="square" lIns="91440" tIns="45720" rIns="91440" bIns="45720" numCol="1" spcCol="0" rtlCol="0" fromWordArt="0" anchor="ctr" anchorCtr="0" forceAA="0" compatLnSpc="1">
+            <a:prstTxWarp prst="textNoShape">
+              <a:avLst/>
+            </a:prstTxWarp>
+            <a:noAutofit/>
+          </a:bodyPr>
+          <a:lstStyle/>
+          <a:p>
+            <a:pPr algn="ctr"/>
+            <a:r>
+              <a:rPr lang="pt-BR" dirty="0">
+                <a:ln w="0"/>
+                <a:solidFill>
+                  <a:schemeClr val="tx1"/>
+                </a:solidFill>
+                <a:effectLst>
+                  <a:outerShdw blurRad="38100" dist="19050" dir="2700000" algn="tl" rotWithShape="0">
+                    <a:schemeClr val="dk1">
+                      <a:alpha val="40000"/>
+                    </a:schemeClr>
+                  </a:outerShdw>
+                </a:effectLst>
+              </a:rPr>
+              <a:t>SAT?</a:t>
+            </a:r>
+            <a:r>
+              <a:rPr lang="pt-BR" dirty="0">
+                <a:ln w="0"/>
+                <a:solidFill>
+                  <a:schemeClr val="accent6"/>
+                </a:solidFill>
+                <a:effectLst>
+                  <a:outerShdw blurRad="38100" dist="19050" dir="2700000" algn="tl" rotWithShape="0">
+                    <a:schemeClr val="dk1">
+                      <a:alpha val="40000"/>
+                    </a:schemeClr>
+                  </a:outerShdw>
+                </a:effectLst>
+                <a:sym typeface="Webdings" panose="05030102010509060703" pitchFamily="18" charset="2"/>
+              </a:rPr>
+              <a:t> </a:t>
+            </a:r>
+            <a:endParaRPr lang="pt-BR" b="1" dirty="0">
+              <a:ln w="10160">
+                <a:solidFill>
+                  <a:schemeClr val="accent5"/>
+                </a:solidFill>
+                <a:prstDash val="solid"/>
+              </a:ln>
+              <a:solidFill>
+                <a:srgbClr val="FFFFFF"/>
+              </a:solidFill>
+              <a:effectLst>
+                <a:outerShdw blurRad="38100" dist="22860" dir="5400000" algn="tl" rotWithShape="0">
+                  <a:srgbClr val="000000">
+                    <a:alpha val="30000"/>
+                  </a:srgbClr>
+                </a:outerShdw>
+              </a:effectLst>
+            </a:endParaRPr>
+          </a:p>
+        </p:txBody>
+      </p:sp>
+      <p:sp>
+        <p:nvSpPr>
+          <p:cNvPr id="42" name="Retângulo 41">
+            <a:extLst>
+              <a:ext uri="{FF2B5EF4-FFF2-40B4-BE49-F238E27FC236}">
+                <a16:creationId xmlns:a16="http://schemas.microsoft.com/office/drawing/2014/main" id="{67EAAA4E-0649-4BC8-B5CD-AD13A174554F}"/>
+              </a:ext>
+            </a:extLst>
+          </p:cNvPr>
+          <p:cNvSpPr/>
+          <p:nvPr/>
+        </p:nvSpPr>
+        <p:spPr>
+          <a:xfrm>
+            <a:off x="5580067" y="4613490"/>
+            <a:ext cx="1476370" cy="382588"/>
+          </a:xfrm>
+          <a:prstGeom prst="rect">
+            <a:avLst/>
+          </a:prstGeom>
+          <a:solidFill>
+            <a:schemeClr val="bg2"/>
+          </a:solidFill>
+        </p:spPr>
+        <p:style>
+          <a:lnRef idx="2">
+            <a:schemeClr val="dk1">
+              <a:shade val="50000"/>
+            </a:schemeClr>
+          </a:lnRef>
+          <a:fillRef idx="1">
+            <a:schemeClr val="dk1"/>
+          </a:fillRef>
+          <a:effectRef idx="0">
+            <a:schemeClr val="dk1"/>
+          </a:effectRef>
+          <a:fontRef idx="minor">
+            <a:schemeClr val="lt1"/>
+          </a:fontRef>
+        </p:style>
+        <p:txBody>
+          <a:bodyPr rot="0" spcFirstLastPara="0" vertOverflow="overflow" horzOverflow="overflow" vert="horz" wrap="square" lIns="91440" tIns="45720" rIns="91440" bIns="45720" numCol="1" spcCol="0" rtlCol="0" fromWordArt="0" anchor="ctr" anchorCtr="0" forceAA="0" compatLnSpc="1">
+            <a:prstTxWarp prst="textNoShape">
+              <a:avLst/>
+            </a:prstTxWarp>
+            <a:noAutofit/>
+          </a:bodyPr>
+          <a:lstStyle/>
+          <a:p>
+            <a:pPr algn="ctr"/>
+            <a:r>
+              <a:rPr lang="pt-BR" dirty="0">
+                <a:ln w="0"/>
+                <a:solidFill>
+                  <a:schemeClr val="tx1"/>
+                </a:solidFill>
+                <a:effectLst>
+                  <a:outerShdw blurRad="38100" dist="19050" dir="2700000" algn="tl" rotWithShape="0">
+                    <a:schemeClr val="dk1">
+                      <a:alpha val="40000"/>
+                    </a:schemeClr>
+                  </a:outerShdw>
+                </a:effectLst>
+              </a:rPr>
+              <a:t>SAT?</a:t>
+            </a:r>
+            <a:r>
+              <a:rPr lang="pt-BR" dirty="0">
+                <a:ln w="0"/>
+                <a:solidFill>
+                  <a:schemeClr val="accent6"/>
+                </a:solidFill>
+                <a:effectLst>
+                  <a:outerShdw blurRad="38100" dist="19050" dir="2700000" algn="tl" rotWithShape="0">
+                    <a:schemeClr val="dk1">
+                      <a:alpha val="40000"/>
+                    </a:schemeClr>
+                  </a:outerShdw>
+                </a:effectLst>
+                <a:sym typeface="Webdings" panose="05030102010509060703" pitchFamily="18" charset="2"/>
+              </a:rPr>
+              <a:t> </a:t>
+            </a:r>
+            <a:r>
+              <a:rPr lang="pt-BR" dirty="0">
+                <a:ln w="0"/>
+                <a:solidFill>
+                  <a:schemeClr val="tx1"/>
+                </a:solidFill>
+                <a:effectLst>
+                  <a:outerShdw blurRad="38100" dist="19050" dir="2700000" algn="tl" rotWithShape="0">
+                    <a:schemeClr val="dk1">
+                      <a:alpha val="40000"/>
+                    </a:schemeClr>
+                  </a:outerShdw>
+                </a:effectLst>
+              </a:rPr>
+              <a:t> </a:t>
+            </a:r>
+            <a:endParaRPr lang="pt-BR" b="1" dirty="0">
+              <a:ln w="10160">
+                <a:solidFill>
+                  <a:schemeClr val="accent5"/>
+                </a:solidFill>
+                <a:prstDash val="solid"/>
+              </a:ln>
+              <a:solidFill>
+                <a:srgbClr val="FFFFFF"/>
+              </a:solidFill>
+              <a:effectLst>
+                <a:outerShdw blurRad="38100" dist="22860" dir="5400000" algn="tl" rotWithShape="0">
+                  <a:srgbClr val="000000">
+                    <a:alpha val="30000"/>
+                  </a:srgbClr>
+                </a:outerShdw>
+              </a:effectLst>
+            </a:endParaRPr>
+          </a:p>
+        </p:txBody>
+      </p:sp>
+      <p:sp>
+        <p:nvSpPr>
+          <p:cNvPr id="43" name="Retângulo 42">
+            <a:extLst>
+              <a:ext uri="{FF2B5EF4-FFF2-40B4-BE49-F238E27FC236}">
+                <a16:creationId xmlns:a16="http://schemas.microsoft.com/office/drawing/2014/main" id="{56D1C031-E550-4C15-A610-F552094F3BC0}"/>
+              </a:ext>
+            </a:extLst>
+          </p:cNvPr>
+          <p:cNvSpPr/>
+          <p:nvPr/>
+        </p:nvSpPr>
+        <p:spPr>
+          <a:xfrm>
+            <a:off x="5572126" y="5419103"/>
+            <a:ext cx="1476370" cy="382588"/>
+          </a:xfrm>
+          <a:prstGeom prst="rect">
+            <a:avLst/>
+          </a:prstGeom>
+          <a:solidFill>
+            <a:schemeClr val="bg2"/>
+          </a:solidFill>
+        </p:spPr>
+        <p:style>
+          <a:lnRef idx="2">
+            <a:schemeClr val="dk1">
+              <a:shade val="50000"/>
+            </a:schemeClr>
+          </a:lnRef>
+          <a:fillRef idx="1">
+            <a:schemeClr val="dk1"/>
+          </a:fillRef>
+          <a:effectRef idx="0">
+            <a:schemeClr val="dk1"/>
+          </a:effectRef>
+          <a:fontRef idx="minor">
+            <a:schemeClr val="lt1"/>
+          </a:fontRef>
+        </p:style>
+        <p:txBody>
+          <a:bodyPr rot="0" spcFirstLastPara="0" vertOverflow="overflow" horzOverflow="overflow" vert="horz" wrap="square" lIns="91440" tIns="45720" rIns="91440" bIns="45720" numCol="1" spcCol="0" rtlCol="0" fromWordArt="0" anchor="ctr" anchorCtr="0" forceAA="0" compatLnSpc="1">
+            <a:prstTxWarp prst="textNoShape">
+              <a:avLst/>
+            </a:prstTxWarp>
+            <a:noAutofit/>
+          </a:bodyPr>
+          <a:lstStyle/>
+          <a:p>
+            <a:pPr algn="ctr"/>
+            <a:r>
+              <a:rPr lang="pt-BR" dirty="0">
+                <a:ln w="0"/>
+                <a:solidFill>
+                  <a:schemeClr val="tx1"/>
+                </a:solidFill>
+                <a:effectLst>
+                  <a:outerShdw blurRad="38100" dist="19050" dir="2700000" algn="tl" rotWithShape="0">
+                    <a:schemeClr val="dk1">
+                      <a:alpha val="40000"/>
+                    </a:schemeClr>
+                  </a:outerShdw>
+                </a:effectLst>
+              </a:rPr>
+              <a:t>SAT? </a:t>
+            </a:r>
+            <a:r>
+              <a:rPr lang="pt-BR" dirty="0">
+                <a:ln w="0"/>
+                <a:solidFill>
+                  <a:schemeClr val="accent6"/>
+                </a:solidFill>
+                <a:effectLst>
+                  <a:outerShdw blurRad="38100" dist="19050" dir="2700000" algn="tl" rotWithShape="0">
+                    <a:schemeClr val="dk1">
+                      <a:alpha val="40000"/>
+                    </a:schemeClr>
+                  </a:outerShdw>
+                </a:effectLst>
+                <a:sym typeface="Webdings" panose="05030102010509060703" pitchFamily="18" charset="2"/>
+              </a:rPr>
+              <a:t></a:t>
+            </a:r>
+            <a:endParaRPr lang="pt-BR" b="1" dirty="0">
+              <a:ln w="10160">
+                <a:solidFill>
+                  <a:schemeClr val="accent5"/>
+                </a:solidFill>
+                <a:prstDash val="solid"/>
+              </a:ln>
+              <a:solidFill>
+                <a:schemeClr val="accent6"/>
+              </a:solidFill>
+              <a:effectLst>
+                <a:outerShdw blurRad="38100" dist="22860" dir="5400000" algn="tl" rotWithShape="0">
+                  <a:srgbClr val="000000">
+                    <a:alpha val="30000"/>
+                  </a:srgbClr>
+                </a:outerShdw>
+              </a:effectLst>
+            </a:endParaRPr>
+          </a:p>
+        </p:txBody>
+      </p:sp>
+      <p:sp>
+        <p:nvSpPr>
+          <p:cNvPr id="58" name="CaixaDeTexto 57">
+            <a:extLst>
+              <a:ext uri="{FF2B5EF4-FFF2-40B4-BE49-F238E27FC236}">
+                <a16:creationId xmlns:a16="http://schemas.microsoft.com/office/drawing/2014/main" id="{3A967126-DF58-45F7-AA42-EEF2BF369CAE}"/>
+              </a:ext>
+            </a:extLst>
+          </p:cNvPr>
+          <p:cNvSpPr txBox="1"/>
+          <p:nvPr/>
+        </p:nvSpPr>
+        <p:spPr>
+          <a:xfrm>
+            <a:off x="5888036" y="6027221"/>
+            <a:ext cx="844550" cy="369332"/>
+          </a:xfrm>
+          <a:prstGeom prst="rect">
+            <a:avLst/>
+          </a:prstGeom>
+          <a:noFill/>
+        </p:spPr>
+        <p:txBody>
+          <a:bodyPr wrap="square" rtlCol="0">
+            <a:spAutoFit/>
+          </a:bodyPr>
+          <a:lstStyle/>
+          <a:p>
+            <a:r>
+              <a:rPr lang="pt-BR"/>
+              <a:t>?</a:t>
+            </a:r>
+          </a:p>
+        </p:txBody>
+      </p:sp>
+      <p:sp>
+        <p:nvSpPr>
+          <p:cNvPr id="31" name="CaixaDeTexto 2">
+            <a:extLst>
+              <a:ext uri="{FF2B5EF4-FFF2-40B4-BE49-F238E27FC236}">
+                <a16:creationId xmlns:a16="http://schemas.microsoft.com/office/drawing/2014/main" id="{09314240-1654-48F6-91BD-D7021D2B9D43}"/>
+              </a:ext>
+            </a:extLst>
+          </p:cNvPr>
+          <p:cNvSpPr txBox="1"/>
+          <p:nvPr/>
+        </p:nvSpPr>
+        <p:spPr>
+          <a:xfrm>
+            <a:off x="965446" y="1689531"/>
+            <a:ext cx="3187700" cy="2585323"/>
+          </a:xfrm>
+          <a:prstGeom prst="rect">
+            <a:avLst/>
+          </a:prstGeom>
+          <a:solidFill>
+            <a:schemeClr val="bg2"/>
+          </a:solidFill>
+        </p:spPr>
+        <p:txBody>
+          <a:bodyPr wrap="square" rtlCol="0">
+            <a:spAutoFit/>
+          </a:bodyPr>
+          <a:lstStyle/>
+          <a:p>
+            <a:r>
+              <a:rPr lang="pt-BR" dirty="0" err="1"/>
+              <a:t>int</a:t>
+            </a:r>
+            <a:r>
+              <a:rPr lang="pt-BR" dirty="0"/>
+              <a:t> x, y</a:t>
+            </a:r>
+          </a:p>
+          <a:p>
+            <a:r>
+              <a:rPr lang="pt-BR" dirty="0"/>
+              <a:t>1 </a:t>
+            </a:r>
+            <a:r>
+              <a:rPr lang="pt-BR" dirty="0" err="1"/>
+              <a:t>if</a:t>
+            </a:r>
+            <a:r>
+              <a:rPr lang="pt-BR" dirty="0"/>
+              <a:t>(x &gt; y){</a:t>
+            </a:r>
+          </a:p>
+          <a:p>
+            <a:pPr marL="342900" indent="-342900">
+              <a:buAutoNum type="arabicPlain" startAt="2"/>
+            </a:pPr>
+            <a:r>
+              <a:rPr lang="pt-BR" dirty="0"/>
+              <a:t>x = x + y;</a:t>
+            </a:r>
+          </a:p>
+          <a:p>
+            <a:pPr marL="342900" indent="-342900">
+              <a:buAutoNum type="arabicPlain" startAt="2"/>
+            </a:pPr>
+            <a:r>
+              <a:rPr lang="pt-BR" dirty="0"/>
+              <a:t>y = x – y;</a:t>
+            </a:r>
+          </a:p>
+          <a:p>
+            <a:pPr marL="342900" indent="-342900">
+              <a:buAutoNum type="arabicPlain" startAt="2"/>
+            </a:pPr>
+            <a:r>
+              <a:rPr lang="pt-BR" dirty="0">
+                <a:solidFill>
+                  <a:schemeClr val="accent1"/>
+                </a:solidFill>
+              </a:rPr>
+              <a:t>x = x – y;</a:t>
+            </a:r>
+          </a:p>
+          <a:p>
+            <a:pPr marL="342900" indent="-342900">
+              <a:buAutoNum type="arabicPlain" startAt="2"/>
+            </a:pPr>
+            <a:r>
+              <a:rPr lang="pt-BR" dirty="0"/>
+              <a:t>if(x &gt; y){</a:t>
+            </a:r>
+          </a:p>
+          <a:p>
+            <a:pPr marL="342900" indent="-342900">
+              <a:buAutoNum type="arabicPlain" startAt="2"/>
+            </a:pPr>
+            <a:r>
+              <a:rPr lang="pt-BR" dirty="0"/>
+              <a:t>      </a:t>
+            </a:r>
+            <a:r>
+              <a:rPr lang="pt-BR" dirty="0" err="1"/>
+              <a:t>assert</a:t>
+            </a:r>
+            <a:r>
+              <a:rPr lang="pt-BR" dirty="0"/>
+              <a:t> false;   </a:t>
+            </a:r>
+          </a:p>
+          <a:p>
+            <a:pPr marL="342900" indent="-342900">
+              <a:buAutoNum type="arabicPlain" startAt="2"/>
+            </a:pPr>
+            <a:r>
+              <a:rPr lang="pt-BR" dirty="0"/>
+              <a:t>}</a:t>
+            </a:r>
+          </a:p>
+          <a:p>
+            <a:pPr marL="342900" indent="-342900">
+              <a:buAutoNum type="arabicPlain" startAt="2"/>
+            </a:pPr>
+            <a:r>
+              <a:rPr lang="pt-BR" dirty="0" err="1"/>
+              <a:t>print</a:t>
+            </a:r>
+            <a:r>
+              <a:rPr lang="pt-BR" dirty="0"/>
+              <a:t>(x, y);</a:t>
+            </a:r>
+          </a:p>
+        </p:txBody>
+      </p:sp>
+      <p:sp>
+        <p:nvSpPr>
+          <p:cNvPr id="33" name="CaixaDeTexto 12">
+            <a:extLst>
+              <a:ext uri="{FF2B5EF4-FFF2-40B4-BE49-F238E27FC236}">
+                <a16:creationId xmlns:a16="http://schemas.microsoft.com/office/drawing/2014/main" id="{CD7E33C5-6687-42E9-8C80-FA833198C99D}"/>
+              </a:ext>
+            </a:extLst>
+          </p:cNvPr>
+          <p:cNvSpPr txBox="1"/>
+          <p:nvPr/>
+        </p:nvSpPr>
+        <p:spPr>
+          <a:xfrm>
+            <a:off x="2628898" y="5907408"/>
+            <a:ext cx="2749554" cy="646331"/>
+          </a:xfrm>
+          <a:prstGeom prst="rect">
+            <a:avLst/>
+          </a:prstGeom>
+          <a:solidFill>
+            <a:schemeClr val="bg2"/>
+          </a:solidFill>
+        </p:spPr>
+        <p:txBody>
+          <a:bodyPr wrap="square" rtlCol="0">
+            <a:spAutoFit/>
+          </a:bodyPr>
+          <a:lstStyle/>
+          <a:p>
+            <a:r>
+              <a:rPr lang="pt-BR" dirty="0"/>
+              <a:t>x = $B, y = $A</a:t>
+            </a:r>
+          </a:p>
+          <a:p>
+            <a:r>
+              <a:rPr lang="pt-BR" dirty="0"/>
+              <a:t>PC: $A &gt; $B &amp; $B &gt; $A</a:t>
+            </a:r>
+          </a:p>
+        </p:txBody>
+      </p:sp>
+      <p:sp>
+        <p:nvSpPr>
+          <p:cNvPr id="34" name="Retângulo 58">
             <a:extLst>
               <a:ext uri="{FF2B5EF4-FFF2-40B4-BE49-F238E27FC236}">
                 <a16:creationId xmlns:a16="http://schemas.microsoft.com/office/drawing/2014/main" id="{5B4B837F-A61E-42A3-B153-1D41814FFC30}"/>
@@ -16567,709 +17502,22 @@
           </a:p>
         </p:txBody>
       </p:sp>
-      <p:sp>
-        <p:nvSpPr>
-          <p:cNvPr id="61" name="Retângulo 60">
-            <a:extLst>
-              <a:ext uri="{FF2B5EF4-FFF2-40B4-BE49-F238E27FC236}">
-                <a16:creationId xmlns:a16="http://schemas.microsoft.com/office/drawing/2014/main" id="{D3265EEC-53C2-42D8-A294-AA7CB681116A}"/>
-              </a:ext>
-            </a:extLst>
-          </p:cNvPr>
-          <p:cNvSpPr/>
-          <p:nvPr/>
-        </p:nvSpPr>
-        <p:spPr>
-          <a:xfrm>
-            <a:off x="5580067" y="2770860"/>
-            <a:ext cx="1476370" cy="382588"/>
-          </a:xfrm>
-          <a:prstGeom prst="rect">
-            <a:avLst/>
-          </a:prstGeom>
-          <a:solidFill>
-            <a:schemeClr val="bg2"/>
-          </a:solidFill>
-        </p:spPr>
-        <p:style>
-          <a:lnRef idx="2">
-            <a:schemeClr val="dk1">
-              <a:shade val="50000"/>
-            </a:schemeClr>
-          </a:lnRef>
-          <a:fillRef idx="1">
-            <a:schemeClr val="dk1"/>
-          </a:fillRef>
-          <a:effectRef idx="0">
-            <a:schemeClr val="dk1"/>
-          </a:effectRef>
-          <a:fontRef idx="minor">
-            <a:schemeClr val="lt1"/>
-          </a:fontRef>
-        </p:style>
-        <p:txBody>
-          <a:bodyPr rot="0" spcFirstLastPara="0" vertOverflow="overflow" horzOverflow="overflow" vert="horz" wrap="square" lIns="91440" tIns="45720" rIns="91440" bIns="45720" numCol="1" spcCol="0" rtlCol="0" fromWordArt="0" anchor="ctr" anchorCtr="0" forceAA="0" compatLnSpc="1">
-            <a:prstTxWarp prst="textNoShape">
-              <a:avLst/>
-            </a:prstTxWarp>
-            <a:noAutofit/>
-          </a:bodyPr>
-          <a:lstStyle/>
-          <a:p>
-            <a:pPr algn="ctr"/>
-            <a:r>
-              <a:rPr lang="pt-BR" dirty="0">
-                <a:ln w="0"/>
-                <a:solidFill>
-                  <a:schemeClr val="tx1"/>
-                </a:solidFill>
-                <a:effectLst>
-                  <a:outerShdw blurRad="38100" dist="19050" dir="2700000" algn="tl" rotWithShape="0">
-                    <a:schemeClr val="dk1">
-                      <a:alpha val="40000"/>
-                    </a:schemeClr>
-                  </a:outerShdw>
-                </a:effectLst>
-              </a:rPr>
-              <a:t> SAT?</a:t>
-            </a:r>
-            <a:r>
-              <a:rPr lang="pt-BR" dirty="0">
-                <a:solidFill>
-                  <a:srgbClr val="000000"/>
-                </a:solidFill>
-              </a:rPr>
-              <a:t> </a:t>
-            </a:r>
-            <a:r>
-              <a:rPr lang="pt-BR" dirty="0">
-                <a:ln w="0"/>
-                <a:solidFill>
-                  <a:schemeClr val="accent6"/>
-                </a:solidFill>
-                <a:effectLst>
-                  <a:outerShdw blurRad="38100" dist="19050" dir="2700000" algn="tl" rotWithShape="0">
-                    <a:schemeClr val="dk1">
-                      <a:alpha val="40000"/>
-                    </a:schemeClr>
-                  </a:outerShdw>
-                </a:effectLst>
-                <a:sym typeface="Webdings" panose="05030102010509060703" pitchFamily="18" charset="2"/>
-              </a:rPr>
-              <a:t> </a:t>
-            </a:r>
-            <a:endParaRPr lang="pt-BR" b="1" dirty="0">
-              <a:ln w="10160">
-                <a:solidFill>
-                  <a:schemeClr val="accent5"/>
-                </a:solidFill>
-                <a:prstDash val="solid"/>
-              </a:ln>
-              <a:solidFill>
-                <a:srgbClr val="FFFFFF"/>
-              </a:solidFill>
-              <a:effectLst>
-                <a:outerShdw blurRad="38100" dist="22860" dir="5400000" algn="tl" rotWithShape="0">
-                  <a:srgbClr val="000000">
-                    <a:alpha val="30000"/>
-                  </a:srgbClr>
-                </a:outerShdw>
-              </a:effectLst>
-            </a:endParaRPr>
-          </a:p>
-        </p:txBody>
-      </p:sp>
-      <p:sp>
-        <p:nvSpPr>
-          <p:cNvPr id="74" name="CaixaDeTexto 73">
-            <a:extLst>
-              <a:ext uri="{FF2B5EF4-FFF2-40B4-BE49-F238E27FC236}">
-                <a16:creationId xmlns:a16="http://schemas.microsoft.com/office/drawing/2014/main" id="{309128CE-D2EA-4A3E-B07B-DD6C4916C001}"/>
-              </a:ext>
-            </a:extLst>
-          </p:cNvPr>
-          <p:cNvSpPr txBox="1"/>
-          <p:nvPr/>
-        </p:nvSpPr>
-        <p:spPr>
-          <a:xfrm>
-            <a:off x="6273803" y="2365004"/>
-            <a:ext cx="279398" cy="369332"/>
-          </a:xfrm>
-          <a:prstGeom prst="rect">
-            <a:avLst/>
-          </a:prstGeom>
-          <a:noFill/>
-        </p:spPr>
-        <p:txBody>
-          <a:bodyPr wrap="square" rtlCol="0">
-            <a:spAutoFit/>
-          </a:bodyPr>
-          <a:lstStyle/>
-          <a:p>
-            <a:r>
-              <a:rPr lang="pt-BR"/>
-              <a:t>2</a:t>
-            </a:r>
-          </a:p>
-        </p:txBody>
-      </p:sp>
-      <p:sp>
-        <p:nvSpPr>
-          <p:cNvPr id="76" name="CaixaDeTexto 75">
-            <a:extLst>
-              <a:ext uri="{FF2B5EF4-FFF2-40B4-BE49-F238E27FC236}">
-                <a16:creationId xmlns:a16="http://schemas.microsoft.com/office/drawing/2014/main" id="{189E141C-AE3F-4589-9371-CE9AF5A7AFE7}"/>
-              </a:ext>
-            </a:extLst>
-          </p:cNvPr>
-          <p:cNvSpPr txBox="1"/>
-          <p:nvPr/>
-        </p:nvSpPr>
-        <p:spPr>
-          <a:xfrm>
-            <a:off x="6291265" y="4252777"/>
-            <a:ext cx="279398" cy="369332"/>
-          </a:xfrm>
-          <a:prstGeom prst="rect">
-            <a:avLst/>
-          </a:prstGeom>
-          <a:noFill/>
-        </p:spPr>
-        <p:txBody>
-          <a:bodyPr wrap="square" rtlCol="0">
-            <a:spAutoFit/>
-          </a:bodyPr>
-          <a:lstStyle/>
-          <a:p>
-            <a:r>
-              <a:rPr lang="pt-BR"/>
-              <a:t>4</a:t>
-            </a:r>
-          </a:p>
-        </p:txBody>
-      </p:sp>
-      <p:sp>
-        <p:nvSpPr>
-          <p:cNvPr id="77" name="CaixaDeTexto 76">
-            <a:extLst>
-              <a:ext uri="{FF2B5EF4-FFF2-40B4-BE49-F238E27FC236}">
-                <a16:creationId xmlns:a16="http://schemas.microsoft.com/office/drawing/2014/main" id="{3B5D0713-0C42-484C-AE89-757D701F679D}"/>
-              </a:ext>
-            </a:extLst>
-          </p:cNvPr>
-          <p:cNvSpPr txBox="1"/>
-          <p:nvPr/>
-        </p:nvSpPr>
-        <p:spPr>
-          <a:xfrm>
-            <a:off x="6273803" y="3311727"/>
-            <a:ext cx="279398" cy="369332"/>
-          </a:xfrm>
-          <a:prstGeom prst="rect">
-            <a:avLst/>
-          </a:prstGeom>
-          <a:noFill/>
-        </p:spPr>
-        <p:txBody>
-          <a:bodyPr wrap="square" rtlCol="0">
-            <a:spAutoFit/>
-          </a:bodyPr>
-          <a:lstStyle/>
-          <a:p>
-            <a:r>
-              <a:rPr lang="pt-BR"/>
-              <a:t>3</a:t>
-            </a:r>
-          </a:p>
-        </p:txBody>
-      </p:sp>
-      <p:sp>
-        <p:nvSpPr>
-          <p:cNvPr id="78" name="CaixaDeTexto 77">
-            <a:extLst>
-              <a:ext uri="{FF2B5EF4-FFF2-40B4-BE49-F238E27FC236}">
-                <a16:creationId xmlns:a16="http://schemas.microsoft.com/office/drawing/2014/main" id="{3E9D4315-0CEA-46BC-ACC5-EB6799A2D8ED}"/>
-              </a:ext>
-            </a:extLst>
-          </p:cNvPr>
-          <p:cNvSpPr txBox="1"/>
-          <p:nvPr/>
-        </p:nvSpPr>
-        <p:spPr>
-          <a:xfrm>
-            <a:off x="7448552" y="1417121"/>
-            <a:ext cx="247648" cy="369332"/>
-          </a:xfrm>
-          <a:prstGeom prst="rect">
-            <a:avLst/>
-          </a:prstGeom>
-          <a:noFill/>
-        </p:spPr>
-        <p:txBody>
-          <a:bodyPr wrap="square" rtlCol="0">
-            <a:spAutoFit/>
-          </a:bodyPr>
-          <a:lstStyle/>
-          <a:p>
-            <a:r>
-              <a:rPr lang="pt-BR"/>
-              <a:t>1</a:t>
-            </a:r>
-          </a:p>
-        </p:txBody>
-      </p:sp>
-      <p:sp>
-        <p:nvSpPr>
-          <p:cNvPr id="79" name="CaixaDeTexto 78">
-            <a:extLst>
-              <a:ext uri="{FF2B5EF4-FFF2-40B4-BE49-F238E27FC236}">
-                <a16:creationId xmlns:a16="http://schemas.microsoft.com/office/drawing/2014/main" id="{93C02185-913C-4D09-8B8D-EB06A444829D}"/>
-              </a:ext>
-            </a:extLst>
-          </p:cNvPr>
-          <p:cNvSpPr txBox="1"/>
-          <p:nvPr/>
-        </p:nvSpPr>
-        <p:spPr>
-          <a:xfrm>
-            <a:off x="6310315" y="5163265"/>
-            <a:ext cx="279398" cy="369332"/>
-          </a:xfrm>
-          <a:prstGeom prst="rect">
-            <a:avLst/>
-          </a:prstGeom>
-          <a:noFill/>
-        </p:spPr>
-        <p:txBody>
-          <a:bodyPr wrap="square" rtlCol="0">
-            <a:spAutoFit/>
-          </a:bodyPr>
-          <a:lstStyle/>
-          <a:p>
-            <a:r>
-              <a:rPr lang="pt-BR"/>
-              <a:t>5</a:t>
-            </a:r>
-          </a:p>
-        </p:txBody>
-      </p:sp>
-      <p:sp>
-        <p:nvSpPr>
-          <p:cNvPr id="86" name="CaixaDeTexto 85">
-            <a:extLst>
-              <a:ext uri="{FF2B5EF4-FFF2-40B4-BE49-F238E27FC236}">
-                <a16:creationId xmlns:a16="http://schemas.microsoft.com/office/drawing/2014/main" id="{428539E9-4457-498E-87B4-0438136A0442}"/>
-              </a:ext>
-            </a:extLst>
-          </p:cNvPr>
-          <p:cNvSpPr txBox="1"/>
-          <p:nvPr/>
-        </p:nvSpPr>
-        <p:spPr>
-          <a:xfrm>
-            <a:off x="2390776" y="6081491"/>
-            <a:ext cx="279398" cy="369332"/>
-          </a:xfrm>
-          <a:prstGeom prst="rect">
-            <a:avLst/>
-          </a:prstGeom>
-          <a:noFill/>
-        </p:spPr>
-        <p:txBody>
-          <a:bodyPr wrap="square" rtlCol="0">
-            <a:spAutoFit/>
-          </a:bodyPr>
-          <a:lstStyle/>
-          <a:p>
-            <a:r>
-              <a:rPr lang="pt-BR"/>
-              <a:t>6</a:t>
-            </a:r>
-          </a:p>
-        </p:txBody>
-      </p:sp>
-      <p:sp>
-        <p:nvSpPr>
-          <p:cNvPr id="36" name="CaixaDeTexto 35">
-            <a:extLst>
-              <a:ext uri="{FF2B5EF4-FFF2-40B4-BE49-F238E27FC236}">
-                <a16:creationId xmlns:a16="http://schemas.microsoft.com/office/drawing/2014/main" id="{F23EECFD-991E-4007-9762-6701A6E8E8C5}"/>
-              </a:ext>
-            </a:extLst>
-          </p:cNvPr>
-          <p:cNvSpPr txBox="1"/>
-          <p:nvPr/>
-        </p:nvSpPr>
-        <p:spPr>
-          <a:xfrm>
-            <a:off x="7150101" y="2356921"/>
-            <a:ext cx="844550" cy="369332"/>
-          </a:xfrm>
-          <a:prstGeom prst="rect">
-            <a:avLst/>
-          </a:prstGeom>
-          <a:noFill/>
-        </p:spPr>
-        <p:txBody>
-          <a:bodyPr wrap="square" rtlCol="0">
-            <a:spAutoFit/>
-          </a:bodyPr>
-          <a:lstStyle/>
-          <a:p>
-            <a:r>
-              <a:rPr lang="pt-BR"/>
-              <a:t>?</a:t>
-            </a:r>
-          </a:p>
-        </p:txBody>
-      </p:sp>
-      <p:sp>
-        <p:nvSpPr>
-          <p:cNvPr id="37" name="Retângulo 36">
-            <a:extLst>
-              <a:ext uri="{FF2B5EF4-FFF2-40B4-BE49-F238E27FC236}">
-                <a16:creationId xmlns:a16="http://schemas.microsoft.com/office/drawing/2014/main" id="{ED9BE864-8629-4424-A5A9-8D0497726EA0}"/>
-              </a:ext>
-            </a:extLst>
-          </p:cNvPr>
-          <p:cNvSpPr/>
-          <p:nvPr/>
-        </p:nvSpPr>
-        <p:spPr>
-          <a:xfrm>
-            <a:off x="5580067" y="3729940"/>
-            <a:ext cx="1476370" cy="382588"/>
-          </a:xfrm>
-          <a:prstGeom prst="rect">
-            <a:avLst/>
-          </a:prstGeom>
-          <a:solidFill>
-            <a:schemeClr val="bg2"/>
-          </a:solidFill>
-        </p:spPr>
-        <p:style>
-          <a:lnRef idx="2">
-            <a:schemeClr val="dk1">
-              <a:shade val="50000"/>
-            </a:schemeClr>
-          </a:lnRef>
-          <a:fillRef idx="1">
-            <a:schemeClr val="dk1"/>
-          </a:fillRef>
-          <a:effectRef idx="0">
-            <a:schemeClr val="dk1"/>
-          </a:effectRef>
-          <a:fontRef idx="minor">
-            <a:schemeClr val="lt1"/>
-          </a:fontRef>
-        </p:style>
-        <p:txBody>
-          <a:bodyPr rot="0" spcFirstLastPara="0" vertOverflow="overflow" horzOverflow="overflow" vert="horz" wrap="square" lIns="91440" tIns="45720" rIns="91440" bIns="45720" numCol="1" spcCol="0" rtlCol="0" fromWordArt="0" anchor="ctr" anchorCtr="0" forceAA="0" compatLnSpc="1">
-            <a:prstTxWarp prst="textNoShape">
-              <a:avLst/>
-            </a:prstTxWarp>
-            <a:noAutofit/>
-          </a:bodyPr>
-          <a:lstStyle/>
-          <a:p>
-            <a:pPr algn="ctr"/>
-            <a:r>
-              <a:rPr lang="pt-BR" dirty="0">
-                <a:ln w="0"/>
-                <a:solidFill>
-                  <a:schemeClr val="tx1"/>
-                </a:solidFill>
-                <a:effectLst>
-                  <a:outerShdw blurRad="38100" dist="19050" dir="2700000" algn="tl" rotWithShape="0">
-                    <a:schemeClr val="dk1">
-                      <a:alpha val="40000"/>
-                    </a:schemeClr>
-                  </a:outerShdw>
-                </a:effectLst>
-              </a:rPr>
-              <a:t>SAT?</a:t>
-            </a:r>
-            <a:r>
-              <a:rPr lang="pt-BR" dirty="0">
-                <a:ln w="0"/>
-                <a:solidFill>
-                  <a:schemeClr val="accent6"/>
-                </a:solidFill>
-                <a:effectLst>
-                  <a:outerShdw blurRad="38100" dist="19050" dir="2700000" algn="tl" rotWithShape="0">
-                    <a:schemeClr val="dk1">
-                      <a:alpha val="40000"/>
-                    </a:schemeClr>
-                  </a:outerShdw>
-                </a:effectLst>
-                <a:sym typeface="Webdings" panose="05030102010509060703" pitchFamily="18" charset="2"/>
-              </a:rPr>
-              <a:t> </a:t>
-            </a:r>
-            <a:endParaRPr lang="pt-BR" b="1" dirty="0">
-              <a:ln w="10160">
-                <a:solidFill>
-                  <a:schemeClr val="accent5"/>
-                </a:solidFill>
-                <a:prstDash val="solid"/>
-              </a:ln>
-              <a:solidFill>
-                <a:srgbClr val="FFFFFF"/>
-              </a:solidFill>
-              <a:effectLst>
-                <a:outerShdw blurRad="38100" dist="22860" dir="5400000" algn="tl" rotWithShape="0">
-                  <a:srgbClr val="000000">
-                    <a:alpha val="30000"/>
-                  </a:srgbClr>
-                </a:outerShdw>
-              </a:effectLst>
-            </a:endParaRPr>
-          </a:p>
-        </p:txBody>
-      </p:sp>
-      <p:sp>
-        <p:nvSpPr>
-          <p:cNvPr id="42" name="Retângulo 41">
-            <a:extLst>
-              <a:ext uri="{FF2B5EF4-FFF2-40B4-BE49-F238E27FC236}">
-                <a16:creationId xmlns:a16="http://schemas.microsoft.com/office/drawing/2014/main" id="{67EAAA4E-0649-4BC8-B5CD-AD13A174554F}"/>
-              </a:ext>
-            </a:extLst>
-          </p:cNvPr>
-          <p:cNvSpPr/>
-          <p:nvPr/>
-        </p:nvSpPr>
-        <p:spPr>
-          <a:xfrm>
-            <a:off x="5580067" y="4613490"/>
-            <a:ext cx="1476370" cy="382588"/>
-          </a:xfrm>
-          <a:prstGeom prst="rect">
-            <a:avLst/>
-          </a:prstGeom>
-          <a:solidFill>
-            <a:schemeClr val="bg2"/>
-          </a:solidFill>
-        </p:spPr>
-        <p:style>
-          <a:lnRef idx="2">
-            <a:schemeClr val="dk1">
-              <a:shade val="50000"/>
-            </a:schemeClr>
-          </a:lnRef>
-          <a:fillRef idx="1">
-            <a:schemeClr val="dk1"/>
-          </a:fillRef>
-          <a:effectRef idx="0">
-            <a:schemeClr val="dk1"/>
-          </a:effectRef>
-          <a:fontRef idx="minor">
-            <a:schemeClr val="lt1"/>
-          </a:fontRef>
-        </p:style>
-        <p:txBody>
-          <a:bodyPr rot="0" spcFirstLastPara="0" vertOverflow="overflow" horzOverflow="overflow" vert="horz" wrap="square" lIns="91440" tIns="45720" rIns="91440" bIns="45720" numCol="1" spcCol="0" rtlCol="0" fromWordArt="0" anchor="ctr" anchorCtr="0" forceAA="0" compatLnSpc="1">
-            <a:prstTxWarp prst="textNoShape">
-              <a:avLst/>
-            </a:prstTxWarp>
-            <a:noAutofit/>
-          </a:bodyPr>
-          <a:lstStyle/>
-          <a:p>
-            <a:pPr algn="ctr"/>
-            <a:r>
-              <a:rPr lang="pt-BR" dirty="0">
-                <a:ln w="0"/>
-                <a:solidFill>
-                  <a:schemeClr val="tx1"/>
-                </a:solidFill>
-                <a:effectLst>
-                  <a:outerShdw blurRad="38100" dist="19050" dir="2700000" algn="tl" rotWithShape="0">
-                    <a:schemeClr val="dk1">
-                      <a:alpha val="40000"/>
-                    </a:schemeClr>
-                  </a:outerShdw>
-                </a:effectLst>
-              </a:rPr>
-              <a:t>SAT?</a:t>
-            </a:r>
-            <a:r>
-              <a:rPr lang="pt-BR" dirty="0">
-                <a:ln w="0"/>
-                <a:solidFill>
-                  <a:schemeClr val="accent6"/>
-                </a:solidFill>
-                <a:effectLst>
-                  <a:outerShdw blurRad="38100" dist="19050" dir="2700000" algn="tl" rotWithShape="0">
-                    <a:schemeClr val="dk1">
-                      <a:alpha val="40000"/>
-                    </a:schemeClr>
-                  </a:outerShdw>
-                </a:effectLst>
-                <a:sym typeface="Webdings" panose="05030102010509060703" pitchFamily="18" charset="2"/>
-              </a:rPr>
-              <a:t> </a:t>
-            </a:r>
-            <a:r>
-              <a:rPr lang="pt-BR" dirty="0">
-                <a:ln w="0"/>
-                <a:solidFill>
-                  <a:schemeClr val="tx1"/>
-                </a:solidFill>
-                <a:effectLst>
-                  <a:outerShdw blurRad="38100" dist="19050" dir="2700000" algn="tl" rotWithShape="0">
-                    <a:schemeClr val="dk1">
-                      <a:alpha val="40000"/>
-                    </a:schemeClr>
-                  </a:outerShdw>
-                </a:effectLst>
-              </a:rPr>
-              <a:t> </a:t>
-            </a:r>
-            <a:endParaRPr lang="pt-BR" b="1" dirty="0">
-              <a:ln w="10160">
-                <a:solidFill>
-                  <a:schemeClr val="accent5"/>
-                </a:solidFill>
-                <a:prstDash val="solid"/>
-              </a:ln>
-              <a:solidFill>
-                <a:srgbClr val="FFFFFF"/>
-              </a:solidFill>
-              <a:effectLst>
-                <a:outerShdw blurRad="38100" dist="22860" dir="5400000" algn="tl" rotWithShape="0">
-                  <a:srgbClr val="000000">
-                    <a:alpha val="30000"/>
-                  </a:srgbClr>
-                </a:outerShdw>
-              </a:effectLst>
-            </a:endParaRPr>
-          </a:p>
-        </p:txBody>
-      </p:sp>
-      <p:sp>
-        <p:nvSpPr>
-          <p:cNvPr id="43" name="Retângulo 42">
-            <a:extLst>
-              <a:ext uri="{FF2B5EF4-FFF2-40B4-BE49-F238E27FC236}">
-                <a16:creationId xmlns:a16="http://schemas.microsoft.com/office/drawing/2014/main" id="{56D1C031-E550-4C15-A610-F552094F3BC0}"/>
-              </a:ext>
-            </a:extLst>
-          </p:cNvPr>
-          <p:cNvSpPr/>
-          <p:nvPr/>
-        </p:nvSpPr>
-        <p:spPr>
-          <a:xfrm>
-            <a:off x="5572126" y="5419103"/>
-            <a:ext cx="1476370" cy="382588"/>
-          </a:xfrm>
-          <a:prstGeom prst="rect">
-            <a:avLst/>
-          </a:prstGeom>
-          <a:solidFill>
-            <a:schemeClr val="bg2"/>
-          </a:solidFill>
-        </p:spPr>
-        <p:style>
-          <a:lnRef idx="2">
-            <a:schemeClr val="dk1">
-              <a:shade val="50000"/>
-            </a:schemeClr>
-          </a:lnRef>
-          <a:fillRef idx="1">
-            <a:schemeClr val="dk1"/>
-          </a:fillRef>
-          <a:effectRef idx="0">
-            <a:schemeClr val="dk1"/>
-          </a:effectRef>
-          <a:fontRef idx="minor">
-            <a:schemeClr val="lt1"/>
-          </a:fontRef>
-        </p:style>
-        <p:txBody>
-          <a:bodyPr rot="0" spcFirstLastPara="0" vertOverflow="overflow" horzOverflow="overflow" vert="horz" wrap="square" lIns="91440" tIns="45720" rIns="91440" bIns="45720" numCol="1" spcCol="0" rtlCol="0" fromWordArt="0" anchor="ctr" anchorCtr="0" forceAA="0" compatLnSpc="1">
-            <a:prstTxWarp prst="textNoShape">
-              <a:avLst/>
-            </a:prstTxWarp>
-            <a:noAutofit/>
-          </a:bodyPr>
-          <a:lstStyle/>
-          <a:p>
-            <a:pPr algn="ctr"/>
-            <a:r>
-              <a:rPr lang="pt-BR" dirty="0">
-                <a:ln w="0"/>
-                <a:solidFill>
-                  <a:schemeClr val="tx1"/>
-                </a:solidFill>
-                <a:effectLst>
-                  <a:outerShdw blurRad="38100" dist="19050" dir="2700000" algn="tl" rotWithShape="0">
-                    <a:schemeClr val="dk1">
-                      <a:alpha val="40000"/>
-                    </a:schemeClr>
-                  </a:outerShdw>
-                </a:effectLst>
-              </a:rPr>
-              <a:t>SAT? </a:t>
-            </a:r>
-            <a:r>
-              <a:rPr lang="pt-BR" dirty="0">
-                <a:ln w="0"/>
-                <a:solidFill>
-                  <a:schemeClr val="accent6"/>
-                </a:solidFill>
-                <a:effectLst>
-                  <a:outerShdw blurRad="38100" dist="19050" dir="2700000" algn="tl" rotWithShape="0">
-                    <a:schemeClr val="dk1">
-                      <a:alpha val="40000"/>
-                    </a:schemeClr>
-                  </a:outerShdw>
-                </a:effectLst>
-                <a:sym typeface="Webdings" panose="05030102010509060703" pitchFamily="18" charset="2"/>
-              </a:rPr>
-              <a:t></a:t>
-            </a:r>
-            <a:endParaRPr lang="pt-BR" b="1" dirty="0">
-              <a:ln w="10160">
-                <a:solidFill>
-                  <a:schemeClr val="accent5"/>
-                </a:solidFill>
-                <a:prstDash val="solid"/>
-              </a:ln>
-              <a:solidFill>
-                <a:schemeClr val="accent6"/>
-              </a:solidFill>
-              <a:effectLst>
-                <a:outerShdw blurRad="38100" dist="22860" dir="5400000" algn="tl" rotWithShape="0">
-                  <a:srgbClr val="000000">
-                    <a:alpha val="30000"/>
-                  </a:srgbClr>
-                </a:outerShdw>
-              </a:effectLst>
-            </a:endParaRPr>
-          </a:p>
-        </p:txBody>
-      </p:sp>
       <p:cxnSp>
         <p:nvCxnSpPr>
-          <p:cNvPr id="44" name="Conector de Seta Reta 43">
-            <a:extLst>
-              <a:ext uri="{FF2B5EF4-FFF2-40B4-BE49-F238E27FC236}">
-                <a16:creationId xmlns:a16="http://schemas.microsoft.com/office/drawing/2014/main" id="{654E3EDB-006B-4EE4-8212-C2760A87F363}"/>
-              </a:ext>
-            </a:extLst>
-          </p:cNvPr>
-          <p:cNvCxnSpPr>
-            <a:cxnSpLocks/>
-          </p:cNvCxnSpPr>
+          <p:cNvPr id="35" name="Conector de Seta Reta 31">
+            <a:extLst>
+              <a:ext uri="{FF2B5EF4-FFF2-40B4-BE49-F238E27FC236}">
+                <a16:creationId xmlns:a16="http://schemas.microsoft.com/office/drawing/2014/main" id="{7E5FD7C9-F16E-4954-986D-2DB0E16B9F78}"/>
+              </a:ext>
+            </a:extLst>
+          </p:cNvPr>
+          <p:cNvCxnSpPr/>
           <p:nvPr/>
         </p:nvCxnSpPr>
         <p:spPr>
-          <a:xfrm>
-            <a:off x="5594348" y="5714635"/>
-            <a:ext cx="244474" cy="274606"/>
+          <a:xfrm flipH="1">
+            <a:off x="4203698" y="5680745"/>
+            <a:ext cx="295250" cy="321196"/>
           </a:xfrm>
           <a:prstGeom prst="straightConnector1">
             <a:avLst/>
@@ -17293,171 +17541,47 @@
           </a:fontRef>
         </p:style>
       </p:cxnSp>
-      <p:sp>
-        <p:nvSpPr>
-          <p:cNvPr id="58" name="CaixaDeTexto 57">
-            <a:extLst>
-              <a:ext uri="{FF2B5EF4-FFF2-40B4-BE49-F238E27FC236}">
-                <a16:creationId xmlns:a16="http://schemas.microsoft.com/office/drawing/2014/main" id="{3A967126-DF58-45F7-AA42-EEF2BF369CAE}"/>
-              </a:ext>
-            </a:extLst>
-          </p:cNvPr>
-          <p:cNvSpPr txBox="1"/>
-          <p:nvPr/>
-        </p:nvSpPr>
-        <p:spPr>
-          <a:xfrm>
-            <a:off x="5888036" y="6027221"/>
-            <a:ext cx="844550" cy="369332"/>
-          </a:xfrm>
-          <a:prstGeom prst="rect">
-            <a:avLst/>
-          </a:prstGeom>
-          <a:noFill/>
-        </p:spPr>
-        <p:txBody>
-          <a:bodyPr wrap="square" rtlCol="0">
-            <a:spAutoFit/>
-          </a:bodyPr>
-          <a:lstStyle/>
-          <a:p>
-            <a:r>
-              <a:rPr lang="pt-BR"/>
-              <a:t>?</a:t>
-            </a:r>
-          </a:p>
-        </p:txBody>
-      </p:sp>
-      <p:sp>
-        <p:nvSpPr>
-          <p:cNvPr id="31" name="CaixaDeTexto 2">
-            <a:extLst>
-              <a:ext uri="{FF2B5EF4-FFF2-40B4-BE49-F238E27FC236}">
-                <a16:creationId xmlns:a16="http://schemas.microsoft.com/office/drawing/2014/main" id="{09314240-1654-48F6-91BD-D7021D2B9D43}"/>
-              </a:ext>
-            </a:extLst>
-          </p:cNvPr>
-          <p:cNvSpPr txBox="1"/>
-          <p:nvPr/>
-        </p:nvSpPr>
-        <p:spPr>
-          <a:xfrm>
-            <a:off x="965446" y="1689531"/>
-            <a:ext cx="3187700" cy="2585323"/>
-          </a:xfrm>
-          <a:prstGeom prst="rect">
-            <a:avLst/>
-          </a:prstGeom>
-          <a:solidFill>
-            <a:schemeClr val="bg2"/>
-          </a:solidFill>
-        </p:spPr>
-        <p:txBody>
-          <a:bodyPr wrap="square" rtlCol="0">
-            <a:spAutoFit/>
-          </a:bodyPr>
-          <a:lstStyle/>
-          <a:p>
-            <a:r>
-              <a:rPr lang="pt-BR" dirty="0" err="1"/>
-              <a:t>int</a:t>
-            </a:r>
-            <a:r>
-              <a:rPr lang="pt-BR" dirty="0"/>
-              <a:t> x, y</a:t>
-            </a:r>
-          </a:p>
-          <a:p>
-            <a:r>
-              <a:rPr lang="pt-BR" dirty="0"/>
-              <a:t>1 </a:t>
-            </a:r>
-            <a:r>
-              <a:rPr lang="pt-BR" dirty="0" err="1"/>
-              <a:t>if</a:t>
-            </a:r>
-            <a:r>
-              <a:rPr lang="pt-BR" dirty="0"/>
-              <a:t>(x &gt; y){</a:t>
-            </a:r>
-          </a:p>
-          <a:p>
-            <a:pPr marL="342900" indent="-342900">
-              <a:buAutoNum type="arabicPlain" startAt="2"/>
-            </a:pPr>
-            <a:r>
-              <a:rPr lang="pt-BR" dirty="0"/>
-              <a:t>x = x + y;</a:t>
-            </a:r>
-          </a:p>
-          <a:p>
-            <a:pPr marL="342900" indent="-342900">
-              <a:buAutoNum type="arabicPlain" startAt="2"/>
-            </a:pPr>
-            <a:r>
-              <a:rPr lang="pt-BR" dirty="0"/>
-              <a:t>y = x – y;</a:t>
-            </a:r>
-          </a:p>
-          <a:p>
-            <a:pPr marL="342900" indent="-342900">
-              <a:buAutoNum type="arabicPlain" startAt="2"/>
-            </a:pPr>
-            <a:r>
-              <a:rPr lang="pt-BR" dirty="0"/>
-              <a:t>x = x – y;</a:t>
-            </a:r>
-          </a:p>
-          <a:p>
-            <a:pPr marL="342900" indent="-342900">
-              <a:buAutoNum type="arabicPlain" startAt="2"/>
-            </a:pPr>
-            <a:r>
-              <a:rPr lang="pt-BR" dirty="0"/>
-              <a:t>if(x &gt; y){</a:t>
-            </a:r>
-          </a:p>
-          <a:p>
-            <a:pPr marL="342900" indent="-342900">
-              <a:buAutoNum type="arabicPlain" startAt="2"/>
-            </a:pPr>
-            <a:r>
-              <a:rPr lang="pt-BR" dirty="0"/>
-              <a:t>      </a:t>
-            </a:r>
-            <a:r>
-              <a:rPr lang="pt-BR" dirty="0" err="1"/>
-              <a:t>assert</a:t>
-            </a:r>
-            <a:r>
-              <a:rPr lang="pt-BR" dirty="0"/>
-              <a:t> false;   </a:t>
-            </a:r>
-          </a:p>
-          <a:p>
-            <a:pPr marL="342900" indent="-342900">
-              <a:buAutoNum type="arabicPlain" startAt="2"/>
-            </a:pPr>
-            <a:r>
-              <a:rPr lang="pt-BR" dirty="0"/>
-              <a:t>}</a:t>
-            </a:r>
-          </a:p>
-          <a:p>
-            <a:pPr marL="342900" indent="-342900">
-              <a:buAutoNum type="arabicPlain" startAt="2"/>
-            </a:pPr>
-            <a:r>
-              <a:rPr lang="pt-BR" dirty="0" err="1"/>
-              <a:t>print</a:t>
-            </a:r>
-            <a:r>
-              <a:rPr lang="pt-BR" dirty="0"/>
-              <a:t>(x, y);</a:t>
-            </a:r>
-          </a:p>
-        </p:txBody>
-      </p:sp>
+      <p:cxnSp>
+        <p:nvCxnSpPr>
+          <p:cNvPr id="38" name="Conector de Seta Reta 43">
+            <a:extLst>
+              <a:ext uri="{FF2B5EF4-FFF2-40B4-BE49-F238E27FC236}">
+                <a16:creationId xmlns:a16="http://schemas.microsoft.com/office/drawing/2014/main" id="{654E3EDB-006B-4EE4-8212-C2760A87F363}"/>
+              </a:ext>
+            </a:extLst>
+          </p:cNvPr>
+          <p:cNvCxnSpPr>
+            <a:cxnSpLocks/>
+          </p:cNvCxnSpPr>
+          <p:nvPr/>
+        </p:nvCxnSpPr>
+        <p:spPr>
+          <a:xfrm>
+            <a:off x="5422906" y="5639499"/>
+            <a:ext cx="336024" cy="362442"/>
+          </a:xfrm>
+          <a:prstGeom prst="straightConnector1">
+            <a:avLst/>
+          </a:prstGeom>
+          <a:ln>
+            <a:tailEnd type="triangle"/>
+          </a:ln>
+        </p:spPr>
+        <p:style>
+          <a:lnRef idx="1">
+            <a:schemeClr val="dk1"/>
+          </a:lnRef>
+          <a:fillRef idx="0">
+            <a:schemeClr val="dk1"/>
+          </a:fillRef>
+          <a:effectRef idx="0">
+            <a:schemeClr val="dk1"/>
+          </a:effectRef>
+          <a:fontRef idx="minor">
+            <a:schemeClr val="tx1"/>
+          </a:fontRef>
+        </p:style>
+      </p:cxnSp>
     </p:spTree>
     <p:extLst>
       <p:ext uri="{BB962C8B-B14F-4D97-AF65-F5344CB8AC3E}">
@@ -17557,10 +17681,10 @@
       </p:sp>
       <p:sp>
         <p:nvSpPr>
-          <p:cNvPr id="13" name="CaixaDeTexto 12">
-            <a:extLst>
-              <a:ext uri="{FF2B5EF4-FFF2-40B4-BE49-F238E27FC236}">
-                <a16:creationId xmlns:a16="http://schemas.microsoft.com/office/drawing/2014/main" id="{CD7E33C5-6687-42E9-8C80-FA833198C99D}"/>
+          <p:cNvPr id="14" name="CaixaDeTexto 13">
+            <a:extLst>
+              <a:ext uri="{FF2B5EF4-FFF2-40B4-BE49-F238E27FC236}">
+                <a16:creationId xmlns:a16="http://schemas.microsoft.com/office/drawing/2014/main" id="{03DD6710-AABF-478E-AFDC-39ABC8028998}"/>
               </a:ext>
             </a:extLst>
           </p:cNvPr>
@@ -17569,51 +17693,8 @@
         </p:nvSpPr>
         <p:spPr>
           <a:xfrm>
-            <a:off x="2628898" y="5907408"/>
-            <a:ext cx="2749554" cy="646331"/>
-          </a:xfrm>
-          <a:prstGeom prst="rect">
-            <a:avLst/>
-          </a:prstGeom>
-          <a:solidFill>
-            <a:schemeClr val="bg2"/>
-          </a:solidFill>
-        </p:spPr>
-        <p:txBody>
-          <a:bodyPr wrap="square" rtlCol="0">
-            <a:spAutoFit/>
-          </a:bodyPr>
-          <a:lstStyle/>
-          <a:p>
-            <a:r>
-              <a:rPr lang="pt-BR" dirty="0"/>
-              <a:t>x = $B, y = $A</a:t>
-            </a:r>
-          </a:p>
-          <a:p>
-            <a:r>
-              <a:rPr lang="pt-BR" dirty="0"/>
-              <a:t>PC: $A &gt; $B &amp; $B-$A &gt; 0</a:t>
-            </a:r>
-          </a:p>
-        </p:txBody>
-      </p:sp>
-      <p:sp>
-        <p:nvSpPr>
-          <p:cNvPr id="14" name="CaixaDeTexto 13">
-            <a:extLst>
-              <a:ext uri="{FF2B5EF4-FFF2-40B4-BE49-F238E27FC236}">
-                <a16:creationId xmlns:a16="http://schemas.microsoft.com/office/drawing/2014/main" id="{03DD6710-AABF-478E-AFDC-39ABC8028998}"/>
-              </a:ext>
-            </a:extLst>
-          </p:cNvPr>
-          <p:cNvSpPr txBox="1"/>
-          <p:nvPr/>
-        </p:nvSpPr>
-        <p:spPr>
-          <a:xfrm>
-            <a:off x="5575298" y="5907408"/>
-            <a:ext cx="2654300" cy="646331"/>
+            <a:off x="5575297" y="5907408"/>
+            <a:ext cx="2789769" cy="646331"/>
           </a:xfrm>
           <a:prstGeom prst="rect">
             <a:avLst/>
@@ -17639,91 +17720,11 @@
           <a:p>
             <a:r>
               <a:rPr lang="pt-BR" dirty="0"/>
-              <a:t>PC: $A &gt; $B &amp; $B-$A &lt;= 0</a:t>
-            </a:r>
-          </a:p>
-        </p:txBody>
-      </p:sp>
-      <p:cxnSp>
-        <p:nvCxnSpPr>
-          <p:cNvPr id="29" name="Conector de Seta Reta 28">
-            <a:extLst>
-              <a:ext uri="{FF2B5EF4-FFF2-40B4-BE49-F238E27FC236}">
-                <a16:creationId xmlns:a16="http://schemas.microsoft.com/office/drawing/2014/main" id="{54D706D6-1327-482B-85A2-48D08F297BE2}"/>
-              </a:ext>
-            </a:extLst>
-          </p:cNvPr>
-          <p:cNvCxnSpPr>
-            <a:cxnSpLocks/>
-          </p:cNvCxnSpPr>
-          <p:nvPr/>
-        </p:nvCxnSpPr>
-        <p:spPr>
-          <a:xfrm>
-            <a:off x="5594348" y="5714635"/>
-            <a:ext cx="244474" cy="274606"/>
-          </a:xfrm>
-          <a:prstGeom prst="straightConnector1">
-            <a:avLst/>
-          </a:prstGeom>
-          <a:ln>
-            <a:tailEnd type="triangle"/>
-          </a:ln>
-        </p:spPr>
-        <p:style>
-          <a:lnRef idx="1">
-            <a:schemeClr val="dk1"/>
-          </a:lnRef>
-          <a:fillRef idx="0">
-            <a:schemeClr val="dk1"/>
-          </a:fillRef>
-          <a:effectRef idx="0">
-            <a:schemeClr val="dk1"/>
-          </a:effectRef>
-          <a:fontRef idx="minor">
-            <a:schemeClr val="tx1"/>
-          </a:fontRef>
-        </p:style>
-      </p:cxnSp>
-      <p:cxnSp>
-        <p:nvCxnSpPr>
-          <p:cNvPr id="32" name="Conector de Seta Reta 31">
-            <a:extLst>
-              <a:ext uri="{FF2B5EF4-FFF2-40B4-BE49-F238E27FC236}">
-                <a16:creationId xmlns:a16="http://schemas.microsoft.com/office/drawing/2014/main" id="{7E5FD7C9-F16E-4954-986D-2DB0E16B9F78}"/>
-              </a:ext>
-            </a:extLst>
-          </p:cNvPr>
-          <p:cNvCxnSpPr/>
-          <p:nvPr/>
-        </p:nvCxnSpPr>
-        <p:spPr>
-          <a:xfrm flipH="1">
-            <a:off x="4203698" y="5701219"/>
-            <a:ext cx="361952" cy="300722"/>
-          </a:xfrm>
-          <a:prstGeom prst="straightConnector1">
-            <a:avLst/>
-          </a:prstGeom>
-          <a:ln>
-            <a:tailEnd type="triangle"/>
-          </a:ln>
-        </p:spPr>
-        <p:style>
-          <a:lnRef idx="1">
-            <a:schemeClr val="dk1"/>
-          </a:lnRef>
-          <a:fillRef idx="0">
-            <a:schemeClr val="dk1"/>
-          </a:fillRef>
-          <a:effectRef idx="0">
-            <a:schemeClr val="dk1"/>
-          </a:effectRef>
-          <a:fontRef idx="minor">
-            <a:schemeClr val="tx1"/>
-          </a:fontRef>
-        </p:style>
-      </p:cxnSp>
+              <a:t>PC: $A &gt; $B &amp; $B &lt;= $A</a:t>
+            </a:r>
+          </a:p>
+        </p:txBody>
+      </p:sp>
       <p:sp>
         <p:nvSpPr>
           <p:cNvPr id="45" name="CaixaDeTexto 44">
@@ -18313,10 +18314,10 @@
       </p:sp>
       <p:sp>
         <p:nvSpPr>
-          <p:cNvPr id="86" name="CaixaDeTexto 85">
-            <a:extLst>
-              <a:ext uri="{FF2B5EF4-FFF2-40B4-BE49-F238E27FC236}">
-                <a16:creationId xmlns:a16="http://schemas.microsoft.com/office/drawing/2014/main" id="{428539E9-4457-498E-87B4-0438136A0442}"/>
+          <p:cNvPr id="87" name="CaixaDeTexto 86">
+            <a:extLst>
+              <a:ext uri="{FF2B5EF4-FFF2-40B4-BE49-F238E27FC236}">
+                <a16:creationId xmlns:a16="http://schemas.microsoft.com/office/drawing/2014/main" id="{91A5B7EC-C4F8-49A2-A73D-4654B2BCAFCE}"/>
               </a:ext>
             </a:extLst>
           </p:cNvPr>
@@ -18325,7 +18326,7 @@
         </p:nvSpPr>
         <p:spPr>
           <a:xfrm>
-            <a:off x="2390776" y="6081491"/>
+            <a:off x="8383235" y="6045907"/>
             <a:ext cx="279398" cy="369332"/>
           </a:xfrm>
           <a:prstGeom prst="rect">
@@ -18340,43 +18341,8 @@
           <a:lstStyle/>
           <a:p>
             <a:r>
-              <a:rPr lang="pt-BR"/>
+              <a:rPr lang="pt-BR" dirty="0"/>
               <a:t>6</a:t>
-            </a:r>
-          </a:p>
-        </p:txBody>
-      </p:sp>
-      <p:sp>
-        <p:nvSpPr>
-          <p:cNvPr id="87" name="CaixaDeTexto 86">
-            <a:extLst>
-              <a:ext uri="{FF2B5EF4-FFF2-40B4-BE49-F238E27FC236}">
-                <a16:creationId xmlns:a16="http://schemas.microsoft.com/office/drawing/2014/main" id="{91A5B7EC-C4F8-49A2-A73D-4654B2BCAFCE}"/>
-              </a:ext>
-            </a:extLst>
-          </p:cNvPr>
-          <p:cNvSpPr txBox="1"/>
-          <p:nvPr/>
-        </p:nvSpPr>
-        <p:spPr>
-          <a:xfrm>
-            <a:off x="8202611" y="6045907"/>
-            <a:ext cx="279398" cy="369332"/>
-          </a:xfrm>
-          <a:prstGeom prst="rect">
-            <a:avLst/>
-          </a:prstGeom>
-          <a:noFill/>
-        </p:spPr>
-        <p:txBody>
-          <a:bodyPr wrap="square" rtlCol="0">
-            <a:spAutoFit/>
-          </a:bodyPr>
-          <a:lstStyle/>
-          <a:p>
-            <a:r>
-              <a:rPr lang="pt-BR"/>
-              <a:t>8</a:t>
             </a:r>
           </a:p>
         </p:txBody>
@@ -18522,7 +18488,659 @@
       </p:sp>
       <p:sp>
         <p:nvSpPr>
-          <p:cNvPr id="33" name="Retângulo 58">
+          <p:cNvPr id="34" name="Retângulo 60">
+            <a:extLst>
+              <a:ext uri="{FF2B5EF4-FFF2-40B4-BE49-F238E27FC236}">
+                <a16:creationId xmlns:a16="http://schemas.microsoft.com/office/drawing/2014/main" id="{D3265EEC-53C2-42D8-A294-AA7CB681116A}"/>
+              </a:ext>
+            </a:extLst>
+          </p:cNvPr>
+          <p:cNvSpPr/>
+          <p:nvPr/>
+        </p:nvSpPr>
+        <p:spPr>
+          <a:xfrm>
+            <a:off x="5580067" y="2770860"/>
+            <a:ext cx="1476370" cy="382588"/>
+          </a:xfrm>
+          <a:prstGeom prst="rect">
+            <a:avLst/>
+          </a:prstGeom>
+          <a:solidFill>
+            <a:schemeClr val="bg2"/>
+          </a:solidFill>
+        </p:spPr>
+        <p:style>
+          <a:lnRef idx="2">
+            <a:schemeClr val="dk1">
+              <a:shade val="50000"/>
+            </a:schemeClr>
+          </a:lnRef>
+          <a:fillRef idx="1">
+            <a:schemeClr val="dk1"/>
+          </a:fillRef>
+          <a:effectRef idx="0">
+            <a:schemeClr val="dk1"/>
+          </a:effectRef>
+          <a:fontRef idx="minor">
+            <a:schemeClr val="lt1"/>
+          </a:fontRef>
+        </p:style>
+        <p:txBody>
+          <a:bodyPr rot="0" spcFirstLastPara="0" vertOverflow="overflow" horzOverflow="overflow" vert="horz" wrap="square" lIns="91440" tIns="45720" rIns="91440" bIns="45720" numCol="1" spcCol="0" rtlCol="0" fromWordArt="0" anchor="ctr" anchorCtr="0" forceAA="0" compatLnSpc="1">
+            <a:prstTxWarp prst="textNoShape">
+              <a:avLst/>
+            </a:prstTxWarp>
+            <a:noAutofit/>
+          </a:bodyPr>
+          <a:lstStyle/>
+          <a:p>
+            <a:pPr algn="ctr"/>
+            <a:r>
+              <a:rPr lang="pt-BR" dirty="0">
+                <a:ln w="0"/>
+                <a:solidFill>
+                  <a:schemeClr val="tx1"/>
+                </a:solidFill>
+                <a:effectLst>
+                  <a:outerShdw blurRad="38100" dist="19050" dir="2700000" algn="tl" rotWithShape="0">
+                    <a:schemeClr val="dk1">
+                      <a:alpha val="40000"/>
+                    </a:schemeClr>
+                  </a:outerShdw>
+                </a:effectLst>
+              </a:rPr>
+              <a:t> SAT?</a:t>
+            </a:r>
+            <a:r>
+              <a:rPr lang="pt-BR" dirty="0">
+                <a:solidFill>
+                  <a:srgbClr val="000000"/>
+                </a:solidFill>
+              </a:rPr>
+              <a:t> </a:t>
+            </a:r>
+            <a:r>
+              <a:rPr lang="pt-BR" dirty="0">
+                <a:ln w="0"/>
+                <a:solidFill>
+                  <a:schemeClr val="accent6"/>
+                </a:solidFill>
+                <a:effectLst>
+                  <a:outerShdw blurRad="38100" dist="19050" dir="2700000" algn="tl" rotWithShape="0">
+                    <a:schemeClr val="dk1">
+                      <a:alpha val="40000"/>
+                    </a:schemeClr>
+                  </a:outerShdw>
+                </a:effectLst>
+                <a:sym typeface="Webdings" panose="05030102010509060703" pitchFamily="18" charset="2"/>
+              </a:rPr>
+              <a:t> </a:t>
+            </a:r>
+            <a:endParaRPr lang="pt-BR" b="1" dirty="0">
+              <a:ln w="10160">
+                <a:solidFill>
+                  <a:schemeClr val="accent5"/>
+                </a:solidFill>
+                <a:prstDash val="solid"/>
+              </a:ln>
+              <a:solidFill>
+                <a:srgbClr val="FFFFFF"/>
+              </a:solidFill>
+              <a:effectLst>
+                <a:outerShdw blurRad="38100" dist="22860" dir="5400000" algn="tl" rotWithShape="0">
+                  <a:srgbClr val="000000">
+                    <a:alpha val="30000"/>
+                  </a:srgbClr>
+                </a:outerShdw>
+              </a:effectLst>
+            </a:endParaRPr>
+          </a:p>
+        </p:txBody>
+      </p:sp>
+      <p:sp>
+        <p:nvSpPr>
+          <p:cNvPr id="35" name="Retângulo 36">
+            <a:extLst>
+              <a:ext uri="{FF2B5EF4-FFF2-40B4-BE49-F238E27FC236}">
+                <a16:creationId xmlns:a16="http://schemas.microsoft.com/office/drawing/2014/main" id="{ED9BE864-8629-4424-A5A9-8D0497726EA0}"/>
+              </a:ext>
+            </a:extLst>
+          </p:cNvPr>
+          <p:cNvSpPr/>
+          <p:nvPr/>
+        </p:nvSpPr>
+        <p:spPr>
+          <a:xfrm>
+            <a:off x="5580067" y="3729940"/>
+            <a:ext cx="1476370" cy="382588"/>
+          </a:xfrm>
+          <a:prstGeom prst="rect">
+            <a:avLst/>
+          </a:prstGeom>
+          <a:solidFill>
+            <a:schemeClr val="bg2"/>
+          </a:solidFill>
+        </p:spPr>
+        <p:style>
+          <a:lnRef idx="2">
+            <a:schemeClr val="dk1">
+              <a:shade val="50000"/>
+            </a:schemeClr>
+          </a:lnRef>
+          <a:fillRef idx="1">
+            <a:schemeClr val="dk1"/>
+          </a:fillRef>
+          <a:effectRef idx="0">
+            <a:schemeClr val="dk1"/>
+          </a:effectRef>
+          <a:fontRef idx="minor">
+            <a:schemeClr val="lt1"/>
+          </a:fontRef>
+        </p:style>
+        <p:txBody>
+          <a:bodyPr rot="0" spcFirstLastPara="0" vertOverflow="overflow" horzOverflow="overflow" vert="horz" wrap="square" lIns="91440" tIns="45720" rIns="91440" bIns="45720" numCol="1" spcCol="0" rtlCol="0" fromWordArt="0" anchor="ctr" anchorCtr="0" forceAA="0" compatLnSpc="1">
+            <a:prstTxWarp prst="textNoShape">
+              <a:avLst/>
+            </a:prstTxWarp>
+            <a:noAutofit/>
+          </a:bodyPr>
+          <a:lstStyle/>
+          <a:p>
+            <a:pPr algn="ctr"/>
+            <a:r>
+              <a:rPr lang="pt-BR" dirty="0">
+                <a:ln w="0"/>
+                <a:solidFill>
+                  <a:schemeClr val="tx1"/>
+                </a:solidFill>
+                <a:effectLst>
+                  <a:outerShdw blurRad="38100" dist="19050" dir="2700000" algn="tl" rotWithShape="0">
+                    <a:schemeClr val="dk1">
+                      <a:alpha val="40000"/>
+                    </a:schemeClr>
+                  </a:outerShdw>
+                </a:effectLst>
+              </a:rPr>
+              <a:t>SAT?</a:t>
+            </a:r>
+            <a:r>
+              <a:rPr lang="pt-BR" dirty="0">
+                <a:ln w="0"/>
+                <a:solidFill>
+                  <a:schemeClr val="accent6"/>
+                </a:solidFill>
+                <a:effectLst>
+                  <a:outerShdw blurRad="38100" dist="19050" dir="2700000" algn="tl" rotWithShape="0">
+                    <a:schemeClr val="dk1">
+                      <a:alpha val="40000"/>
+                    </a:schemeClr>
+                  </a:outerShdw>
+                </a:effectLst>
+                <a:sym typeface="Webdings" panose="05030102010509060703" pitchFamily="18" charset="2"/>
+              </a:rPr>
+              <a:t> </a:t>
+            </a:r>
+            <a:endParaRPr lang="pt-BR" b="1" dirty="0">
+              <a:ln w="10160">
+                <a:solidFill>
+                  <a:schemeClr val="accent5"/>
+                </a:solidFill>
+                <a:prstDash val="solid"/>
+              </a:ln>
+              <a:solidFill>
+                <a:srgbClr val="FFFFFF"/>
+              </a:solidFill>
+              <a:effectLst>
+                <a:outerShdw blurRad="38100" dist="22860" dir="5400000" algn="tl" rotWithShape="0">
+                  <a:srgbClr val="000000">
+                    <a:alpha val="30000"/>
+                  </a:srgbClr>
+                </a:outerShdw>
+              </a:effectLst>
+            </a:endParaRPr>
+          </a:p>
+        </p:txBody>
+      </p:sp>
+      <p:sp>
+        <p:nvSpPr>
+          <p:cNvPr id="41" name="Retângulo 41">
+            <a:extLst>
+              <a:ext uri="{FF2B5EF4-FFF2-40B4-BE49-F238E27FC236}">
+                <a16:creationId xmlns:a16="http://schemas.microsoft.com/office/drawing/2014/main" id="{67EAAA4E-0649-4BC8-B5CD-AD13A174554F}"/>
+              </a:ext>
+            </a:extLst>
+          </p:cNvPr>
+          <p:cNvSpPr/>
+          <p:nvPr/>
+        </p:nvSpPr>
+        <p:spPr>
+          <a:xfrm>
+            <a:off x="5580067" y="4613490"/>
+            <a:ext cx="1476370" cy="382588"/>
+          </a:xfrm>
+          <a:prstGeom prst="rect">
+            <a:avLst/>
+          </a:prstGeom>
+          <a:solidFill>
+            <a:schemeClr val="bg2"/>
+          </a:solidFill>
+        </p:spPr>
+        <p:style>
+          <a:lnRef idx="2">
+            <a:schemeClr val="dk1">
+              <a:shade val="50000"/>
+            </a:schemeClr>
+          </a:lnRef>
+          <a:fillRef idx="1">
+            <a:schemeClr val="dk1"/>
+          </a:fillRef>
+          <a:effectRef idx="0">
+            <a:schemeClr val="dk1"/>
+          </a:effectRef>
+          <a:fontRef idx="minor">
+            <a:schemeClr val="lt1"/>
+          </a:fontRef>
+        </p:style>
+        <p:txBody>
+          <a:bodyPr rot="0" spcFirstLastPara="0" vertOverflow="overflow" horzOverflow="overflow" vert="horz" wrap="square" lIns="91440" tIns="45720" rIns="91440" bIns="45720" numCol="1" spcCol="0" rtlCol="0" fromWordArt="0" anchor="ctr" anchorCtr="0" forceAA="0" compatLnSpc="1">
+            <a:prstTxWarp prst="textNoShape">
+              <a:avLst/>
+            </a:prstTxWarp>
+            <a:noAutofit/>
+          </a:bodyPr>
+          <a:lstStyle/>
+          <a:p>
+            <a:pPr algn="ctr"/>
+            <a:r>
+              <a:rPr lang="pt-BR" dirty="0">
+                <a:ln w="0"/>
+                <a:solidFill>
+                  <a:schemeClr val="tx1"/>
+                </a:solidFill>
+                <a:effectLst>
+                  <a:outerShdw blurRad="38100" dist="19050" dir="2700000" algn="tl" rotWithShape="0">
+                    <a:schemeClr val="dk1">
+                      <a:alpha val="40000"/>
+                    </a:schemeClr>
+                  </a:outerShdw>
+                </a:effectLst>
+              </a:rPr>
+              <a:t>SAT?</a:t>
+            </a:r>
+            <a:r>
+              <a:rPr lang="pt-BR" dirty="0">
+                <a:ln w="0"/>
+                <a:solidFill>
+                  <a:schemeClr val="accent6"/>
+                </a:solidFill>
+                <a:effectLst>
+                  <a:outerShdw blurRad="38100" dist="19050" dir="2700000" algn="tl" rotWithShape="0">
+                    <a:schemeClr val="dk1">
+                      <a:alpha val="40000"/>
+                    </a:schemeClr>
+                  </a:outerShdw>
+                </a:effectLst>
+                <a:sym typeface="Webdings" panose="05030102010509060703" pitchFamily="18" charset="2"/>
+              </a:rPr>
+              <a:t> </a:t>
+            </a:r>
+            <a:r>
+              <a:rPr lang="pt-BR" dirty="0">
+                <a:ln w="0"/>
+                <a:solidFill>
+                  <a:schemeClr val="tx1"/>
+                </a:solidFill>
+                <a:effectLst>
+                  <a:outerShdw blurRad="38100" dist="19050" dir="2700000" algn="tl" rotWithShape="0">
+                    <a:schemeClr val="dk1">
+                      <a:alpha val="40000"/>
+                    </a:schemeClr>
+                  </a:outerShdw>
+                </a:effectLst>
+              </a:rPr>
+              <a:t> </a:t>
+            </a:r>
+            <a:endParaRPr lang="pt-BR" b="1" dirty="0">
+              <a:ln w="10160">
+                <a:solidFill>
+                  <a:schemeClr val="accent5"/>
+                </a:solidFill>
+                <a:prstDash val="solid"/>
+              </a:ln>
+              <a:solidFill>
+                <a:srgbClr val="FFFFFF"/>
+              </a:solidFill>
+              <a:effectLst>
+                <a:outerShdw blurRad="38100" dist="22860" dir="5400000" algn="tl" rotWithShape="0">
+                  <a:srgbClr val="000000">
+                    <a:alpha val="30000"/>
+                  </a:srgbClr>
+                </a:outerShdw>
+              </a:effectLst>
+            </a:endParaRPr>
+          </a:p>
+        </p:txBody>
+      </p:sp>
+      <p:sp>
+        <p:nvSpPr>
+          <p:cNvPr id="44" name="Retângulo 42">
+            <a:extLst>
+              <a:ext uri="{FF2B5EF4-FFF2-40B4-BE49-F238E27FC236}">
+                <a16:creationId xmlns:a16="http://schemas.microsoft.com/office/drawing/2014/main" id="{56D1C031-E550-4C15-A610-F552094F3BC0}"/>
+              </a:ext>
+            </a:extLst>
+          </p:cNvPr>
+          <p:cNvSpPr/>
+          <p:nvPr/>
+        </p:nvSpPr>
+        <p:spPr>
+          <a:xfrm>
+            <a:off x="5572126" y="5419103"/>
+            <a:ext cx="1476370" cy="382588"/>
+          </a:xfrm>
+          <a:prstGeom prst="rect">
+            <a:avLst/>
+          </a:prstGeom>
+          <a:solidFill>
+            <a:schemeClr val="bg2"/>
+          </a:solidFill>
+        </p:spPr>
+        <p:style>
+          <a:lnRef idx="2">
+            <a:schemeClr val="dk1">
+              <a:shade val="50000"/>
+            </a:schemeClr>
+          </a:lnRef>
+          <a:fillRef idx="1">
+            <a:schemeClr val="dk1"/>
+          </a:fillRef>
+          <a:effectRef idx="0">
+            <a:schemeClr val="dk1"/>
+          </a:effectRef>
+          <a:fontRef idx="minor">
+            <a:schemeClr val="lt1"/>
+          </a:fontRef>
+        </p:style>
+        <p:txBody>
+          <a:bodyPr rot="0" spcFirstLastPara="0" vertOverflow="overflow" horzOverflow="overflow" vert="horz" wrap="square" lIns="91440" tIns="45720" rIns="91440" bIns="45720" numCol="1" spcCol="0" rtlCol="0" fromWordArt="0" anchor="ctr" anchorCtr="0" forceAA="0" compatLnSpc="1">
+            <a:prstTxWarp prst="textNoShape">
+              <a:avLst/>
+            </a:prstTxWarp>
+            <a:noAutofit/>
+          </a:bodyPr>
+          <a:lstStyle/>
+          <a:p>
+            <a:pPr algn="ctr"/>
+            <a:r>
+              <a:rPr lang="pt-BR" dirty="0">
+                <a:ln w="0"/>
+                <a:solidFill>
+                  <a:schemeClr val="tx1"/>
+                </a:solidFill>
+                <a:effectLst>
+                  <a:outerShdw blurRad="38100" dist="19050" dir="2700000" algn="tl" rotWithShape="0">
+                    <a:schemeClr val="dk1">
+                      <a:alpha val="40000"/>
+                    </a:schemeClr>
+                  </a:outerShdw>
+                </a:effectLst>
+              </a:rPr>
+              <a:t>SAT? </a:t>
+            </a:r>
+            <a:r>
+              <a:rPr lang="pt-BR" dirty="0">
+                <a:ln w="0"/>
+                <a:solidFill>
+                  <a:schemeClr val="accent6"/>
+                </a:solidFill>
+                <a:effectLst>
+                  <a:outerShdw blurRad="38100" dist="19050" dir="2700000" algn="tl" rotWithShape="0">
+                    <a:schemeClr val="dk1">
+                      <a:alpha val="40000"/>
+                    </a:schemeClr>
+                  </a:outerShdw>
+                </a:effectLst>
+                <a:sym typeface="Webdings" panose="05030102010509060703" pitchFamily="18" charset="2"/>
+              </a:rPr>
+              <a:t></a:t>
+            </a:r>
+            <a:endParaRPr lang="pt-BR" b="1" dirty="0">
+              <a:ln w="10160">
+                <a:solidFill>
+                  <a:schemeClr val="accent5"/>
+                </a:solidFill>
+                <a:prstDash val="solid"/>
+              </a:ln>
+              <a:solidFill>
+                <a:schemeClr val="accent6"/>
+              </a:solidFill>
+              <a:effectLst>
+                <a:outerShdw blurRad="38100" dist="22860" dir="5400000" algn="tl" rotWithShape="0">
+                  <a:srgbClr val="000000">
+                    <a:alpha val="30000"/>
+                  </a:srgbClr>
+                </a:outerShdw>
+              </a:effectLst>
+            </a:endParaRPr>
+          </a:p>
+        </p:txBody>
+      </p:sp>
+      <p:sp>
+        <p:nvSpPr>
+          <p:cNvPr id="36" name="CaixaDeTexto 2">
+            <a:extLst>
+              <a:ext uri="{FF2B5EF4-FFF2-40B4-BE49-F238E27FC236}">
+                <a16:creationId xmlns:a16="http://schemas.microsoft.com/office/drawing/2014/main" id="{09314240-1654-48F6-91BD-D7021D2B9D43}"/>
+              </a:ext>
+            </a:extLst>
+          </p:cNvPr>
+          <p:cNvSpPr txBox="1"/>
+          <p:nvPr/>
+        </p:nvSpPr>
+        <p:spPr>
+          <a:xfrm>
+            <a:off x="965446" y="1689531"/>
+            <a:ext cx="3187700" cy="2585323"/>
+          </a:xfrm>
+          <a:prstGeom prst="rect">
+            <a:avLst/>
+          </a:prstGeom>
+          <a:solidFill>
+            <a:schemeClr val="bg2"/>
+          </a:solidFill>
+        </p:spPr>
+        <p:txBody>
+          <a:bodyPr wrap="square" rtlCol="0">
+            <a:spAutoFit/>
+          </a:bodyPr>
+          <a:lstStyle/>
+          <a:p>
+            <a:r>
+              <a:rPr lang="pt-BR" dirty="0" err="1"/>
+              <a:t>int</a:t>
+            </a:r>
+            <a:r>
+              <a:rPr lang="pt-BR" dirty="0"/>
+              <a:t> x, y</a:t>
+            </a:r>
+          </a:p>
+          <a:p>
+            <a:r>
+              <a:rPr lang="pt-BR" dirty="0"/>
+              <a:t>1 </a:t>
+            </a:r>
+            <a:r>
+              <a:rPr lang="pt-BR" dirty="0" err="1"/>
+              <a:t>if</a:t>
+            </a:r>
+            <a:r>
+              <a:rPr lang="pt-BR" dirty="0"/>
+              <a:t>(x &gt; y){</a:t>
+            </a:r>
+          </a:p>
+          <a:p>
+            <a:pPr marL="342900" indent="-342900">
+              <a:buAutoNum type="arabicPlain" startAt="2"/>
+            </a:pPr>
+            <a:r>
+              <a:rPr lang="pt-BR" dirty="0"/>
+              <a:t>x = x + y;</a:t>
+            </a:r>
+          </a:p>
+          <a:p>
+            <a:pPr marL="342900" indent="-342900">
+              <a:buAutoNum type="arabicPlain" startAt="2"/>
+            </a:pPr>
+            <a:r>
+              <a:rPr lang="pt-BR" dirty="0"/>
+              <a:t>y = x – y;</a:t>
+            </a:r>
+          </a:p>
+          <a:p>
+            <a:pPr marL="342900" indent="-342900">
+              <a:buAutoNum type="arabicPlain" startAt="2"/>
+            </a:pPr>
+            <a:r>
+              <a:rPr lang="pt-BR" dirty="0"/>
+              <a:t>x = x – y;</a:t>
+            </a:r>
+          </a:p>
+          <a:p>
+            <a:pPr marL="342900" indent="-342900">
+              <a:buAutoNum type="arabicPlain" startAt="2"/>
+            </a:pPr>
+            <a:r>
+              <a:rPr lang="pt-BR" dirty="0">
+                <a:solidFill>
+                  <a:schemeClr val="accent1"/>
+                </a:solidFill>
+              </a:rPr>
+              <a:t>if(x &gt; y){</a:t>
+            </a:r>
+          </a:p>
+          <a:p>
+            <a:pPr marL="342900" indent="-342900">
+              <a:buAutoNum type="arabicPlain" startAt="2"/>
+            </a:pPr>
+            <a:r>
+              <a:rPr lang="pt-BR" dirty="0"/>
+              <a:t>      </a:t>
+            </a:r>
+            <a:r>
+              <a:rPr lang="pt-BR" dirty="0" err="1"/>
+              <a:t>assert</a:t>
+            </a:r>
+            <a:r>
+              <a:rPr lang="pt-BR" dirty="0"/>
+              <a:t> false;   </a:t>
+            </a:r>
+          </a:p>
+          <a:p>
+            <a:pPr marL="342900" indent="-342900">
+              <a:buAutoNum type="arabicPlain" startAt="2"/>
+            </a:pPr>
+            <a:r>
+              <a:rPr lang="pt-BR" dirty="0"/>
+              <a:t>}</a:t>
+            </a:r>
+          </a:p>
+          <a:p>
+            <a:pPr marL="342900" indent="-342900">
+              <a:buAutoNum type="arabicPlain" startAt="2"/>
+            </a:pPr>
+            <a:r>
+              <a:rPr lang="pt-BR" dirty="0" err="1"/>
+              <a:t>print</a:t>
+            </a:r>
+            <a:r>
+              <a:rPr lang="pt-BR" dirty="0"/>
+              <a:t>(x, y);</a:t>
+            </a:r>
+          </a:p>
+        </p:txBody>
+      </p:sp>
+      <p:sp>
+        <p:nvSpPr>
+          <p:cNvPr id="42" name="CaixaDeTexto 85">
+            <a:extLst>
+              <a:ext uri="{FF2B5EF4-FFF2-40B4-BE49-F238E27FC236}">
+                <a16:creationId xmlns:a16="http://schemas.microsoft.com/office/drawing/2014/main" id="{428539E9-4457-498E-87B4-0438136A0442}"/>
+              </a:ext>
+            </a:extLst>
+          </p:cNvPr>
+          <p:cNvSpPr txBox="1"/>
+          <p:nvPr/>
+        </p:nvSpPr>
+        <p:spPr>
+          <a:xfrm>
+            <a:off x="2390776" y="6081491"/>
+            <a:ext cx="279398" cy="369332"/>
+          </a:xfrm>
+          <a:prstGeom prst="rect">
+            <a:avLst/>
+          </a:prstGeom>
+          <a:noFill/>
+        </p:spPr>
+        <p:txBody>
+          <a:bodyPr wrap="square" rtlCol="0">
+            <a:spAutoFit/>
+          </a:bodyPr>
+          <a:lstStyle/>
+          <a:p>
+            <a:r>
+              <a:rPr lang="pt-BR" dirty="0"/>
+              <a:t>6</a:t>
+            </a:r>
+          </a:p>
+        </p:txBody>
+      </p:sp>
+      <p:sp>
+        <p:nvSpPr>
+          <p:cNvPr id="53" name="CaixaDeTexto 12">
+            <a:extLst>
+              <a:ext uri="{FF2B5EF4-FFF2-40B4-BE49-F238E27FC236}">
+                <a16:creationId xmlns:a16="http://schemas.microsoft.com/office/drawing/2014/main" id="{CD7E33C5-6687-42E9-8C80-FA833198C99D}"/>
+              </a:ext>
+            </a:extLst>
+          </p:cNvPr>
+          <p:cNvSpPr txBox="1"/>
+          <p:nvPr/>
+        </p:nvSpPr>
+        <p:spPr>
+          <a:xfrm>
+            <a:off x="2628898" y="5907408"/>
+            <a:ext cx="2749554" cy="646331"/>
+          </a:xfrm>
+          <a:prstGeom prst="rect">
+            <a:avLst/>
+          </a:prstGeom>
+          <a:solidFill>
+            <a:schemeClr val="bg2"/>
+          </a:solidFill>
+        </p:spPr>
+        <p:txBody>
+          <a:bodyPr wrap="square" rtlCol="0">
+            <a:spAutoFit/>
+          </a:bodyPr>
+          <a:lstStyle/>
+          <a:p>
+            <a:r>
+              <a:rPr lang="pt-BR" dirty="0"/>
+              <a:t>x = $B, y = $A</a:t>
+            </a:r>
+          </a:p>
+          <a:p>
+            <a:r>
+              <a:rPr lang="pt-BR" dirty="0"/>
+              <a:t>PC: $A &gt; $B &amp; $B &gt; $A</a:t>
+            </a:r>
+          </a:p>
+        </p:txBody>
+      </p:sp>
+      <p:sp>
+        <p:nvSpPr>
+          <p:cNvPr id="56" name="Retângulo 58">
             <a:extLst>
               <a:ext uri="{FF2B5EF4-FFF2-40B4-BE49-F238E27FC236}">
                 <a16:creationId xmlns:a16="http://schemas.microsoft.com/office/drawing/2014/main" id="{5B4B837F-A61E-42A3-B153-1D41814FFC30}"/>
@@ -18624,576 +19242,86 @@
           </a:p>
         </p:txBody>
       </p:sp>
-      <p:sp>
-        <p:nvSpPr>
-          <p:cNvPr id="34" name="Retângulo 60">
-            <a:extLst>
-              <a:ext uri="{FF2B5EF4-FFF2-40B4-BE49-F238E27FC236}">
-                <a16:creationId xmlns:a16="http://schemas.microsoft.com/office/drawing/2014/main" id="{D3265EEC-53C2-42D8-A294-AA7CB681116A}"/>
-              </a:ext>
-            </a:extLst>
-          </p:cNvPr>
-          <p:cNvSpPr/>
-          <p:nvPr/>
-        </p:nvSpPr>
-        <p:spPr>
-          <a:xfrm>
-            <a:off x="5580067" y="2770860"/>
-            <a:ext cx="1476370" cy="382588"/>
-          </a:xfrm>
-          <a:prstGeom prst="rect">
-            <a:avLst/>
-          </a:prstGeom>
-          <a:solidFill>
-            <a:schemeClr val="bg2"/>
-          </a:solidFill>
+      <p:cxnSp>
+        <p:nvCxnSpPr>
+          <p:cNvPr id="57" name="Conector de Seta Reta 31">
+            <a:extLst>
+              <a:ext uri="{FF2B5EF4-FFF2-40B4-BE49-F238E27FC236}">
+                <a16:creationId xmlns:a16="http://schemas.microsoft.com/office/drawing/2014/main" id="{7E5FD7C9-F16E-4954-986D-2DB0E16B9F78}"/>
+              </a:ext>
+            </a:extLst>
+          </p:cNvPr>
+          <p:cNvCxnSpPr/>
+          <p:nvPr/>
+        </p:nvCxnSpPr>
+        <p:spPr>
+          <a:xfrm flipH="1">
+            <a:off x="4203698" y="5680745"/>
+            <a:ext cx="295250" cy="321196"/>
+          </a:xfrm>
+          <a:prstGeom prst="straightConnector1">
+            <a:avLst/>
+          </a:prstGeom>
+          <a:ln>
+            <a:tailEnd type="triangle"/>
+          </a:ln>
         </p:spPr>
         <p:style>
-          <a:lnRef idx="2">
-            <a:schemeClr val="dk1">
-              <a:shade val="50000"/>
-            </a:schemeClr>
+          <a:lnRef idx="1">
+            <a:schemeClr val="dk1"/>
           </a:lnRef>
-          <a:fillRef idx="1">
+          <a:fillRef idx="0">
             <a:schemeClr val="dk1"/>
           </a:fillRef>
           <a:effectRef idx="0">
             <a:schemeClr val="dk1"/>
           </a:effectRef>
           <a:fontRef idx="minor">
-            <a:schemeClr val="lt1"/>
+            <a:schemeClr val="tx1"/>
           </a:fontRef>
         </p:style>
-        <p:txBody>
-          <a:bodyPr rot="0" spcFirstLastPara="0" vertOverflow="overflow" horzOverflow="overflow" vert="horz" wrap="square" lIns="91440" tIns="45720" rIns="91440" bIns="45720" numCol="1" spcCol="0" rtlCol="0" fromWordArt="0" anchor="ctr" anchorCtr="0" forceAA="0" compatLnSpc="1">
-            <a:prstTxWarp prst="textNoShape">
-              <a:avLst/>
-            </a:prstTxWarp>
-            <a:noAutofit/>
-          </a:bodyPr>
-          <a:lstStyle/>
-          <a:p>
-            <a:pPr algn="ctr"/>
-            <a:r>
-              <a:rPr lang="pt-BR" dirty="0">
-                <a:ln w="0"/>
-                <a:solidFill>
-                  <a:schemeClr val="tx1"/>
-                </a:solidFill>
-                <a:effectLst>
-                  <a:outerShdw blurRad="38100" dist="19050" dir="2700000" algn="tl" rotWithShape="0">
-                    <a:schemeClr val="dk1">
-                      <a:alpha val="40000"/>
-                    </a:schemeClr>
-                  </a:outerShdw>
-                </a:effectLst>
-              </a:rPr>
-              <a:t> SAT?</a:t>
-            </a:r>
-            <a:r>
-              <a:rPr lang="pt-BR" dirty="0">
-                <a:solidFill>
-                  <a:srgbClr val="000000"/>
-                </a:solidFill>
-              </a:rPr>
-              <a:t> </a:t>
-            </a:r>
-            <a:r>
-              <a:rPr lang="pt-BR" dirty="0">
-                <a:ln w="0"/>
-                <a:solidFill>
-                  <a:schemeClr val="accent6"/>
-                </a:solidFill>
-                <a:effectLst>
-                  <a:outerShdw blurRad="38100" dist="19050" dir="2700000" algn="tl" rotWithShape="0">
-                    <a:schemeClr val="dk1">
-                      <a:alpha val="40000"/>
-                    </a:schemeClr>
-                  </a:outerShdw>
-                </a:effectLst>
-                <a:sym typeface="Webdings" panose="05030102010509060703" pitchFamily="18" charset="2"/>
-              </a:rPr>
-              <a:t> </a:t>
-            </a:r>
-            <a:endParaRPr lang="pt-BR" b="1" dirty="0">
-              <a:ln w="10160">
-                <a:solidFill>
-                  <a:schemeClr val="accent5"/>
-                </a:solidFill>
-                <a:prstDash val="solid"/>
-              </a:ln>
-              <a:solidFill>
-                <a:srgbClr val="FFFFFF"/>
-              </a:solidFill>
-              <a:effectLst>
-                <a:outerShdw blurRad="38100" dist="22860" dir="5400000" algn="tl" rotWithShape="0">
-                  <a:srgbClr val="000000">
-                    <a:alpha val="30000"/>
-                  </a:srgbClr>
-                </a:outerShdw>
-              </a:effectLst>
-            </a:endParaRPr>
-          </a:p>
-        </p:txBody>
-      </p:sp>
-      <p:sp>
-        <p:nvSpPr>
-          <p:cNvPr id="35" name="Retângulo 36">
-            <a:extLst>
-              <a:ext uri="{FF2B5EF4-FFF2-40B4-BE49-F238E27FC236}">
-                <a16:creationId xmlns:a16="http://schemas.microsoft.com/office/drawing/2014/main" id="{ED9BE864-8629-4424-A5A9-8D0497726EA0}"/>
-              </a:ext>
-            </a:extLst>
-          </p:cNvPr>
-          <p:cNvSpPr/>
-          <p:nvPr/>
-        </p:nvSpPr>
-        <p:spPr>
-          <a:xfrm>
-            <a:off x="5580067" y="3729940"/>
-            <a:ext cx="1476370" cy="382588"/>
-          </a:xfrm>
-          <a:prstGeom prst="rect">
-            <a:avLst/>
-          </a:prstGeom>
-          <a:solidFill>
-            <a:schemeClr val="bg2"/>
-          </a:solidFill>
+      </p:cxnSp>
+      <p:cxnSp>
+        <p:nvCxnSpPr>
+          <p:cNvPr id="58" name="Conector de Seta Reta 43">
+            <a:extLst>
+              <a:ext uri="{FF2B5EF4-FFF2-40B4-BE49-F238E27FC236}">
+                <a16:creationId xmlns:a16="http://schemas.microsoft.com/office/drawing/2014/main" id="{654E3EDB-006B-4EE4-8212-C2760A87F363}"/>
+              </a:ext>
+            </a:extLst>
+          </p:cNvPr>
+          <p:cNvCxnSpPr>
+            <a:cxnSpLocks/>
+          </p:cNvCxnSpPr>
+          <p:nvPr/>
+        </p:nvCxnSpPr>
+        <p:spPr>
+          <a:xfrm>
+            <a:off x="5422906" y="5639499"/>
+            <a:ext cx="336024" cy="362442"/>
+          </a:xfrm>
+          <a:prstGeom prst="straightConnector1">
+            <a:avLst/>
+          </a:prstGeom>
+          <a:ln>
+            <a:tailEnd type="triangle"/>
+          </a:ln>
         </p:spPr>
         <p:style>
-          <a:lnRef idx="2">
-            <a:schemeClr val="dk1">
-              <a:shade val="50000"/>
-            </a:schemeClr>
+          <a:lnRef idx="1">
+            <a:schemeClr val="dk1"/>
           </a:lnRef>
-          <a:fillRef idx="1">
+          <a:fillRef idx="0">
             <a:schemeClr val="dk1"/>
           </a:fillRef>
           <a:effectRef idx="0">
             <a:schemeClr val="dk1"/>
           </a:effectRef>
           <a:fontRef idx="minor">
-            <a:schemeClr val="lt1"/>
+            <a:schemeClr val="tx1"/>
           </a:fontRef>
         </p:style>
-        <p:txBody>
-          <a:bodyPr rot="0" spcFirstLastPara="0" vertOverflow="overflow" horzOverflow="overflow" vert="horz" wrap="square" lIns="91440" tIns="45720" rIns="91440" bIns="45720" numCol="1" spcCol="0" rtlCol="0" fromWordArt="0" anchor="ctr" anchorCtr="0" forceAA="0" compatLnSpc="1">
-            <a:prstTxWarp prst="textNoShape">
-              <a:avLst/>
-            </a:prstTxWarp>
-            <a:noAutofit/>
-          </a:bodyPr>
-          <a:lstStyle/>
-          <a:p>
-            <a:pPr algn="ctr"/>
-            <a:r>
-              <a:rPr lang="pt-BR" dirty="0">
-                <a:ln w="0"/>
-                <a:solidFill>
-                  <a:schemeClr val="tx1"/>
-                </a:solidFill>
-                <a:effectLst>
-                  <a:outerShdw blurRad="38100" dist="19050" dir="2700000" algn="tl" rotWithShape="0">
-                    <a:schemeClr val="dk1">
-                      <a:alpha val="40000"/>
-                    </a:schemeClr>
-                  </a:outerShdw>
-                </a:effectLst>
-              </a:rPr>
-              <a:t>SAT?</a:t>
-            </a:r>
-            <a:r>
-              <a:rPr lang="pt-BR" dirty="0">
-                <a:ln w="0"/>
-                <a:solidFill>
-                  <a:schemeClr val="accent6"/>
-                </a:solidFill>
-                <a:effectLst>
-                  <a:outerShdw blurRad="38100" dist="19050" dir="2700000" algn="tl" rotWithShape="0">
-                    <a:schemeClr val="dk1">
-                      <a:alpha val="40000"/>
-                    </a:schemeClr>
-                  </a:outerShdw>
-                </a:effectLst>
-                <a:sym typeface="Webdings" panose="05030102010509060703" pitchFamily="18" charset="2"/>
-              </a:rPr>
-              <a:t> </a:t>
-            </a:r>
-            <a:endParaRPr lang="pt-BR" b="1" dirty="0">
-              <a:ln w="10160">
-                <a:solidFill>
-                  <a:schemeClr val="accent5"/>
-                </a:solidFill>
-                <a:prstDash val="solid"/>
-              </a:ln>
-              <a:solidFill>
-                <a:srgbClr val="FFFFFF"/>
-              </a:solidFill>
-              <a:effectLst>
-                <a:outerShdw blurRad="38100" dist="22860" dir="5400000" algn="tl" rotWithShape="0">
-                  <a:srgbClr val="000000">
-                    <a:alpha val="30000"/>
-                  </a:srgbClr>
-                </a:outerShdw>
-              </a:effectLst>
-            </a:endParaRPr>
-          </a:p>
-        </p:txBody>
-      </p:sp>
-      <p:sp>
-        <p:nvSpPr>
-          <p:cNvPr id="41" name="Retângulo 41">
-            <a:extLst>
-              <a:ext uri="{FF2B5EF4-FFF2-40B4-BE49-F238E27FC236}">
-                <a16:creationId xmlns:a16="http://schemas.microsoft.com/office/drawing/2014/main" id="{67EAAA4E-0649-4BC8-B5CD-AD13A174554F}"/>
-              </a:ext>
-            </a:extLst>
-          </p:cNvPr>
-          <p:cNvSpPr/>
-          <p:nvPr/>
-        </p:nvSpPr>
-        <p:spPr>
-          <a:xfrm>
-            <a:off x="5580067" y="4613490"/>
-            <a:ext cx="1476370" cy="382588"/>
-          </a:xfrm>
-          <a:prstGeom prst="rect">
-            <a:avLst/>
-          </a:prstGeom>
-          <a:solidFill>
-            <a:schemeClr val="bg2"/>
-          </a:solidFill>
-        </p:spPr>
-        <p:style>
-          <a:lnRef idx="2">
-            <a:schemeClr val="dk1">
-              <a:shade val="50000"/>
-            </a:schemeClr>
-          </a:lnRef>
-          <a:fillRef idx="1">
-            <a:schemeClr val="dk1"/>
-          </a:fillRef>
-          <a:effectRef idx="0">
-            <a:schemeClr val="dk1"/>
-          </a:effectRef>
-          <a:fontRef idx="minor">
-            <a:schemeClr val="lt1"/>
-          </a:fontRef>
-        </p:style>
-        <p:txBody>
-          <a:bodyPr rot="0" spcFirstLastPara="0" vertOverflow="overflow" horzOverflow="overflow" vert="horz" wrap="square" lIns="91440" tIns="45720" rIns="91440" bIns="45720" numCol="1" spcCol="0" rtlCol="0" fromWordArt="0" anchor="ctr" anchorCtr="0" forceAA="0" compatLnSpc="1">
-            <a:prstTxWarp prst="textNoShape">
-              <a:avLst/>
-            </a:prstTxWarp>
-            <a:noAutofit/>
-          </a:bodyPr>
-          <a:lstStyle/>
-          <a:p>
-            <a:pPr algn="ctr"/>
-            <a:r>
-              <a:rPr lang="pt-BR" dirty="0">
-                <a:ln w="0"/>
-                <a:solidFill>
-                  <a:schemeClr val="tx1"/>
-                </a:solidFill>
-                <a:effectLst>
-                  <a:outerShdw blurRad="38100" dist="19050" dir="2700000" algn="tl" rotWithShape="0">
-                    <a:schemeClr val="dk1">
-                      <a:alpha val="40000"/>
-                    </a:schemeClr>
-                  </a:outerShdw>
-                </a:effectLst>
-              </a:rPr>
-              <a:t>SAT?</a:t>
-            </a:r>
-            <a:r>
-              <a:rPr lang="pt-BR" dirty="0">
-                <a:ln w="0"/>
-                <a:solidFill>
-                  <a:schemeClr val="accent6"/>
-                </a:solidFill>
-                <a:effectLst>
-                  <a:outerShdw blurRad="38100" dist="19050" dir="2700000" algn="tl" rotWithShape="0">
-                    <a:schemeClr val="dk1">
-                      <a:alpha val="40000"/>
-                    </a:schemeClr>
-                  </a:outerShdw>
-                </a:effectLst>
-                <a:sym typeface="Webdings" panose="05030102010509060703" pitchFamily="18" charset="2"/>
-              </a:rPr>
-              <a:t> </a:t>
-            </a:r>
-            <a:r>
-              <a:rPr lang="pt-BR" dirty="0">
-                <a:ln w="0"/>
-                <a:solidFill>
-                  <a:schemeClr val="tx1"/>
-                </a:solidFill>
-                <a:effectLst>
-                  <a:outerShdw blurRad="38100" dist="19050" dir="2700000" algn="tl" rotWithShape="0">
-                    <a:schemeClr val="dk1">
-                      <a:alpha val="40000"/>
-                    </a:schemeClr>
-                  </a:outerShdw>
-                </a:effectLst>
-              </a:rPr>
-              <a:t> </a:t>
-            </a:r>
-            <a:endParaRPr lang="pt-BR" b="1" dirty="0">
-              <a:ln w="10160">
-                <a:solidFill>
-                  <a:schemeClr val="accent5"/>
-                </a:solidFill>
-                <a:prstDash val="solid"/>
-              </a:ln>
-              <a:solidFill>
-                <a:srgbClr val="FFFFFF"/>
-              </a:solidFill>
-              <a:effectLst>
-                <a:outerShdw blurRad="38100" dist="22860" dir="5400000" algn="tl" rotWithShape="0">
-                  <a:srgbClr val="000000">
-                    <a:alpha val="30000"/>
-                  </a:srgbClr>
-                </a:outerShdw>
-              </a:effectLst>
-            </a:endParaRPr>
-          </a:p>
-        </p:txBody>
-      </p:sp>
-      <p:sp>
-        <p:nvSpPr>
-          <p:cNvPr id="44" name="Retângulo 42">
-            <a:extLst>
-              <a:ext uri="{FF2B5EF4-FFF2-40B4-BE49-F238E27FC236}">
-                <a16:creationId xmlns:a16="http://schemas.microsoft.com/office/drawing/2014/main" id="{56D1C031-E550-4C15-A610-F552094F3BC0}"/>
-              </a:ext>
-            </a:extLst>
-          </p:cNvPr>
-          <p:cNvSpPr/>
-          <p:nvPr/>
-        </p:nvSpPr>
-        <p:spPr>
-          <a:xfrm>
-            <a:off x="5572126" y="5419103"/>
-            <a:ext cx="1476370" cy="382588"/>
-          </a:xfrm>
-          <a:prstGeom prst="rect">
-            <a:avLst/>
-          </a:prstGeom>
-          <a:solidFill>
-            <a:schemeClr val="bg2"/>
-          </a:solidFill>
-        </p:spPr>
-        <p:style>
-          <a:lnRef idx="2">
-            <a:schemeClr val="dk1">
-              <a:shade val="50000"/>
-            </a:schemeClr>
-          </a:lnRef>
-          <a:fillRef idx="1">
-            <a:schemeClr val="dk1"/>
-          </a:fillRef>
-          <a:effectRef idx="0">
-            <a:schemeClr val="dk1"/>
-          </a:effectRef>
-          <a:fontRef idx="minor">
-            <a:schemeClr val="lt1"/>
-          </a:fontRef>
-        </p:style>
-        <p:txBody>
-          <a:bodyPr rot="0" spcFirstLastPara="0" vertOverflow="overflow" horzOverflow="overflow" vert="horz" wrap="square" lIns="91440" tIns="45720" rIns="91440" bIns="45720" numCol="1" spcCol="0" rtlCol="0" fromWordArt="0" anchor="ctr" anchorCtr="0" forceAA="0" compatLnSpc="1">
-            <a:prstTxWarp prst="textNoShape">
-              <a:avLst/>
-            </a:prstTxWarp>
-            <a:noAutofit/>
-          </a:bodyPr>
-          <a:lstStyle/>
-          <a:p>
-            <a:pPr algn="ctr"/>
-            <a:r>
-              <a:rPr lang="pt-BR" dirty="0">
-                <a:ln w="0"/>
-                <a:solidFill>
-                  <a:schemeClr val="tx1"/>
-                </a:solidFill>
-                <a:effectLst>
-                  <a:outerShdw blurRad="38100" dist="19050" dir="2700000" algn="tl" rotWithShape="0">
-                    <a:schemeClr val="dk1">
-                      <a:alpha val="40000"/>
-                    </a:schemeClr>
-                  </a:outerShdw>
-                </a:effectLst>
-              </a:rPr>
-              <a:t>SAT? </a:t>
-            </a:r>
-            <a:r>
-              <a:rPr lang="pt-BR" dirty="0">
-                <a:ln w="0"/>
-                <a:solidFill>
-                  <a:schemeClr val="accent6"/>
-                </a:solidFill>
-                <a:effectLst>
-                  <a:outerShdw blurRad="38100" dist="19050" dir="2700000" algn="tl" rotWithShape="0">
-                    <a:schemeClr val="dk1">
-                      <a:alpha val="40000"/>
-                    </a:schemeClr>
-                  </a:outerShdw>
-                </a:effectLst>
-                <a:sym typeface="Webdings" panose="05030102010509060703" pitchFamily="18" charset="2"/>
-              </a:rPr>
-              <a:t></a:t>
-            </a:r>
-            <a:endParaRPr lang="pt-BR" b="1" dirty="0">
-              <a:ln w="10160">
-                <a:solidFill>
-                  <a:schemeClr val="accent5"/>
-                </a:solidFill>
-                <a:prstDash val="solid"/>
-              </a:ln>
-              <a:solidFill>
-                <a:schemeClr val="accent6"/>
-              </a:solidFill>
-              <a:effectLst>
-                <a:outerShdw blurRad="38100" dist="22860" dir="5400000" algn="tl" rotWithShape="0">
-                  <a:srgbClr val="000000">
-                    <a:alpha val="30000"/>
-                  </a:srgbClr>
-                </a:outerShdw>
-              </a:effectLst>
-            </a:endParaRPr>
-          </a:p>
-        </p:txBody>
-      </p:sp>
-      <p:sp>
-        <p:nvSpPr>
-          <p:cNvPr id="36" name="CaixaDeTexto 2">
-            <a:extLst>
-              <a:ext uri="{FF2B5EF4-FFF2-40B4-BE49-F238E27FC236}">
-                <a16:creationId xmlns:a16="http://schemas.microsoft.com/office/drawing/2014/main" id="{09314240-1654-48F6-91BD-D7021D2B9D43}"/>
-              </a:ext>
-            </a:extLst>
-          </p:cNvPr>
-          <p:cNvSpPr txBox="1"/>
-          <p:nvPr/>
-        </p:nvSpPr>
-        <p:spPr>
-          <a:xfrm>
-            <a:off x="965446" y="1689531"/>
-            <a:ext cx="3187700" cy="2585323"/>
-          </a:xfrm>
-          <a:prstGeom prst="rect">
-            <a:avLst/>
-          </a:prstGeom>
-          <a:solidFill>
-            <a:schemeClr val="bg2"/>
-          </a:solidFill>
-        </p:spPr>
-        <p:txBody>
-          <a:bodyPr wrap="square" rtlCol="0">
-            <a:spAutoFit/>
-          </a:bodyPr>
-          <a:lstStyle/>
-          <a:p>
-            <a:r>
-              <a:rPr lang="pt-BR" dirty="0" err="1"/>
-              <a:t>int</a:t>
-            </a:r>
-            <a:r>
-              <a:rPr lang="pt-BR" dirty="0"/>
-              <a:t> x, y</a:t>
-            </a:r>
-          </a:p>
-          <a:p>
-            <a:r>
-              <a:rPr lang="pt-BR" dirty="0"/>
-              <a:t>1 </a:t>
-            </a:r>
-            <a:r>
-              <a:rPr lang="pt-BR" dirty="0" err="1"/>
-              <a:t>if</a:t>
-            </a:r>
-            <a:r>
-              <a:rPr lang="pt-BR" dirty="0"/>
-              <a:t>(x &gt; y){</a:t>
-            </a:r>
-          </a:p>
-          <a:p>
-            <a:pPr marL="342900" indent="-342900">
-              <a:buAutoNum type="arabicPlain" startAt="2"/>
-            </a:pPr>
-            <a:r>
-              <a:rPr lang="pt-BR" dirty="0"/>
-              <a:t>x = x + y;</a:t>
-            </a:r>
-          </a:p>
-          <a:p>
-            <a:pPr marL="342900" indent="-342900">
-              <a:buAutoNum type="arabicPlain" startAt="2"/>
-            </a:pPr>
-            <a:r>
-              <a:rPr lang="pt-BR" dirty="0"/>
-              <a:t>y = x – y;</a:t>
-            </a:r>
-          </a:p>
-          <a:p>
-            <a:pPr marL="342900" indent="-342900">
-              <a:buAutoNum type="arabicPlain" startAt="2"/>
-            </a:pPr>
-            <a:r>
-              <a:rPr lang="pt-BR" dirty="0"/>
-              <a:t>x = x – y;</a:t>
-            </a:r>
-          </a:p>
-          <a:p>
-            <a:pPr marL="342900" indent="-342900">
-              <a:buAutoNum type="arabicPlain" startAt="2"/>
-            </a:pPr>
-            <a:r>
-              <a:rPr lang="pt-BR" dirty="0"/>
-              <a:t>if(x &gt; y){</a:t>
-            </a:r>
-          </a:p>
-          <a:p>
-            <a:pPr marL="342900" indent="-342900">
-              <a:buAutoNum type="arabicPlain" startAt="2"/>
-            </a:pPr>
-            <a:r>
-              <a:rPr lang="pt-BR" dirty="0"/>
-              <a:t>      </a:t>
-            </a:r>
-            <a:r>
-              <a:rPr lang="pt-BR" dirty="0" err="1"/>
-              <a:t>assert</a:t>
-            </a:r>
-            <a:r>
-              <a:rPr lang="pt-BR" dirty="0"/>
-              <a:t> false;   </a:t>
-            </a:r>
-          </a:p>
-          <a:p>
-            <a:pPr marL="342900" indent="-342900">
-              <a:buAutoNum type="arabicPlain" startAt="2"/>
-            </a:pPr>
-            <a:r>
-              <a:rPr lang="pt-BR" dirty="0"/>
-              <a:t>}</a:t>
-            </a:r>
-          </a:p>
-          <a:p>
-            <a:pPr marL="342900" indent="-342900">
-              <a:buAutoNum type="arabicPlain" startAt="2"/>
-            </a:pPr>
-            <a:r>
-              <a:rPr lang="pt-BR" dirty="0" err="1"/>
-              <a:t>print</a:t>
-            </a:r>
-            <a:r>
-              <a:rPr lang="pt-BR" dirty="0"/>
-              <a:t>(x, y);</a:t>
-            </a:r>
-          </a:p>
-        </p:txBody>
-      </p:sp>
+      </p:cxnSp>
     </p:spTree>
     <p:extLst>
       <p:ext uri="{BB962C8B-B14F-4D97-AF65-F5344CB8AC3E}">
@@ -19293,172 +19421,6 @@
       </p:sp>
       <p:sp>
         <p:nvSpPr>
-          <p:cNvPr id="13" name="CaixaDeTexto 12">
-            <a:extLst>
-              <a:ext uri="{FF2B5EF4-FFF2-40B4-BE49-F238E27FC236}">
-                <a16:creationId xmlns:a16="http://schemas.microsoft.com/office/drawing/2014/main" id="{CD7E33C5-6687-42E9-8C80-FA833198C99D}"/>
-              </a:ext>
-            </a:extLst>
-          </p:cNvPr>
-          <p:cNvSpPr txBox="1"/>
-          <p:nvPr/>
-        </p:nvSpPr>
-        <p:spPr>
-          <a:xfrm>
-            <a:off x="2628898" y="5907408"/>
-            <a:ext cx="2749554" cy="646331"/>
-          </a:xfrm>
-          <a:prstGeom prst="rect">
-            <a:avLst/>
-          </a:prstGeom>
-          <a:solidFill>
-            <a:schemeClr val="bg2"/>
-          </a:solidFill>
-        </p:spPr>
-        <p:txBody>
-          <a:bodyPr wrap="square" rtlCol="0">
-            <a:spAutoFit/>
-          </a:bodyPr>
-          <a:lstStyle/>
-          <a:p>
-            <a:r>
-              <a:rPr lang="pt-BR" dirty="0"/>
-              <a:t>x = $B, y = $A</a:t>
-            </a:r>
-          </a:p>
-          <a:p>
-            <a:r>
-              <a:rPr lang="pt-BR" dirty="0"/>
-              <a:t>PC: $A &gt; $B &amp; $B-$A &gt; 0</a:t>
-            </a:r>
-          </a:p>
-        </p:txBody>
-      </p:sp>
-      <p:sp>
-        <p:nvSpPr>
-          <p:cNvPr id="14" name="CaixaDeTexto 13">
-            <a:extLst>
-              <a:ext uri="{FF2B5EF4-FFF2-40B4-BE49-F238E27FC236}">
-                <a16:creationId xmlns:a16="http://schemas.microsoft.com/office/drawing/2014/main" id="{03DD6710-AABF-478E-AFDC-39ABC8028998}"/>
-              </a:ext>
-            </a:extLst>
-          </p:cNvPr>
-          <p:cNvSpPr txBox="1"/>
-          <p:nvPr/>
-        </p:nvSpPr>
-        <p:spPr>
-          <a:xfrm>
-            <a:off x="5575298" y="5907408"/>
-            <a:ext cx="2654300" cy="646331"/>
-          </a:xfrm>
-          <a:prstGeom prst="rect">
-            <a:avLst/>
-          </a:prstGeom>
-          <a:solidFill>
-            <a:schemeClr val="bg2"/>
-          </a:solidFill>
-        </p:spPr>
-        <p:txBody>
-          <a:bodyPr wrap="square" rtlCol="0">
-            <a:spAutoFit/>
-          </a:bodyPr>
-          <a:lstStyle/>
-          <a:p>
-            <a:r>
-              <a:rPr lang="pt-BR" dirty="0"/>
-              <a:t>x = $B, y = $A</a:t>
-            </a:r>
-          </a:p>
-          <a:p>
-            <a:r>
-              <a:rPr lang="pt-BR" dirty="0"/>
-              <a:t>PC: $A &gt; $B &amp; $B-$A &lt;= 0</a:t>
-            </a:r>
-          </a:p>
-        </p:txBody>
-      </p:sp>
-      <p:cxnSp>
-        <p:nvCxnSpPr>
-          <p:cNvPr id="29" name="Conector de Seta Reta 28">
-            <a:extLst>
-              <a:ext uri="{FF2B5EF4-FFF2-40B4-BE49-F238E27FC236}">
-                <a16:creationId xmlns:a16="http://schemas.microsoft.com/office/drawing/2014/main" id="{54D706D6-1327-482B-85A2-48D08F297BE2}"/>
-              </a:ext>
-            </a:extLst>
-          </p:cNvPr>
-          <p:cNvCxnSpPr>
-            <a:cxnSpLocks/>
-          </p:cNvCxnSpPr>
-          <p:nvPr/>
-        </p:nvCxnSpPr>
-        <p:spPr>
-          <a:xfrm>
-            <a:off x="5594348" y="5714635"/>
-            <a:ext cx="244474" cy="274606"/>
-          </a:xfrm>
-          <a:prstGeom prst="straightConnector1">
-            <a:avLst/>
-          </a:prstGeom>
-          <a:ln>
-            <a:tailEnd type="triangle"/>
-          </a:ln>
-        </p:spPr>
-        <p:style>
-          <a:lnRef idx="1">
-            <a:schemeClr val="dk1"/>
-          </a:lnRef>
-          <a:fillRef idx="0">
-            <a:schemeClr val="dk1"/>
-          </a:fillRef>
-          <a:effectRef idx="0">
-            <a:schemeClr val="dk1"/>
-          </a:effectRef>
-          <a:fontRef idx="minor">
-            <a:schemeClr val="tx1"/>
-          </a:fontRef>
-        </p:style>
-      </p:cxnSp>
-      <p:cxnSp>
-        <p:nvCxnSpPr>
-          <p:cNvPr id="32" name="Conector de Seta Reta 31">
-            <a:extLst>
-              <a:ext uri="{FF2B5EF4-FFF2-40B4-BE49-F238E27FC236}">
-                <a16:creationId xmlns:a16="http://schemas.microsoft.com/office/drawing/2014/main" id="{7E5FD7C9-F16E-4954-986D-2DB0E16B9F78}"/>
-              </a:ext>
-            </a:extLst>
-          </p:cNvPr>
-          <p:cNvCxnSpPr/>
-          <p:nvPr/>
-        </p:nvCxnSpPr>
-        <p:spPr>
-          <a:xfrm flipH="1">
-            <a:off x="4203698" y="5701219"/>
-            <a:ext cx="361952" cy="300722"/>
-          </a:xfrm>
-          <a:prstGeom prst="straightConnector1">
-            <a:avLst/>
-          </a:prstGeom>
-          <a:ln>
-            <a:tailEnd type="triangle"/>
-          </a:ln>
-        </p:spPr>
-        <p:style>
-          <a:lnRef idx="1">
-            <a:schemeClr val="dk1"/>
-          </a:lnRef>
-          <a:fillRef idx="0">
-            <a:schemeClr val="dk1"/>
-          </a:fillRef>
-          <a:effectRef idx="0">
-            <a:schemeClr val="dk1"/>
-          </a:effectRef>
-          <a:fontRef idx="minor">
-            <a:schemeClr val="tx1"/>
-          </a:fontRef>
-        </p:style>
-      </p:cxnSp>
-      <p:sp>
-        <p:nvSpPr>
           <p:cNvPr id="45" name="CaixaDeTexto 44">
             <a:extLst>
               <a:ext uri="{FF2B5EF4-FFF2-40B4-BE49-F238E27FC236}">
@@ -20885,7 +20847,11 @@
               <a:buAutoNum type="arabicPlain" startAt="2"/>
             </a:pPr>
             <a:r>
-              <a:rPr lang="pt-BR" dirty="0"/>
+              <a:rPr lang="pt-BR" dirty="0">
+                <a:solidFill>
+                  <a:schemeClr val="accent1"/>
+                </a:solidFill>
+              </a:rPr>
               <a:t>if(x &gt; y){</a:t>
             </a:r>
           </a:p>
@@ -20930,6 +20896,172 @@
           </a:p>
         </p:txBody>
       </p:sp>
+      <p:sp>
+        <p:nvSpPr>
+          <p:cNvPr id="39" name="CaixaDeTexto 13">
+            <a:extLst>
+              <a:ext uri="{FF2B5EF4-FFF2-40B4-BE49-F238E27FC236}">
+                <a16:creationId xmlns:a16="http://schemas.microsoft.com/office/drawing/2014/main" id="{03DD6710-AABF-478E-AFDC-39ABC8028998}"/>
+              </a:ext>
+            </a:extLst>
+          </p:cNvPr>
+          <p:cNvSpPr txBox="1"/>
+          <p:nvPr/>
+        </p:nvSpPr>
+        <p:spPr>
+          <a:xfrm>
+            <a:off x="5575297" y="5907408"/>
+            <a:ext cx="2789769" cy="646331"/>
+          </a:xfrm>
+          <a:prstGeom prst="rect">
+            <a:avLst/>
+          </a:prstGeom>
+          <a:solidFill>
+            <a:schemeClr val="bg2"/>
+          </a:solidFill>
+        </p:spPr>
+        <p:txBody>
+          <a:bodyPr wrap="square" rtlCol="0">
+            <a:spAutoFit/>
+          </a:bodyPr>
+          <a:lstStyle/>
+          <a:p>
+            <a:r>
+              <a:rPr lang="pt-BR" dirty="0"/>
+              <a:t>x = $B, y = $A</a:t>
+            </a:r>
+          </a:p>
+          <a:p>
+            <a:r>
+              <a:rPr lang="pt-BR" dirty="0"/>
+              <a:t>PC: $A &gt; $B &amp; $B &lt;= $A</a:t>
+            </a:r>
+          </a:p>
+        </p:txBody>
+      </p:sp>
+      <p:sp>
+        <p:nvSpPr>
+          <p:cNvPr id="40" name="CaixaDeTexto 12">
+            <a:extLst>
+              <a:ext uri="{FF2B5EF4-FFF2-40B4-BE49-F238E27FC236}">
+                <a16:creationId xmlns:a16="http://schemas.microsoft.com/office/drawing/2014/main" id="{CD7E33C5-6687-42E9-8C80-FA833198C99D}"/>
+              </a:ext>
+            </a:extLst>
+          </p:cNvPr>
+          <p:cNvSpPr txBox="1"/>
+          <p:nvPr/>
+        </p:nvSpPr>
+        <p:spPr>
+          <a:xfrm>
+            <a:off x="2628898" y="5907408"/>
+            <a:ext cx="2749554" cy="646331"/>
+          </a:xfrm>
+          <a:prstGeom prst="rect">
+            <a:avLst/>
+          </a:prstGeom>
+          <a:solidFill>
+            <a:schemeClr val="bg2"/>
+          </a:solidFill>
+        </p:spPr>
+        <p:txBody>
+          <a:bodyPr wrap="square" rtlCol="0">
+            <a:spAutoFit/>
+          </a:bodyPr>
+          <a:lstStyle/>
+          <a:p>
+            <a:r>
+              <a:rPr lang="pt-BR" dirty="0"/>
+              <a:t>x = $B, y = $A</a:t>
+            </a:r>
+          </a:p>
+          <a:p>
+            <a:r>
+              <a:rPr lang="pt-BR" dirty="0"/>
+              <a:t>PC: $A &gt; $B &amp; $B &gt; $A</a:t>
+            </a:r>
+          </a:p>
+        </p:txBody>
+      </p:sp>
+      <p:cxnSp>
+        <p:nvCxnSpPr>
+          <p:cNvPr id="56" name="Conector de Seta Reta 31">
+            <a:extLst>
+              <a:ext uri="{FF2B5EF4-FFF2-40B4-BE49-F238E27FC236}">
+                <a16:creationId xmlns:a16="http://schemas.microsoft.com/office/drawing/2014/main" id="{7E5FD7C9-F16E-4954-986D-2DB0E16B9F78}"/>
+              </a:ext>
+            </a:extLst>
+          </p:cNvPr>
+          <p:cNvCxnSpPr/>
+          <p:nvPr/>
+        </p:nvCxnSpPr>
+        <p:spPr>
+          <a:xfrm flipH="1">
+            <a:off x="4203698" y="5669456"/>
+            <a:ext cx="295250" cy="321196"/>
+          </a:xfrm>
+          <a:prstGeom prst="straightConnector1">
+            <a:avLst/>
+          </a:prstGeom>
+          <a:ln>
+            <a:tailEnd type="triangle"/>
+          </a:ln>
+        </p:spPr>
+        <p:style>
+          <a:lnRef idx="1">
+            <a:schemeClr val="dk1"/>
+          </a:lnRef>
+          <a:fillRef idx="0">
+            <a:schemeClr val="dk1"/>
+          </a:fillRef>
+          <a:effectRef idx="0">
+            <a:schemeClr val="dk1"/>
+          </a:effectRef>
+          <a:fontRef idx="minor">
+            <a:schemeClr val="tx1"/>
+          </a:fontRef>
+        </p:style>
+      </p:cxnSp>
+      <p:cxnSp>
+        <p:nvCxnSpPr>
+          <p:cNvPr id="57" name="Conector de Seta Reta 43">
+            <a:extLst>
+              <a:ext uri="{FF2B5EF4-FFF2-40B4-BE49-F238E27FC236}">
+                <a16:creationId xmlns:a16="http://schemas.microsoft.com/office/drawing/2014/main" id="{654E3EDB-006B-4EE4-8212-C2760A87F363}"/>
+              </a:ext>
+            </a:extLst>
+          </p:cNvPr>
+          <p:cNvCxnSpPr>
+            <a:cxnSpLocks/>
+          </p:cNvCxnSpPr>
+          <p:nvPr/>
+        </p:nvCxnSpPr>
+        <p:spPr>
+          <a:xfrm>
+            <a:off x="5422906" y="5628210"/>
+            <a:ext cx="336024" cy="362442"/>
+          </a:xfrm>
+          <a:prstGeom prst="straightConnector1">
+            <a:avLst/>
+          </a:prstGeom>
+          <a:ln>
+            <a:tailEnd type="triangle"/>
+          </a:ln>
+        </p:spPr>
+        <p:style>
+          <a:lnRef idx="1">
+            <a:schemeClr val="dk1"/>
+          </a:lnRef>
+          <a:fillRef idx="0">
+            <a:schemeClr val="dk1"/>
+          </a:fillRef>
+          <a:effectRef idx="0">
+            <a:schemeClr val="dk1"/>
+          </a:effectRef>
+          <a:fontRef idx="minor">
+            <a:schemeClr val="tx1"/>
+          </a:fontRef>
+        </p:style>
+      </p:cxnSp>
     </p:spTree>
     <p:extLst>
       <p:ext uri="{BB962C8B-B14F-4D97-AF65-F5344CB8AC3E}">
@@ -21029,172 +21161,6 @@
       </p:sp>
       <p:sp>
         <p:nvSpPr>
-          <p:cNvPr id="13" name="CaixaDeTexto 12">
-            <a:extLst>
-              <a:ext uri="{FF2B5EF4-FFF2-40B4-BE49-F238E27FC236}">
-                <a16:creationId xmlns:a16="http://schemas.microsoft.com/office/drawing/2014/main" id="{CD7E33C5-6687-42E9-8C80-FA833198C99D}"/>
-              </a:ext>
-            </a:extLst>
-          </p:cNvPr>
-          <p:cNvSpPr txBox="1"/>
-          <p:nvPr/>
-        </p:nvSpPr>
-        <p:spPr>
-          <a:xfrm>
-            <a:off x="2628898" y="5907408"/>
-            <a:ext cx="2749554" cy="646331"/>
-          </a:xfrm>
-          <a:prstGeom prst="rect">
-            <a:avLst/>
-          </a:prstGeom>
-          <a:solidFill>
-            <a:schemeClr val="bg2"/>
-          </a:solidFill>
-        </p:spPr>
-        <p:txBody>
-          <a:bodyPr wrap="square" rtlCol="0">
-            <a:spAutoFit/>
-          </a:bodyPr>
-          <a:lstStyle/>
-          <a:p>
-            <a:r>
-              <a:rPr lang="pt-BR" dirty="0"/>
-              <a:t>x = $B, y = $A</a:t>
-            </a:r>
-          </a:p>
-          <a:p>
-            <a:r>
-              <a:rPr lang="pt-BR" dirty="0"/>
-              <a:t>PC: $A &gt; $B &amp; $B-$A &gt; 0</a:t>
-            </a:r>
-          </a:p>
-        </p:txBody>
-      </p:sp>
-      <p:sp>
-        <p:nvSpPr>
-          <p:cNvPr id="14" name="CaixaDeTexto 13">
-            <a:extLst>
-              <a:ext uri="{FF2B5EF4-FFF2-40B4-BE49-F238E27FC236}">
-                <a16:creationId xmlns:a16="http://schemas.microsoft.com/office/drawing/2014/main" id="{03DD6710-AABF-478E-AFDC-39ABC8028998}"/>
-              </a:ext>
-            </a:extLst>
-          </p:cNvPr>
-          <p:cNvSpPr txBox="1"/>
-          <p:nvPr/>
-        </p:nvSpPr>
-        <p:spPr>
-          <a:xfrm>
-            <a:off x="5575298" y="5907408"/>
-            <a:ext cx="2654300" cy="646331"/>
-          </a:xfrm>
-          <a:prstGeom prst="rect">
-            <a:avLst/>
-          </a:prstGeom>
-          <a:solidFill>
-            <a:schemeClr val="bg2"/>
-          </a:solidFill>
-        </p:spPr>
-        <p:txBody>
-          <a:bodyPr wrap="square" rtlCol="0">
-            <a:spAutoFit/>
-          </a:bodyPr>
-          <a:lstStyle/>
-          <a:p>
-            <a:r>
-              <a:rPr lang="pt-BR" dirty="0"/>
-              <a:t>x = $B, y = $A</a:t>
-            </a:r>
-          </a:p>
-          <a:p>
-            <a:r>
-              <a:rPr lang="pt-BR" dirty="0"/>
-              <a:t>PC: $A &gt; $B &amp; $B-$A &lt;= 0</a:t>
-            </a:r>
-          </a:p>
-        </p:txBody>
-      </p:sp>
-      <p:cxnSp>
-        <p:nvCxnSpPr>
-          <p:cNvPr id="29" name="Conector de Seta Reta 28">
-            <a:extLst>
-              <a:ext uri="{FF2B5EF4-FFF2-40B4-BE49-F238E27FC236}">
-                <a16:creationId xmlns:a16="http://schemas.microsoft.com/office/drawing/2014/main" id="{54D706D6-1327-482B-85A2-48D08F297BE2}"/>
-              </a:ext>
-            </a:extLst>
-          </p:cNvPr>
-          <p:cNvCxnSpPr>
-            <a:cxnSpLocks/>
-          </p:cNvCxnSpPr>
-          <p:nvPr/>
-        </p:nvCxnSpPr>
-        <p:spPr>
-          <a:xfrm>
-            <a:off x="5594348" y="5714635"/>
-            <a:ext cx="244474" cy="274606"/>
-          </a:xfrm>
-          <a:prstGeom prst="straightConnector1">
-            <a:avLst/>
-          </a:prstGeom>
-          <a:ln>
-            <a:tailEnd type="triangle"/>
-          </a:ln>
-        </p:spPr>
-        <p:style>
-          <a:lnRef idx="1">
-            <a:schemeClr val="dk1"/>
-          </a:lnRef>
-          <a:fillRef idx="0">
-            <a:schemeClr val="dk1"/>
-          </a:fillRef>
-          <a:effectRef idx="0">
-            <a:schemeClr val="dk1"/>
-          </a:effectRef>
-          <a:fontRef idx="minor">
-            <a:schemeClr val="tx1"/>
-          </a:fontRef>
-        </p:style>
-      </p:cxnSp>
-      <p:cxnSp>
-        <p:nvCxnSpPr>
-          <p:cNvPr id="32" name="Conector de Seta Reta 31">
-            <a:extLst>
-              <a:ext uri="{FF2B5EF4-FFF2-40B4-BE49-F238E27FC236}">
-                <a16:creationId xmlns:a16="http://schemas.microsoft.com/office/drawing/2014/main" id="{7E5FD7C9-F16E-4954-986D-2DB0E16B9F78}"/>
-              </a:ext>
-            </a:extLst>
-          </p:cNvPr>
-          <p:cNvCxnSpPr/>
-          <p:nvPr/>
-        </p:nvCxnSpPr>
-        <p:spPr>
-          <a:xfrm flipH="1">
-            <a:off x="4203698" y="5701219"/>
-            <a:ext cx="361952" cy="300722"/>
-          </a:xfrm>
-          <a:prstGeom prst="straightConnector1">
-            <a:avLst/>
-          </a:prstGeom>
-          <a:ln>
-            <a:tailEnd type="triangle"/>
-          </a:ln>
-        </p:spPr>
-        <p:style>
-          <a:lnRef idx="1">
-            <a:schemeClr val="dk1"/>
-          </a:lnRef>
-          <a:fillRef idx="0">
-            <a:schemeClr val="dk1"/>
-          </a:fillRef>
-          <a:effectRef idx="0">
-            <a:schemeClr val="dk1"/>
-          </a:effectRef>
-          <a:fontRef idx="minor">
-            <a:schemeClr val="tx1"/>
-          </a:fontRef>
-        </p:style>
-      </p:cxnSp>
-      <p:sp>
-        <p:nvSpPr>
           <p:cNvPr id="45" name="CaixaDeTexto 44">
             <a:extLst>
               <a:ext uri="{FF2B5EF4-FFF2-40B4-BE49-F238E27FC236}">
@@ -22606,13 +22572,22 @@
               <a:rPr lang="pt-BR" dirty="0"/>
               <a:t>y = x – y;</a:t>
             </a:r>
+            <a:endParaRPr lang="pt-BR" dirty="0">
+              <a:solidFill>
+                <a:schemeClr val="accent1"/>
+              </a:solidFill>
+            </a:endParaRPr>
           </a:p>
           <a:p>
             <a:pPr marL="342900" indent="-342900">
               <a:buAutoNum type="arabicPlain" startAt="2"/>
             </a:pPr>
             <a:r>
-              <a:rPr lang="pt-BR" dirty="0"/>
+              <a:rPr lang="pt-BR" dirty="0">
+                <a:solidFill>
+                  <a:schemeClr val="accent1"/>
+                </a:solidFill>
+              </a:rPr>
               <a:t>x = x – y;</a:t>
             </a:r>
           </a:p>
@@ -22666,6 +22641,172 @@
           </a:p>
         </p:txBody>
       </p:sp>
+      <p:sp>
+        <p:nvSpPr>
+          <p:cNvPr id="42" name="CaixaDeTexto 13">
+            <a:extLst>
+              <a:ext uri="{FF2B5EF4-FFF2-40B4-BE49-F238E27FC236}">
+                <a16:creationId xmlns:a16="http://schemas.microsoft.com/office/drawing/2014/main" id="{03DD6710-AABF-478E-AFDC-39ABC8028998}"/>
+              </a:ext>
+            </a:extLst>
+          </p:cNvPr>
+          <p:cNvSpPr txBox="1"/>
+          <p:nvPr/>
+        </p:nvSpPr>
+        <p:spPr>
+          <a:xfrm>
+            <a:off x="5575297" y="5907408"/>
+            <a:ext cx="2789769" cy="646331"/>
+          </a:xfrm>
+          <a:prstGeom prst="rect">
+            <a:avLst/>
+          </a:prstGeom>
+          <a:solidFill>
+            <a:schemeClr val="bg2"/>
+          </a:solidFill>
+        </p:spPr>
+        <p:txBody>
+          <a:bodyPr wrap="square" rtlCol="0">
+            <a:spAutoFit/>
+          </a:bodyPr>
+          <a:lstStyle/>
+          <a:p>
+            <a:r>
+              <a:rPr lang="pt-BR" dirty="0"/>
+              <a:t>x = $B, y = $A</a:t>
+            </a:r>
+          </a:p>
+          <a:p>
+            <a:r>
+              <a:rPr lang="pt-BR" dirty="0"/>
+              <a:t>PC: $A &gt; $B &amp; $B &lt;= $A</a:t>
+            </a:r>
+          </a:p>
+        </p:txBody>
+      </p:sp>
+      <p:sp>
+        <p:nvSpPr>
+          <p:cNvPr id="53" name="CaixaDeTexto 12">
+            <a:extLst>
+              <a:ext uri="{FF2B5EF4-FFF2-40B4-BE49-F238E27FC236}">
+                <a16:creationId xmlns:a16="http://schemas.microsoft.com/office/drawing/2014/main" id="{CD7E33C5-6687-42E9-8C80-FA833198C99D}"/>
+              </a:ext>
+            </a:extLst>
+          </p:cNvPr>
+          <p:cNvSpPr txBox="1"/>
+          <p:nvPr/>
+        </p:nvSpPr>
+        <p:spPr>
+          <a:xfrm>
+            <a:off x="2628898" y="5907408"/>
+            <a:ext cx="2749554" cy="646331"/>
+          </a:xfrm>
+          <a:prstGeom prst="rect">
+            <a:avLst/>
+          </a:prstGeom>
+          <a:solidFill>
+            <a:schemeClr val="bg2"/>
+          </a:solidFill>
+        </p:spPr>
+        <p:txBody>
+          <a:bodyPr wrap="square" rtlCol="0">
+            <a:spAutoFit/>
+          </a:bodyPr>
+          <a:lstStyle/>
+          <a:p>
+            <a:r>
+              <a:rPr lang="pt-BR" dirty="0"/>
+              <a:t>x = $B, y = $A</a:t>
+            </a:r>
+          </a:p>
+          <a:p>
+            <a:r>
+              <a:rPr lang="pt-BR" dirty="0"/>
+              <a:t>PC: $A &gt; $B &amp; $B &gt; $A</a:t>
+            </a:r>
+          </a:p>
+        </p:txBody>
+      </p:sp>
+      <p:cxnSp>
+        <p:nvCxnSpPr>
+          <p:cNvPr id="56" name="Conector de Seta Reta 31">
+            <a:extLst>
+              <a:ext uri="{FF2B5EF4-FFF2-40B4-BE49-F238E27FC236}">
+                <a16:creationId xmlns:a16="http://schemas.microsoft.com/office/drawing/2014/main" id="{7E5FD7C9-F16E-4954-986D-2DB0E16B9F78}"/>
+              </a:ext>
+            </a:extLst>
+          </p:cNvPr>
+          <p:cNvCxnSpPr/>
+          <p:nvPr/>
+        </p:nvCxnSpPr>
+        <p:spPr>
+          <a:xfrm flipH="1">
+            <a:off x="4203698" y="5680745"/>
+            <a:ext cx="295250" cy="321196"/>
+          </a:xfrm>
+          <a:prstGeom prst="straightConnector1">
+            <a:avLst/>
+          </a:prstGeom>
+          <a:ln>
+            <a:tailEnd type="triangle"/>
+          </a:ln>
+        </p:spPr>
+        <p:style>
+          <a:lnRef idx="1">
+            <a:schemeClr val="dk1"/>
+          </a:lnRef>
+          <a:fillRef idx="0">
+            <a:schemeClr val="dk1"/>
+          </a:fillRef>
+          <a:effectRef idx="0">
+            <a:schemeClr val="dk1"/>
+          </a:effectRef>
+          <a:fontRef idx="minor">
+            <a:schemeClr val="tx1"/>
+          </a:fontRef>
+        </p:style>
+      </p:cxnSp>
+      <p:cxnSp>
+        <p:nvCxnSpPr>
+          <p:cNvPr id="57" name="Conector de Seta Reta 43">
+            <a:extLst>
+              <a:ext uri="{FF2B5EF4-FFF2-40B4-BE49-F238E27FC236}">
+                <a16:creationId xmlns:a16="http://schemas.microsoft.com/office/drawing/2014/main" id="{654E3EDB-006B-4EE4-8212-C2760A87F363}"/>
+              </a:ext>
+            </a:extLst>
+          </p:cNvPr>
+          <p:cNvCxnSpPr>
+            <a:cxnSpLocks/>
+          </p:cNvCxnSpPr>
+          <p:nvPr/>
+        </p:nvCxnSpPr>
+        <p:spPr>
+          <a:xfrm>
+            <a:off x="5422906" y="5639499"/>
+            <a:ext cx="336024" cy="362442"/>
+          </a:xfrm>
+          <a:prstGeom prst="straightConnector1">
+            <a:avLst/>
+          </a:prstGeom>
+          <a:ln>
+            <a:tailEnd type="triangle"/>
+          </a:ln>
+        </p:spPr>
+        <p:style>
+          <a:lnRef idx="1">
+            <a:schemeClr val="dk1"/>
+          </a:lnRef>
+          <a:fillRef idx="0">
+            <a:schemeClr val="dk1"/>
+          </a:fillRef>
+          <a:effectRef idx="0">
+            <a:schemeClr val="dk1"/>
+          </a:effectRef>
+          <a:fontRef idx="minor">
+            <a:schemeClr val="tx1"/>
+          </a:fontRef>
+        </p:style>
+      </p:cxnSp>
     </p:spTree>
     <p:extLst>
       <p:ext uri="{BB962C8B-B14F-4D97-AF65-F5344CB8AC3E}">
@@ -22765,172 +22906,6 @@
       </p:sp>
       <p:sp>
         <p:nvSpPr>
-          <p:cNvPr id="13" name="CaixaDeTexto 12">
-            <a:extLst>
-              <a:ext uri="{FF2B5EF4-FFF2-40B4-BE49-F238E27FC236}">
-                <a16:creationId xmlns:a16="http://schemas.microsoft.com/office/drawing/2014/main" id="{CD7E33C5-6687-42E9-8C80-FA833198C99D}"/>
-              </a:ext>
-            </a:extLst>
-          </p:cNvPr>
-          <p:cNvSpPr txBox="1"/>
-          <p:nvPr/>
-        </p:nvSpPr>
-        <p:spPr>
-          <a:xfrm>
-            <a:off x="2628898" y="5907408"/>
-            <a:ext cx="2749554" cy="646331"/>
-          </a:xfrm>
-          <a:prstGeom prst="rect">
-            <a:avLst/>
-          </a:prstGeom>
-          <a:solidFill>
-            <a:schemeClr val="bg2"/>
-          </a:solidFill>
-        </p:spPr>
-        <p:txBody>
-          <a:bodyPr wrap="square" rtlCol="0">
-            <a:spAutoFit/>
-          </a:bodyPr>
-          <a:lstStyle/>
-          <a:p>
-            <a:r>
-              <a:rPr lang="pt-BR" dirty="0"/>
-              <a:t>x = $B, y = $A</a:t>
-            </a:r>
-          </a:p>
-          <a:p>
-            <a:r>
-              <a:rPr lang="pt-BR" dirty="0"/>
-              <a:t>PC: $A &gt; $B &amp; $B-$A &gt; 0</a:t>
-            </a:r>
-          </a:p>
-        </p:txBody>
-      </p:sp>
-      <p:sp>
-        <p:nvSpPr>
-          <p:cNvPr id="14" name="CaixaDeTexto 13">
-            <a:extLst>
-              <a:ext uri="{FF2B5EF4-FFF2-40B4-BE49-F238E27FC236}">
-                <a16:creationId xmlns:a16="http://schemas.microsoft.com/office/drawing/2014/main" id="{03DD6710-AABF-478E-AFDC-39ABC8028998}"/>
-              </a:ext>
-            </a:extLst>
-          </p:cNvPr>
-          <p:cNvSpPr txBox="1"/>
-          <p:nvPr/>
-        </p:nvSpPr>
-        <p:spPr>
-          <a:xfrm>
-            <a:off x="5575298" y="5907408"/>
-            <a:ext cx="2654300" cy="646331"/>
-          </a:xfrm>
-          <a:prstGeom prst="rect">
-            <a:avLst/>
-          </a:prstGeom>
-          <a:solidFill>
-            <a:schemeClr val="bg2"/>
-          </a:solidFill>
-        </p:spPr>
-        <p:txBody>
-          <a:bodyPr wrap="square" rtlCol="0">
-            <a:spAutoFit/>
-          </a:bodyPr>
-          <a:lstStyle/>
-          <a:p>
-            <a:r>
-              <a:rPr lang="pt-BR" dirty="0"/>
-              <a:t>x = $B, y = $A</a:t>
-            </a:r>
-          </a:p>
-          <a:p>
-            <a:r>
-              <a:rPr lang="pt-BR" dirty="0"/>
-              <a:t>PC: $A &gt; $B &amp; $B-$A &lt;= 0</a:t>
-            </a:r>
-          </a:p>
-        </p:txBody>
-      </p:sp>
-      <p:cxnSp>
-        <p:nvCxnSpPr>
-          <p:cNvPr id="29" name="Conector de Seta Reta 28">
-            <a:extLst>
-              <a:ext uri="{FF2B5EF4-FFF2-40B4-BE49-F238E27FC236}">
-                <a16:creationId xmlns:a16="http://schemas.microsoft.com/office/drawing/2014/main" id="{54D706D6-1327-482B-85A2-48D08F297BE2}"/>
-              </a:ext>
-            </a:extLst>
-          </p:cNvPr>
-          <p:cNvCxnSpPr>
-            <a:cxnSpLocks/>
-          </p:cNvCxnSpPr>
-          <p:nvPr/>
-        </p:nvCxnSpPr>
-        <p:spPr>
-          <a:xfrm>
-            <a:off x="5594348" y="5714635"/>
-            <a:ext cx="244474" cy="274606"/>
-          </a:xfrm>
-          <a:prstGeom prst="straightConnector1">
-            <a:avLst/>
-          </a:prstGeom>
-          <a:ln>
-            <a:tailEnd type="triangle"/>
-          </a:ln>
-        </p:spPr>
-        <p:style>
-          <a:lnRef idx="1">
-            <a:schemeClr val="dk1"/>
-          </a:lnRef>
-          <a:fillRef idx="0">
-            <a:schemeClr val="dk1"/>
-          </a:fillRef>
-          <a:effectRef idx="0">
-            <a:schemeClr val="dk1"/>
-          </a:effectRef>
-          <a:fontRef idx="minor">
-            <a:schemeClr val="tx1"/>
-          </a:fontRef>
-        </p:style>
-      </p:cxnSp>
-      <p:cxnSp>
-        <p:nvCxnSpPr>
-          <p:cNvPr id="32" name="Conector de Seta Reta 31">
-            <a:extLst>
-              <a:ext uri="{FF2B5EF4-FFF2-40B4-BE49-F238E27FC236}">
-                <a16:creationId xmlns:a16="http://schemas.microsoft.com/office/drawing/2014/main" id="{7E5FD7C9-F16E-4954-986D-2DB0E16B9F78}"/>
-              </a:ext>
-            </a:extLst>
-          </p:cNvPr>
-          <p:cNvCxnSpPr/>
-          <p:nvPr/>
-        </p:nvCxnSpPr>
-        <p:spPr>
-          <a:xfrm flipH="1">
-            <a:off x="4203698" y="5701219"/>
-            <a:ext cx="361952" cy="300722"/>
-          </a:xfrm>
-          <a:prstGeom prst="straightConnector1">
-            <a:avLst/>
-          </a:prstGeom>
-          <a:ln>
-            <a:tailEnd type="triangle"/>
-          </a:ln>
-        </p:spPr>
-        <p:style>
-          <a:lnRef idx="1">
-            <a:schemeClr val="dk1"/>
-          </a:lnRef>
-          <a:fillRef idx="0">
-            <a:schemeClr val="dk1"/>
-          </a:fillRef>
-          <a:effectRef idx="0">
-            <a:schemeClr val="dk1"/>
-          </a:effectRef>
-          <a:fontRef idx="minor">
-            <a:schemeClr val="tx1"/>
-          </a:fontRef>
-        </p:style>
-      </p:cxnSp>
-      <p:sp>
-        <p:nvSpPr>
           <p:cNvPr id="45" name="CaixaDeTexto 44">
             <a:extLst>
               <a:ext uri="{FF2B5EF4-FFF2-40B4-BE49-F238E27FC236}">
@@ -24339,7 +24314,11 @@
               <a:buAutoNum type="arabicPlain" startAt="2"/>
             </a:pPr>
             <a:r>
-              <a:rPr lang="pt-BR" dirty="0"/>
+              <a:rPr lang="pt-BR" dirty="0">
+                <a:solidFill>
+                  <a:schemeClr val="accent1"/>
+                </a:solidFill>
+              </a:rPr>
               <a:t>y = x – y;</a:t>
             </a:r>
           </a:p>
@@ -24402,6 +24381,172 @@
           </a:p>
         </p:txBody>
       </p:sp>
+      <p:sp>
+        <p:nvSpPr>
+          <p:cNvPr id="39" name="CaixaDeTexto 13">
+            <a:extLst>
+              <a:ext uri="{FF2B5EF4-FFF2-40B4-BE49-F238E27FC236}">
+                <a16:creationId xmlns:a16="http://schemas.microsoft.com/office/drawing/2014/main" id="{03DD6710-AABF-478E-AFDC-39ABC8028998}"/>
+              </a:ext>
+            </a:extLst>
+          </p:cNvPr>
+          <p:cNvSpPr txBox="1"/>
+          <p:nvPr/>
+        </p:nvSpPr>
+        <p:spPr>
+          <a:xfrm>
+            <a:off x="5575297" y="5907408"/>
+            <a:ext cx="2789769" cy="646331"/>
+          </a:xfrm>
+          <a:prstGeom prst="rect">
+            <a:avLst/>
+          </a:prstGeom>
+          <a:solidFill>
+            <a:schemeClr val="bg2"/>
+          </a:solidFill>
+        </p:spPr>
+        <p:txBody>
+          <a:bodyPr wrap="square" rtlCol="0">
+            <a:spAutoFit/>
+          </a:bodyPr>
+          <a:lstStyle/>
+          <a:p>
+            <a:r>
+              <a:rPr lang="pt-BR" dirty="0"/>
+              <a:t>x = $B, y = $A</a:t>
+            </a:r>
+          </a:p>
+          <a:p>
+            <a:r>
+              <a:rPr lang="pt-BR" dirty="0"/>
+              <a:t>PC: $A &gt; $B &amp; $B &lt;= $A</a:t>
+            </a:r>
+          </a:p>
+        </p:txBody>
+      </p:sp>
+      <p:sp>
+        <p:nvSpPr>
+          <p:cNvPr id="40" name="CaixaDeTexto 12">
+            <a:extLst>
+              <a:ext uri="{FF2B5EF4-FFF2-40B4-BE49-F238E27FC236}">
+                <a16:creationId xmlns:a16="http://schemas.microsoft.com/office/drawing/2014/main" id="{CD7E33C5-6687-42E9-8C80-FA833198C99D}"/>
+              </a:ext>
+            </a:extLst>
+          </p:cNvPr>
+          <p:cNvSpPr txBox="1"/>
+          <p:nvPr/>
+        </p:nvSpPr>
+        <p:spPr>
+          <a:xfrm>
+            <a:off x="2628898" y="5907408"/>
+            <a:ext cx="2749554" cy="646331"/>
+          </a:xfrm>
+          <a:prstGeom prst="rect">
+            <a:avLst/>
+          </a:prstGeom>
+          <a:solidFill>
+            <a:schemeClr val="bg2"/>
+          </a:solidFill>
+        </p:spPr>
+        <p:txBody>
+          <a:bodyPr wrap="square" rtlCol="0">
+            <a:spAutoFit/>
+          </a:bodyPr>
+          <a:lstStyle/>
+          <a:p>
+            <a:r>
+              <a:rPr lang="pt-BR" dirty="0"/>
+              <a:t>x = $B, y = $A</a:t>
+            </a:r>
+          </a:p>
+          <a:p>
+            <a:r>
+              <a:rPr lang="pt-BR" dirty="0"/>
+              <a:t>PC: $A &gt; $B &amp; $B &gt; $A</a:t>
+            </a:r>
+          </a:p>
+        </p:txBody>
+      </p:sp>
+      <p:cxnSp>
+        <p:nvCxnSpPr>
+          <p:cNvPr id="42" name="Conector de Seta Reta 31">
+            <a:extLst>
+              <a:ext uri="{FF2B5EF4-FFF2-40B4-BE49-F238E27FC236}">
+                <a16:creationId xmlns:a16="http://schemas.microsoft.com/office/drawing/2014/main" id="{7E5FD7C9-F16E-4954-986D-2DB0E16B9F78}"/>
+              </a:ext>
+            </a:extLst>
+          </p:cNvPr>
+          <p:cNvCxnSpPr/>
+          <p:nvPr/>
+        </p:nvCxnSpPr>
+        <p:spPr>
+          <a:xfrm flipH="1">
+            <a:off x="4203698" y="5680745"/>
+            <a:ext cx="295250" cy="321196"/>
+          </a:xfrm>
+          <a:prstGeom prst="straightConnector1">
+            <a:avLst/>
+          </a:prstGeom>
+          <a:ln>
+            <a:tailEnd type="triangle"/>
+          </a:ln>
+        </p:spPr>
+        <p:style>
+          <a:lnRef idx="1">
+            <a:schemeClr val="dk1"/>
+          </a:lnRef>
+          <a:fillRef idx="0">
+            <a:schemeClr val="dk1"/>
+          </a:fillRef>
+          <a:effectRef idx="0">
+            <a:schemeClr val="dk1"/>
+          </a:effectRef>
+          <a:fontRef idx="minor">
+            <a:schemeClr val="tx1"/>
+          </a:fontRef>
+        </p:style>
+      </p:cxnSp>
+      <p:cxnSp>
+        <p:nvCxnSpPr>
+          <p:cNvPr id="53" name="Conector de Seta Reta 43">
+            <a:extLst>
+              <a:ext uri="{FF2B5EF4-FFF2-40B4-BE49-F238E27FC236}">
+                <a16:creationId xmlns:a16="http://schemas.microsoft.com/office/drawing/2014/main" id="{654E3EDB-006B-4EE4-8212-C2760A87F363}"/>
+              </a:ext>
+            </a:extLst>
+          </p:cNvPr>
+          <p:cNvCxnSpPr>
+            <a:cxnSpLocks/>
+          </p:cNvCxnSpPr>
+          <p:nvPr/>
+        </p:nvCxnSpPr>
+        <p:spPr>
+          <a:xfrm>
+            <a:off x="5422906" y="5639499"/>
+            <a:ext cx="336024" cy="362442"/>
+          </a:xfrm>
+          <a:prstGeom prst="straightConnector1">
+            <a:avLst/>
+          </a:prstGeom>
+          <a:ln>
+            <a:tailEnd type="triangle"/>
+          </a:ln>
+        </p:spPr>
+        <p:style>
+          <a:lnRef idx="1">
+            <a:schemeClr val="dk1"/>
+          </a:lnRef>
+          <a:fillRef idx="0">
+            <a:schemeClr val="dk1"/>
+          </a:fillRef>
+          <a:effectRef idx="0">
+            <a:schemeClr val="dk1"/>
+          </a:effectRef>
+          <a:fontRef idx="minor">
+            <a:schemeClr val="tx1"/>
+          </a:fontRef>
+        </p:style>
+      </p:cxnSp>
     </p:spTree>
     <p:extLst>
       <p:ext uri="{BB962C8B-B14F-4D97-AF65-F5344CB8AC3E}">
@@ -24501,172 +24646,6 @@
       </p:sp>
       <p:sp>
         <p:nvSpPr>
-          <p:cNvPr id="13" name="CaixaDeTexto 12">
-            <a:extLst>
-              <a:ext uri="{FF2B5EF4-FFF2-40B4-BE49-F238E27FC236}">
-                <a16:creationId xmlns:a16="http://schemas.microsoft.com/office/drawing/2014/main" id="{CD7E33C5-6687-42E9-8C80-FA833198C99D}"/>
-              </a:ext>
-            </a:extLst>
-          </p:cNvPr>
-          <p:cNvSpPr txBox="1"/>
-          <p:nvPr/>
-        </p:nvSpPr>
-        <p:spPr>
-          <a:xfrm>
-            <a:off x="2628898" y="5907408"/>
-            <a:ext cx="2749554" cy="646331"/>
-          </a:xfrm>
-          <a:prstGeom prst="rect">
-            <a:avLst/>
-          </a:prstGeom>
-          <a:solidFill>
-            <a:schemeClr val="bg2"/>
-          </a:solidFill>
-        </p:spPr>
-        <p:txBody>
-          <a:bodyPr wrap="square" rtlCol="0">
-            <a:spAutoFit/>
-          </a:bodyPr>
-          <a:lstStyle/>
-          <a:p>
-            <a:r>
-              <a:rPr lang="pt-BR" dirty="0"/>
-              <a:t>x = $B, y = $A</a:t>
-            </a:r>
-          </a:p>
-          <a:p>
-            <a:r>
-              <a:rPr lang="pt-BR" dirty="0"/>
-              <a:t>PC: $A &gt; $B &amp; $B-$A &gt; 0</a:t>
-            </a:r>
-          </a:p>
-        </p:txBody>
-      </p:sp>
-      <p:sp>
-        <p:nvSpPr>
-          <p:cNvPr id="14" name="CaixaDeTexto 13">
-            <a:extLst>
-              <a:ext uri="{FF2B5EF4-FFF2-40B4-BE49-F238E27FC236}">
-                <a16:creationId xmlns:a16="http://schemas.microsoft.com/office/drawing/2014/main" id="{03DD6710-AABF-478E-AFDC-39ABC8028998}"/>
-              </a:ext>
-            </a:extLst>
-          </p:cNvPr>
-          <p:cNvSpPr txBox="1"/>
-          <p:nvPr/>
-        </p:nvSpPr>
-        <p:spPr>
-          <a:xfrm>
-            <a:off x="5575298" y="5907408"/>
-            <a:ext cx="2654300" cy="646331"/>
-          </a:xfrm>
-          <a:prstGeom prst="rect">
-            <a:avLst/>
-          </a:prstGeom>
-          <a:solidFill>
-            <a:schemeClr val="bg2"/>
-          </a:solidFill>
-        </p:spPr>
-        <p:txBody>
-          <a:bodyPr wrap="square" rtlCol="0">
-            <a:spAutoFit/>
-          </a:bodyPr>
-          <a:lstStyle/>
-          <a:p>
-            <a:r>
-              <a:rPr lang="pt-BR" dirty="0"/>
-              <a:t>x = $B, y = $A</a:t>
-            </a:r>
-          </a:p>
-          <a:p>
-            <a:r>
-              <a:rPr lang="pt-BR" dirty="0"/>
-              <a:t>PC: $A &gt; $B &amp; $B-$A &lt;= 0</a:t>
-            </a:r>
-          </a:p>
-        </p:txBody>
-      </p:sp>
-      <p:cxnSp>
-        <p:nvCxnSpPr>
-          <p:cNvPr id="29" name="Conector de Seta Reta 28">
-            <a:extLst>
-              <a:ext uri="{FF2B5EF4-FFF2-40B4-BE49-F238E27FC236}">
-                <a16:creationId xmlns:a16="http://schemas.microsoft.com/office/drawing/2014/main" id="{54D706D6-1327-482B-85A2-48D08F297BE2}"/>
-              </a:ext>
-            </a:extLst>
-          </p:cNvPr>
-          <p:cNvCxnSpPr>
-            <a:cxnSpLocks/>
-          </p:cNvCxnSpPr>
-          <p:nvPr/>
-        </p:nvCxnSpPr>
-        <p:spPr>
-          <a:xfrm>
-            <a:off x="5594348" y="5714635"/>
-            <a:ext cx="244474" cy="274606"/>
-          </a:xfrm>
-          <a:prstGeom prst="straightConnector1">
-            <a:avLst/>
-          </a:prstGeom>
-          <a:ln>
-            <a:tailEnd type="triangle"/>
-          </a:ln>
-        </p:spPr>
-        <p:style>
-          <a:lnRef idx="1">
-            <a:schemeClr val="dk1"/>
-          </a:lnRef>
-          <a:fillRef idx="0">
-            <a:schemeClr val="dk1"/>
-          </a:fillRef>
-          <a:effectRef idx="0">
-            <a:schemeClr val="dk1"/>
-          </a:effectRef>
-          <a:fontRef idx="minor">
-            <a:schemeClr val="tx1"/>
-          </a:fontRef>
-        </p:style>
-      </p:cxnSp>
-      <p:cxnSp>
-        <p:nvCxnSpPr>
-          <p:cNvPr id="32" name="Conector de Seta Reta 31">
-            <a:extLst>
-              <a:ext uri="{FF2B5EF4-FFF2-40B4-BE49-F238E27FC236}">
-                <a16:creationId xmlns:a16="http://schemas.microsoft.com/office/drawing/2014/main" id="{7E5FD7C9-F16E-4954-986D-2DB0E16B9F78}"/>
-              </a:ext>
-            </a:extLst>
-          </p:cNvPr>
-          <p:cNvCxnSpPr/>
-          <p:nvPr/>
-        </p:nvCxnSpPr>
-        <p:spPr>
-          <a:xfrm flipH="1">
-            <a:off x="4203698" y="5701219"/>
-            <a:ext cx="361952" cy="300722"/>
-          </a:xfrm>
-          <a:prstGeom prst="straightConnector1">
-            <a:avLst/>
-          </a:prstGeom>
-          <a:ln>
-            <a:tailEnd type="triangle"/>
-          </a:ln>
-        </p:spPr>
-        <p:style>
-          <a:lnRef idx="1">
-            <a:schemeClr val="dk1"/>
-          </a:lnRef>
-          <a:fillRef idx="0">
-            <a:schemeClr val="dk1"/>
-          </a:fillRef>
-          <a:effectRef idx="0">
-            <a:schemeClr val="dk1"/>
-          </a:effectRef>
-          <a:fontRef idx="minor">
-            <a:schemeClr val="tx1"/>
-          </a:fontRef>
-        </p:style>
-      </p:cxnSp>
-      <p:sp>
-        <p:nvSpPr>
           <p:cNvPr id="45" name="CaixaDeTexto 44">
             <a:extLst>
               <a:ext uri="{FF2B5EF4-FFF2-40B4-BE49-F238E27FC236}">
@@ -26066,7 +26045,11 @@
               <a:buAutoNum type="arabicPlain" startAt="2"/>
             </a:pPr>
             <a:r>
-              <a:rPr lang="pt-BR" dirty="0"/>
+              <a:rPr lang="pt-BR" dirty="0">
+                <a:solidFill>
+                  <a:schemeClr val="accent1"/>
+                </a:solidFill>
+              </a:rPr>
               <a:t>x = x + y;</a:t>
             </a:r>
           </a:p>
@@ -26138,6 +26121,172 @@
           </a:p>
         </p:txBody>
       </p:sp>
+      <p:sp>
+        <p:nvSpPr>
+          <p:cNvPr id="39" name="CaixaDeTexto 13">
+            <a:extLst>
+              <a:ext uri="{FF2B5EF4-FFF2-40B4-BE49-F238E27FC236}">
+                <a16:creationId xmlns:a16="http://schemas.microsoft.com/office/drawing/2014/main" id="{03DD6710-AABF-478E-AFDC-39ABC8028998}"/>
+              </a:ext>
+            </a:extLst>
+          </p:cNvPr>
+          <p:cNvSpPr txBox="1"/>
+          <p:nvPr/>
+        </p:nvSpPr>
+        <p:spPr>
+          <a:xfrm>
+            <a:off x="5575297" y="5907408"/>
+            <a:ext cx="2789769" cy="646331"/>
+          </a:xfrm>
+          <a:prstGeom prst="rect">
+            <a:avLst/>
+          </a:prstGeom>
+          <a:solidFill>
+            <a:schemeClr val="bg2"/>
+          </a:solidFill>
+        </p:spPr>
+        <p:txBody>
+          <a:bodyPr wrap="square" rtlCol="0">
+            <a:spAutoFit/>
+          </a:bodyPr>
+          <a:lstStyle/>
+          <a:p>
+            <a:r>
+              <a:rPr lang="pt-BR" dirty="0"/>
+              <a:t>x = $B, y = $A</a:t>
+            </a:r>
+          </a:p>
+          <a:p>
+            <a:r>
+              <a:rPr lang="pt-BR" dirty="0"/>
+              <a:t>PC: $A &gt; $B &amp; $B &lt;= $A</a:t>
+            </a:r>
+          </a:p>
+        </p:txBody>
+      </p:sp>
+      <p:sp>
+        <p:nvSpPr>
+          <p:cNvPr id="40" name="CaixaDeTexto 12">
+            <a:extLst>
+              <a:ext uri="{FF2B5EF4-FFF2-40B4-BE49-F238E27FC236}">
+                <a16:creationId xmlns:a16="http://schemas.microsoft.com/office/drawing/2014/main" id="{CD7E33C5-6687-42E9-8C80-FA833198C99D}"/>
+              </a:ext>
+            </a:extLst>
+          </p:cNvPr>
+          <p:cNvSpPr txBox="1"/>
+          <p:nvPr/>
+        </p:nvSpPr>
+        <p:spPr>
+          <a:xfrm>
+            <a:off x="2628898" y="5907408"/>
+            <a:ext cx="2749554" cy="646331"/>
+          </a:xfrm>
+          <a:prstGeom prst="rect">
+            <a:avLst/>
+          </a:prstGeom>
+          <a:solidFill>
+            <a:schemeClr val="bg2"/>
+          </a:solidFill>
+        </p:spPr>
+        <p:txBody>
+          <a:bodyPr wrap="square" rtlCol="0">
+            <a:spAutoFit/>
+          </a:bodyPr>
+          <a:lstStyle/>
+          <a:p>
+            <a:r>
+              <a:rPr lang="pt-BR" dirty="0"/>
+              <a:t>x = $B, y = $A</a:t>
+            </a:r>
+          </a:p>
+          <a:p>
+            <a:r>
+              <a:rPr lang="pt-BR" dirty="0"/>
+              <a:t>PC: $A &gt; $B &amp; $B &gt; $A</a:t>
+            </a:r>
+          </a:p>
+        </p:txBody>
+      </p:sp>
+      <p:cxnSp>
+        <p:nvCxnSpPr>
+          <p:cNvPr id="42" name="Conector de Seta Reta 31">
+            <a:extLst>
+              <a:ext uri="{FF2B5EF4-FFF2-40B4-BE49-F238E27FC236}">
+                <a16:creationId xmlns:a16="http://schemas.microsoft.com/office/drawing/2014/main" id="{7E5FD7C9-F16E-4954-986D-2DB0E16B9F78}"/>
+              </a:ext>
+            </a:extLst>
+          </p:cNvPr>
+          <p:cNvCxnSpPr/>
+          <p:nvPr/>
+        </p:nvCxnSpPr>
+        <p:spPr>
+          <a:xfrm flipH="1">
+            <a:off x="4203698" y="5680745"/>
+            <a:ext cx="295250" cy="321196"/>
+          </a:xfrm>
+          <a:prstGeom prst="straightConnector1">
+            <a:avLst/>
+          </a:prstGeom>
+          <a:ln>
+            <a:tailEnd type="triangle"/>
+          </a:ln>
+        </p:spPr>
+        <p:style>
+          <a:lnRef idx="1">
+            <a:schemeClr val="dk1"/>
+          </a:lnRef>
+          <a:fillRef idx="0">
+            <a:schemeClr val="dk1"/>
+          </a:fillRef>
+          <a:effectRef idx="0">
+            <a:schemeClr val="dk1"/>
+          </a:effectRef>
+          <a:fontRef idx="minor">
+            <a:schemeClr val="tx1"/>
+          </a:fontRef>
+        </p:style>
+      </p:cxnSp>
+      <p:cxnSp>
+        <p:nvCxnSpPr>
+          <p:cNvPr id="53" name="Conector de Seta Reta 43">
+            <a:extLst>
+              <a:ext uri="{FF2B5EF4-FFF2-40B4-BE49-F238E27FC236}">
+                <a16:creationId xmlns:a16="http://schemas.microsoft.com/office/drawing/2014/main" id="{654E3EDB-006B-4EE4-8212-C2760A87F363}"/>
+              </a:ext>
+            </a:extLst>
+          </p:cNvPr>
+          <p:cNvCxnSpPr>
+            <a:cxnSpLocks/>
+          </p:cNvCxnSpPr>
+          <p:nvPr/>
+        </p:nvCxnSpPr>
+        <p:spPr>
+          <a:xfrm>
+            <a:off x="5422906" y="5639499"/>
+            <a:ext cx="336024" cy="362442"/>
+          </a:xfrm>
+          <a:prstGeom prst="straightConnector1">
+            <a:avLst/>
+          </a:prstGeom>
+          <a:ln>
+            <a:tailEnd type="triangle"/>
+          </a:ln>
+        </p:spPr>
+        <p:style>
+          <a:lnRef idx="1">
+            <a:schemeClr val="dk1"/>
+          </a:lnRef>
+          <a:fillRef idx="0">
+            <a:schemeClr val="dk1"/>
+          </a:fillRef>
+          <a:effectRef idx="0">
+            <a:schemeClr val="dk1"/>
+          </a:effectRef>
+          <a:fontRef idx="minor">
+            <a:schemeClr val="tx1"/>
+          </a:fontRef>
+        </p:style>
+      </p:cxnSp>
     </p:spTree>
     <p:extLst>
       <p:ext uri="{BB962C8B-B14F-4D97-AF65-F5344CB8AC3E}">
@@ -26237,10 +26386,10 @@
       </p:sp>
       <p:sp>
         <p:nvSpPr>
-          <p:cNvPr id="13" name="CaixaDeTexto 12">
-            <a:extLst>
-              <a:ext uri="{FF2B5EF4-FFF2-40B4-BE49-F238E27FC236}">
-                <a16:creationId xmlns:a16="http://schemas.microsoft.com/office/drawing/2014/main" id="{CD7E33C5-6687-42E9-8C80-FA833198C99D}"/>
+          <p:cNvPr id="45" name="CaixaDeTexto 44">
+            <a:extLst>
+              <a:ext uri="{FF2B5EF4-FFF2-40B4-BE49-F238E27FC236}">
+                <a16:creationId xmlns:a16="http://schemas.microsoft.com/office/drawing/2014/main" id="{B74B05B2-DD21-41EE-8C29-D526F4DDF504}"/>
               </a:ext>
             </a:extLst>
           </p:cNvPr>
@@ -26249,8 +26398,8 @@
         </p:nvSpPr>
         <p:spPr>
           <a:xfrm>
-            <a:off x="2628898" y="5907408"/>
-            <a:ext cx="2749554" cy="646331"/>
+            <a:off x="4248152" y="5075719"/>
+            <a:ext cx="2070100" cy="646331"/>
           </a:xfrm>
           <a:prstGeom prst="rect">
             <a:avLst/>
@@ -26273,172 +26422,6 @@
           <a:p>
             <a:r>
               <a:rPr lang="pt-BR" dirty="0"/>
-              <a:t>PC: $A &gt; $B &amp; $B-$A &gt; 0</a:t>
-            </a:r>
-          </a:p>
-        </p:txBody>
-      </p:sp>
-      <p:sp>
-        <p:nvSpPr>
-          <p:cNvPr id="14" name="CaixaDeTexto 13">
-            <a:extLst>
-              <a:ext uri="{FF2B5EF4-FFF2-40B4-BE49-F238E27FC236}">
-                <a16:creationId xmlns:a16="http://schemas.microsoft.com/office/drawing/2014/main" id="{03DD6710-AABF-478E-AFDC-39ABC8028998}"/>
-              </a:ext>
-            </a:extLst>
-          </p:cNvPr>
-          <p:cNvSpPr txBox="1"/>
-          <p:nvPr/>
-        </p:nvSpPr>
-        <p:spPr>
-          <a:xfrm>
-            <a:off x="5575298" y="5907408"/>
-            <a:ext cx="2654300" cy="646331"/>
-          </a:xfrm>
-          <a:prstGeom prst="rect">
-            <a:avLst/>
-          </a:prstGeom>
-          <a:solidFill>
-            <a:schemeClr val="bg2"/>
-          </a:solidFill>
-        </p:spPr>
-        <p:txBody>
-          <a:bodyPr wrap="square" rtlCol="0">
-            <a:spAutoFit/>
-          </a:bodyPr>
-          <a:lstStyle/>
-          <a:p>
-            <a:r>
-              <a:rPr lang="pt-BR" dirty="0"/>
-              <a:t>x = $B, y = $A</a:t>
-            </a:r>
-          </a:p>
-          <a:p>
-            <a:r>
-              <a:rPr lang="pt-BR" dirty="0"/>
-              <a:t>PC: $A &gt; $B &amp; $B-$A &lt;= 0</a:t>
-            </a:r>
-          </a:p>
-        </p:txBody>
-      </p:sp>
-      <p:cxnSp>
-        <p:nvCxnSpPr>
-          <p:cNvPr id="29" name="Conector de Seta Reta 28">
-            <a:extLst>
-              <a:ext uri="{FF2B5EF4-FFF2-40B4-BE49-F238E27FC236}">
-                <a16:creationId xmlns:a16="http://schemas.microsoft.com/office/drawing/2014/main" id="{54D706D6-1327-482B-85A2-48D08F297BE2}"/>
-              </a:ext>
-            </a:extLst>
-          </p:cNvPr>
-          <p:cNvCxnSpPr>
-            <a:cxnSpLocks/>
-          </p:cNvCxnSpPr>
-          <p:nvPr/>
-        </p:nvCxnSpPr>
-        <p:spPr>
-          <a:xfrm>
-            <a:off x="5594348" y="5714635"/>
-            <a:ext cx="244474" cy="274606"/>
-          </a:xfrm>
-          <a:prstGeom prst="straightConnector1">
-            <a:avLst/>
-          </a:prstGeom>
-          <a:ln>
-            <a:tailEnd type="triangle"/>
-          </a:ln>
-        </p:spPr>
-        <p:style>
-          <a:lnRef idx="1">
-            <a:schemeClr val="dk1"/>
-          </a:lnRef>
-          <a:fillRef idx="0">
-            <a:schemeClr val="dk1"/>
-          </a:fillRef>
-          <a:effectRef idx="0">
-            <a:schemeClr val="dk1"/>
-          </a:effectRef>
-          <a:fontRef idx="minor">
-            <a:schemeClr val="tx1"/>
-          </a:fontRef>
-        </p:style>
-      </p:cxnSp>
-      <p:cxnSp>
-        <p:nvCxnSpPr>
-          <p:cNvPr id="32" name="Conector de Seta Reta 31">
-            <a:extLst>
-              <a:ext uri="{FF2B5EF4-FFF2-40B4-BE49-F238E27FC236}">
-                <a16:creationId xmlns:a16="http://schemas.microsoft.com/office/drawing/2014/main" id="{7E5FD7C9-F16E-4954-986D-2DB0E16B9F78}"/>
-              </a:ext>
-            </a:extLst>
-          </p:cNvPr>
-          <p:cNvCxnSpPr/>
-          <p:nvPr/>
-        </p:nvCxnSpPr>
-        <p:spPr>
-          <a:xfrm flipH="1">
-            <a:off x="4203698" y="5701219"/>
-            <a:ext cx="361952" cy="300722"/>
-          </a:xfrm>
-          <a:prstGeom prst="straightConnector1">
-            <a:avLst/>
-          </a:prstGeom>
-          <a:ln>
-            <a:tailEnd type="triangle"/>
-          </a:ln>
-        </p:spPr>
-        <p:style>
-          <a:lnRef idx="1">
-            <a:schemeClr val="dk1"/>
-          </a:lnRef>
-          <a:fillRef idx="0">
-            <a:schemeClr val="dk1"/>
-          </a:fillRef>
-          <a:effectRef idx="0">
-            <a:schemeClr val="dk1"/>
-          </a:effectRef>
-          <a:fontRef idx="minor">
-            <a:schemeClr val="tx1"/>
-          </a:fontRef>
-        </p:style>
-      </p:cxnSp>
-      <p:sp>
-        <p:nvSpPr>
-          <p:cNvPr id="45" name="CaixaDeTexto 44">
-            <a:extLst>
-              <a:ext uri="{FF2B5EF4-FFF2-40B4-BE49-F238E27FC236}">
-                <a16:creationId xmlns:a16="http://schemas.microsoft.com/office/drawing/2014/main" id="{B74B05B2-DD21-41EE-8C29-D526F4DDF504}"/>
-              </a:ext>
-            </a:extLst>
-          </p:cNvPr>
-          <p:cNvSpPr txBox="1"/>
-          <p:nvPr/>
-        </p:nvSpPr>
-        <p:spPr>
-          <a:xfrm>
-            <a:off x="4248152" y="5075719"/>
-            <a:ext cx="2070100" cy="646331"/>
-          </a:xfrm>
-          <a:prstGeom prst="rect">
-            <a:avLst/>
-          </a:prstGeom>
-          <a:solidFill>
-            <a:schemeClr val="bg2"/>
-          </a:solidFill>
-        </p:spPr>
-        <p:txBody>
-          <a:bodyPr wrap="square" rtlCol="0">
-            <a:spAutoFit/>
-          </a:bodyPr>
-          <a:lstStyle/>
-          <a:p>
-            <a:r>
-              <a:rPr lang="pt-BR"/>
-              <a:t>x = $B, y = $A</a:t>
-            </a:r>
-          </a:p>
-          <a:p>
-            <a:r>
-              <a:rPr lang="pt-BR"/>
               <a:t>PC: $A &gt; $B</a:t>
             </a:r>
           </a:p>
@@ -27785,15 +27768,27 @@
           </a:p>
           <a:p>
             <a:r>
-              <a:rPr lang="pt-BR" dirty="0"/>
+              <a:rPr lang="pt-BR" dirty="0">
+                <a:solidFill>
+                  <a:schemeClr val="accent1"/>
+                </a:solidFill>
+              </a:rPr>
               <a:t>1 </a:t>
             </a:r>
             <a:r>
-              <a:rPr lang="pt-BR" dirty="0" err="1"/>
+              <a:rPr lang="pt-BR" dirty="0" err="1">
+                <a:solidFill>
+                  <a:schemeClr val="accent1"/>
+                </a:solidFill>
+              </a:rPr>
               <a:t>if</a:t>
             </a:r>
             <a:r>
-              <a:rPr lang="pt-BR" dirty="0"/>
+              <a:rPr lang="pt-BR" dirty="0">
+                <a:solidFill>
+                  <a:schemeClr val="accent1"/>
+                </a:solidFill>
+              </a:rPr>
               <a:t>(x &gt; y){</a:t>
             </a:r>
           </a:p>
@@ -27874,6 +27869,172 @@
           </a:p>
         </p:txBody>
       </p:sp>
+      <p:sp>
+        <p:nvSpPr>
+          <p:cNvPr id="39" name="CaixaDeTexto 13">
+            <a:extLst>
+              <a:ext uri="{FF2B5EF4-FFF2-40B4-BE49-F238E27FC236}">
+                <a16:creationId xmlns:a16="http://schemas.microsoft.com/office/drawing/2014/main" id="{03DD6710-AABF-478E-AFDC-39ABC8028998}"/>
+              </a:ext>
+            </a:extLst>
+          </p:cNvPr>
+          <p:cNvSpPr txBox="1"/>
+          <p:nvPr/>
+        </p:nvSpPr>
+        <p:spPr>
+          <a:xfrm>
+            <a:off x="5575297" y="5907408"/>
+            <a:ext cx="2789769" cy="646331"/>
+          </a:xfrm>
+          <a:prstGeom prst="rect">
+            <a:avLst/>
+          </a:prstGeom>
+          <a:solidFill>
+            <a:schemeClr val="bg2"/>
+          </a:solidFill>
+        </p:spPr>
+        <p:txBody>
+          <a:bodyPr wrap="square" rtlCol="0">
+            <a:spAutoFit/>
+          </a:bodyPr>
+          <a:lstStyle/>
+          <a:p>
+            <a:r>
+              <a:rPr lang="pt-BR" dirty="0"/>
+              <a:t>x = $B, y = $A</a:t>
+            </a:r>
+          </a:p>
+          <a:p>
+            <a:r>
+              <a:rPr lang="pt-BR" dirty="0"/>
+              <a:t>PC: $A &gt; $B &amp; $B &lt;= $A</a:t>
+            </a:r>
+          </a:p>
+        </p:txBody>
+      </p:sp>
+      <p:sp>
+        <p:nvSpPr>
+          <p:cNvPr id="40" name="CaixaDeTexto 12">
+            <a:extLst>
+              <a:ext uri="{FF2B5EF4-FFF2-40B4-BE49-F238E27FC236}">
+                <a16:creationId xmlns:a16="http://schemas.microsoft.com/office/drawing/2014/main" id="{CD7E33C5-6687-42E9-8C80-FA833198C99D}"/>
+              </a:ext>
+            </a:extLst>
+          </p:cNvPr>
+          <p:cNvSpPr txBox="1"/>
+          <p:nvPr/>
+        </p:nvSpPr>
+        <p:spPr>
+          <a:xfrm>
+            <a:off x="2628898" y="5907408"/>
+            <a:ext cx="2749554" cy="646331"/>
+          </a:xfrm>
+          <a:prstGeom prst="rect">
+            <a:avLst/>
+          </a:prstGeom>
+          <a:solidFill>
+            <a:schemeClr val="bg2"/>
+          </a:solidFill>
+        </p:spPr>
+        <p:txBody>
+          <a:bodyPr wrap="square" rtlCol="0">
+            <a:spAutoFit/>
+          </a:bodyPr>
+          <a:lstStyle/>
+          <a:p>
+            <a:r>
+              <a:rPr lang="pt-BR" dirty="0"/>
+              <a:t>x = $B, y = $A</a:t>
+            </a:r>
+          </a:p>
+          <a:p>
+            <a:r>
+              <a:rPr lang="pt-BR" dirty="0"/>
+              <a:t>PC: $A &gt; $B &amp; $B &gt; $A</a:t>
+            </a:r>
+          </a:p>
+        </p:txBody>
+      </p:sp>
+      <p:cxnSp>
+        <p:nvCxnSpPr>
+          <p:cNvPr id="42" name="Conector de Seta Reta 31">
+            <a:extLst>
+              <a:ext uri="{FF2B5EF4-FFF2-40B4-BE49-F238E27FC236}">
+                <a16:creationId xmlns:a16="http://schemas.microsoft.com/office/drawing/2014/main" id="{7E5FD7C9-F16E-4954-986D-2DB0E16B9F78}"/>
+              </a:ext>
+            </a:extLst>
+          </p:cNvPr>
+          <p:cNvCxnSpPr/>
+          <p:nvPr/>
+        </p:nvCxnSpPr>
+        <p:spPr>
+          <a:xfrm flipH="1">
+            <a:off x="4203698" y="5680745"/>
+            <a:ext cx="295250" cy="321196"/>
+          </a:xfrm>
+          <a:prstGeom prst="straightConnector1">
+            <a:avLst/>
+          </a:prstGeom>
+          <a:ln>
+            <a:tailEnd type="triangle"/>
+          </a:ln>
+        </p:spPr>
+        <p:style>
+          <a:lnRef idx="1">
+            <a:schemeClr val="dk1"/>
+          </a:lnRef>
+          <a:fillRef idx="0">
+            <a:schemeClr val="dk1"/>
+          </a:fillRef>
+          <a:effectRef idx="0">
+            <a:schemeClr val="dk1"/>
+          </a:effectRef>
+          <a:fontRef idx="minor">
+            <a:schemeClr val="tx1"/>
+          </a:fontRef>
+        </p:style>
+      </p:cxnSp>
+      <p:cxnSp>
+        <p:nvCxnSpPr>
+          <p:cNvPr id="53" name="Conector de Seta Reta 43">
+            <a:extLst>
+              <a:ext uri="{FF2B5EF4-FFF2-40B4-BE49-F238E27FC236}">
+                <a16:creationId xmlns:a16="http://schemas.microsoft.com/office/drawing/2014/main" id="{654E3EDB-006B-4EE4-8212-C2760A87F363}"/>
+              </a:ext>
+            </a:extLst>
+          </p:cNvPr>
+          <p:cNvCxnSpPr>
+            <a:cxnSpLocks/>
+          </p:cNvCxnSpPr>
+          <p:nvPr/>
+        </p:nvCxnSpPr>
+        <p:spPr>
+          <a:xfrm>
+            <a:off x="5422906" y="5639499"/>
+            <a:ext cx="336024" cy="362442"/>
+          </a:xfrm>
+          <a:prstGeom prst="straightConnector1">
+            <a:avLst/>
+          </a:prstGeom>
+          <a:ln>
+            <a:tailEnd type="triangle"/>
+          </a:ln>
+        </p:spPr>
+        <p:style>
+          <a:lnRef idx="1">
+            <a:schemeClr val="dk1"/>
+          </a:lnRef>
+          <a:fillRef idx="0">
+            <a:schemeClr val="dk1"/>
+          </a:fillRef>
+          <a:effectRef idx="0">
+            <a:schemeClr val="dk1"/>
+          </a:effectRef>
+          <a:fontRef idx="minor">
+            <a:schemeClr val="tx1"/>
+          </a:fontRef>
+        </p:style>
+      </p:cxnSp>
     </p:spTree>
     <p:extLst>
       <p:ext uri="{BB962C8B-B14F-4D97-AF65-F5344CB8AC3E}">
@@ -27968,172 +28129,6 @@
       </p:sp>
       <p:sp>
         <p:nvSpPr>
-          <p:cNvPr id="13" name="CaixaDeTexto 12">
-            <a:extLst>
-              <a:ext uri="{FF2B5EF4-FFF2-40B4-BE49-F238E27FC236}">
-                <a16:creationId xmlns:a16="http://schemas.microsoft.com/office/drawing/2014/main" id="{CD7E33C5-6687-42E9-8C80-FA833198C99D}"/>
-              </a:ext>
-            </a:extLst>
-          </p:cNvPr>
-          <p:cNvSpPr txBox="1"/>
-          <p:nvPr/>
-        </p:nvSpPr>
-        <p:spPr>
-          <a:xfrm>
-            <a:off x="2628898" y="5907408"/>
-            <a:ext cx="2749554" cy="646331"/>
-          </a:xfrm>
-          <a:prstGeom prst="rect">
-            <a:avLst/>
-          </a:prstGeom>
-          <a:solidFill>
-            <a:schemeClr val="bg2"/>
-          </a:solidFill>
-        </p:spPr>
-        <p:txBody>
-          <a:bodyPr wrap="square" rtlCol="0">
-            <a:spAutoFit/>
-          </a:bodyPr>
-          <a:lstStyle/>
-          <a:p>
-            <a:r>
-              <a:rPr lang="pt-BR" dirty="0"/>
-              <a:t>x = $B, y = $A</a:t>
-            </a:r>
-          </a:p>
-          <a:p>
-            <a:r>
-              <a:rPr lang="pt-BR" dirty="0"/>
-              <a:t>PC: $A &gt; $B &amp; $B-$A &gt; 0</a:t>
-            </a:r>
-          </a:p>
-        </p:txBody>
-      </p:sp>
-      <p:sp>
-        <p:nvSpPr>
-          <p:cNvPr id="14" name="CaixaDeTexto 13">
-            <a:extLst>
-              <a:ext uri="{FF2B5EF4-FFF2-40B4-BE49-F238E27FC236}">
-                <a16:creationId xmlns:a16="http://schemas.microsoft.com/office/drawing/2014/main" id="{03DD6710-AABF-478E-AFDC-39ABC8028998}"/>
-              </a:ext>
-            </a:extLst>
-          </p:cNvPr>
-          <p:cNvSpPr txBox="1"/>
-          <p:nvPr/>
-        </p:nvSpPr>
-        <p:spPr>
-          <a:xfrm>
-            <a:off x="5575298" y="5907408"/>
-            <a:ext cx="2654300" cy="646331"/>
-          </a:xfrm>
-          <a:prstGeom prst="rect">
-            <a:avLst/>
-          </a:prstGeom>
-          <a:solidFill>
-            <a:schemeClr val="bg2"/>
-          </a:solidFill>
-        </p:spPr>
-        <p:txBody>
-          <a:bodyPr wrap="square" rtlCol="0">
-            <a:spAutoFit/>
-          </a:bodyPr>
-          <a:lstStyle/>
-          <a:p>
-            <a:r>
-              <a:rPr lang="pt-BR" dirty="0"/>
-              <a:t>x = $B, y = $A</a:t>
-            </a:r>
-          </a:p>
-          <a:p>
-            <a:r>
-              <a:rPr lang="pt-BR" dirty="0"/>
-              <a:t>PC: $A &gt; $B &amp; $B-$A &lt;= 0</a:t>
-            </a:r>
-          </a:p>
-        </p:txBody>
-      </p:sp>
-      <p:cxnSp>
-        <p:nvCxnSpPr>
-          <p:cNvPr id="29" name="Conector de Seta Reta 28">
-            <a:extLst>
-              <a:ext uri="{FF2B5EF4-FFF2-40B4-BE49-F238E27FC236}">
-                <a16:creationId xmlns:a16="http://schemas.microsoft.com/office/drawing/2014/main" id="{54D706D6-1327-482B-85A2-48D08F297BE2}"/>
-              </a:ext>
-            </a:extLst>
-          </p:cNvPr>
-          <p:cNvCxnSpPr>
-            <a:cxnSpLocks/>
-          </p:cNvCxnSpPr>
-          <p:nvPr/>
-        </p:nvCxnSpPr>
-        <p:spPr>
-          <a:xfrm>
-            <a:off x="5594348" y="5714635"/>
-            <a:ext cx="244474" cy="274606"/>
-          </a:xfrm>
-          <a:prstGeom prst="straightConnector1">
-            <a:avLst/>
-          </a:prstGeom>
-          <a:ln>
-            <a:tailEnd type="triangle"/>
-          </a:ln>
-        </p:spPr>
-        <p:style>
-          <a:lnRef idx="1">
-            <a:schemeClr val="dk1"/>
-          </a:lnRef>
-          <a:fillRef idx="0">
-            <a:schemeClr val="dk1"/>
-          </a:fillRef>
-          <a:effectRef idx="0">
-            <a:schemeClr val="dk1"/>
-          </a:effectRef>
-          <a:fontRef idx="minor">
-            <a:schemeClr val="tx1"/>
-          </a:fontRef>
-        </p:style>
-      </p:cxnSp>
-      <p:cxnSp>
-        <p:nvCxnSpPr>
-          <p:cNvPr id="32" name="Conector de Seta Reta 31">
-            <a:extLst>
-              <a:ext uri="{FF2B5EF4-FFF2-40B4-BE49-F238E27FC236}">
-                <a16:creationId xmlns:a16="http://schemas.microsoft.com/office/drawing/2014/main" id="{7E5FD7C9-F16E-4954-986D-2DB0E16B9F78}"/>
-              </a:ext>
-            </a:extLst>
-          </p:cNvPr>
-          <p:cNvCxnSpPr/>
-          <p:nvPr/>
-        </p:nvCxnSpPr>
-        <p:spPr>
-          <a:xfrm flipH="1">
-            <a:off x="4203698" y="5701219"/>
-            <a:ext cx="361952" cy="300722"/>
-          </a:xfrm>
-          <a:prstGeom prst="straightConnector1">
-            <a:avLst/>
-          </a:prstGeom>
-          <a:ln>
-            <a:tailEnd type="triangle"/>
-          </a:ln>
-        </p:spPr>
-        <p:style>
-          <a:lnRef idx="1">
-            <a:schemeClr val="dk1"/>
-          </a:lnRef>
-          <a:fillRef idx="0">
-            <a:schemeClr val="dk1"/>
-          </a:fillRef>
-          <a:effectRef idx="0">
-            <a:schemeClr val="dk1"/>
-          </a:effectRef>
-          <a:fontRef idx="minor">
-            <a:schemeClr val="tx1"/>
-          </a:fontRef>
-        </p:style>
-      </p:cxnSp>
-      <p:sp>
-        <p:nvSpPr>
           <p:cNvPr id="45" name="CaixaDeTexto 44">
             <a:extLst>
               <a:ext uri="{FF2B5EF4-FFF2-40B4-BE49-F238E27FC236}">
@@ -29742,16 +29737,190 @@
               <a:buAutoNum type="arabicPlain" startAt="2"/>
             </a:pPr>
             <a:r>
-              <a:rPr lang="pt-BR" dirty="0" err="1"/>
+              <a:rPr lang="pt-BR" dirty="0" err="1">
+                <a:solidFill>
+                  <a:schemeClr val="accent1"/>
+                </a:solidFill>
+              </a:rPr>
               <a:t>print</a:t>
             </a:r>
             <a:r>
-              <a:rPr lang="pt-BR" dirty="0"/>
+              <a:rPr lang="pt-BR" dirty="0">
+                <a:solidFill>
+                  <a:schemeClr val="accent1"/>
+                </a:solidFill>
+              </a:rPr>
               <a:t>(x, y);</a:t>
             </a:r>
           </a:p>
         </p:txBody>
       </p:sp>
+      <p:sp>
+        <p:nvSpPr>
+          <p:cNvPr id="37" name="CaixaDeTexto 13">
+            <a:extLst>
+              <a:ext uri="{FF2B5EF4-FFF2-40B4-BE49-F238E27FC236}">
+                <a16:creationId xmlns:a16="http://schemas.microsoft.com/office/drawing/2014/main" id="{03DD6710-AABF-478E-AFDC-39ABC8028998}"/>
+              </a:ext>
+            </a:extLst>
+          </p:cNvPr>
+          <p:cNvSpPr txBox="1"/>
+          <p:nvPr/>
+        </p:nvSpPr>
+        <p:spPr>
+          <a:xfrm>
+            <a:off x="5575297" y="5907408"/>
+            <a:ext cx="2789769" cy="646331"/>
+          </a:xfrm>
+          <a:prstGeom prst="rect">
+            <a:avLst/>
+          </a:prstGeom>
+          <a:solidFill>
+            <a:schemeClr val="bg2"/>
+          </a:solidFill>
+        </p:spPr>
+        <p:txBody>
+          <a:bodyPr wrap="square" rtlCol="0">
+            <a:spAutoFit/>
+          </a:bodyPr>
+          <a:lstStyle/>
+          <a:p>
+            <a:r>
+              <a:rPr lang="pt-BR" dirty="0"/>
+              <a:t>x = $B, y = $A</a:t>
+            </a:r>
+          </a:p>
+          <a:p>
+            <a:r>
+              <a:rPr lang="pt-BR" dirty="0"/>
+              <a:t>PC: $A &gt; $B &amp; $B &lt;= $A</a:t>
+            </a:r>
+          </a:p>
+        </p:txBody>
+      </p:sp>
+      <p:sp>
+        <p:nvSpPr>
+          <p:cNvPr id="38" name="CaixaDeTexto 12">
+            <a:extLst>
+              <a:ext uri="{FF2B5EF4-FFF2-40B4-BE49-F238E27FC236}">
+                <a16:creationId xmlns:a16="http://schemas.microsoft.com/office/drawing/2014/main" id="{CD7E33C5-6687-42E9-8C80-FA833198C99D}"/>
+              </a:ext>
+            </a:extLst>
+          </p:cNvPr>
+          <p:cNvSpPr txBox="1"/>
+          <p:nvPr/>
+        </p:nvSpPr>
+        <p:spPr>
+          <a:xfrm>
+            <a:off x="2628898" y="5907408"/>
+            <a:ext cx="2749554" cy="646331"/>
+          </a:xfrm>
+          <a:prstGeom prst="rect">
+            <a:avLst/>
+          </a:prstGeom>
+          <a:solidFill>
+            <a:schemeClr val="bg2"/>
+          </a:solidFill>
+        </p:spPr>
+        <p:txBody>
+          <a:bodyPr wrap="square" rtlCol="0">
+            <a:spAutoFit/>
+          </a:bodyPr>
+          <a:lstStyle/>
+          <a:p>
+            <a:r>
+              <a:rPr lang="pt-BR" dirty="0"/>
+              <a:t>x = $B, y = $A</a:t>
+            </a:r>
+          </a:p>
+          <a:p>
+            <a:r>
+              <a:rPr lang="pt-BR" dirty="0"/>
+              <a:t>PC: $A &gt; $B &amp; $B &gt; $A</a:t>
+            </a:r>
+          </a:p>
+        </p:txBody>
+      </p:sp>
+      <p:cxnSp>
+        <p:nvCxnSpPr>
+          <p:cNvPr id="41" name="Conector de Seta Reta 31">
+            <a:extLst>
+              <a:ext uri="{FF2B5EF4-FFF2-40B4-BE49-F238E27FC236}">
+                <a16:creationId xmlns:a16="http://schemas.microsoft.com/office/drawing/2014/main" id="{7E5FD7C9-F16E-4954-986D-2DB0E16B9F78}"/>
+              </a:ext>
+            </a:extLst>
+          </p:cNvPr>
+          <p:cNvCxnSpPr/>
+          <p:nvPr/>
+        </p:nvCxnSpPr>
+        <p:spPr>
+          <a:xfrm flipH="1">
+            <a:off x="4203698" y="5680745"/>
+            <a:ext cx="295250" cy="321196"/>
+          </a:xfrm>
+          <a:prstGeom prst="straightConnector1">
+            <a:avLst/>
+          </a:prstGeom>
+          <a:ln>
+            <a:tailEnd type="triangle"/>
+          </a:ln>
+        </p:spPr>
+        <p:style>
+          <a:lnRef idx="1">
+            <a:schemeClr val="dk1"/>
+          </a:lnRef>
+          <a:fillRef idx="0">
+            <a:schemeClr val="dk1"/>
+          </a:fillRef>
+          <a:effectRef idx="0">
+            <a:schemeClr val="dk1"/>
+          </a:effectRef>
+          <a:fontRef idx="minor">
+            <a:schemeClr val="tx1"/>
+          </a:fontRef>
+        </p:style>
+      </p:cxnSp>
+      <p:cxnSp>
+        <p:nvCxnSpPr>
+          <p:cNvPr id="42" name="Conector de Seta Reta 43">
+            <a:extLst>
+              <a:ext uri="{FF2B5EF4-FFF2-40B4-BE49-F238E27FC236}">
+                <a16:creationId xmlns:a16="http://schemas.microsoft.com/office/drawing/2014/main" id="{654E3EDB-006B-4EE4-8212-C2760A87F363}"/>
+              </a:ext>
+            </a:extLst>
+          </p:cNvPr>
+          <p:cNvCxnSpPr>
+            <a:cxnSpLocks/>
+          </p:cNvCxnSpPr>
+          <p:nvPr/>
+        </p:nvCxnSpPr>
+        <p:spPr>
+          <a:xfrm>
+            <a:off x="5422906" y="5639499"/>
+            <a:ext cx="336024" cy="362442"/>
+          </a:xfrm>
+          <a:prstGeom prst="straightConnector1">
+            <a:avLst/>
+          </a:prstGeom>
+          <a:ln>
+            <a:tailEnd type="triangle"/>
+          </a:ln>
+        </p:spPr>
+        <p:style>
+          <a:lnRef idx="1">
+            <a:schemeClr val="dk1"/>
+          </a:lnRef>
+          <a:fillRef idx="0">
+            <a:schemeClr val="dk1"/>
+          </a:fillRef>
+          <a:effectRef idx="0">
+            <a:schemeClr val="dk1"/>
+          </a:effectRef>
+          <a:fontRef idx="minor">
+            <a:schemeClr val="tx1"/>
+          </a:fontRef>
+        </p:style>
+      </p:cxnSp>
     </p:spTree>
     <p:extLst>
       <p:ext uri="{BB962C8B-B14F-4D97-AF65-F5344CB8AC3E}">
@@ -30108,248 +30277,6 @@
       </p:sp>
       <p:sp>
         <p:nvSpPr>
-          <p:cNvPr id="68" name="CaixaDeTexto 67">
-            <a:extLst>
-              <a:ext uri="{FF2B5EF4-FFF2-40B4-BE49-F238E27FC236}">
-                <a16:creationId xmlns:a16="http://schemas.microsoft.com/office/drawing/2014/main" id="{D2419B18-65E2-4682-B9CE-B1A94D70A2B7}"/>
-              </a:ext>
-            </a:extLst>
-          </p:cNvPr>
-          <p:cNvSpPr txBox="1"/>
-          <p:nvPr/>
-        </p:nvSpPr>
-        <p:spPr>
-          <a:xfrm>
-            <a:off x="2628898" y="5907408"/>
-            <a:ext cx="2749554" cy="646331"/>
-          </a:xfrm>
-          <a:prstGeom prst="rect">
-            <a:avLst/>
-          </a:prstGeom>
-          <a:solidFill>
-            <a:schemeClr val="accent1">
-              <a:lumMod val="40000"/>
-              <a:lumOff val="60000"/>
-            </a:schemeClr>
-          </a:solidFill>
-        </p:spPr>
-        <p:txBody>
-          <a:bodyPr wrap="square" rtlCol="0">
-            <a:spAutoFit/>
-          </a:bodyPr>
-          <a:lstStyle/>
-          <a:p>
-            <a:r>
-              <a:rPr lang="pt-BR"/>
-              <a:t>x = $B, y = $A</a:t>
-            </a:r>
-          </a:p>
-          <a:p>
-            <a:r>
-              <a:rPr lang="pt-BR"/>
-              <a:t>PC: $A &gt; $B &amp; $B-$A &gt; 0</a:t>
-            </a:r>
-          </a:p>
-        </p:txBody>
-      </p:sp>
-      <p:sp>
-        <p:nvSpPr>
-          <p:cNvPr id="69" name="CaixaDeTexto 68">
-            <a:extLst>
-              <a:ext uri="{FF2B5EF4-FFF2-40B4-BE49-F238E27FC236}">
-                <a16:creationId xmlns:a16="http://schemas.microsoft.com/office/drawing/2014/main" id="{ADE4E61F-3DAA-4356-8B01-0466859BDC3E}"/>
-              </a:ext>
-            </a:extLst>
-          </p:cNvPr>
-          <p:cNvSpPr txBox="1"/>
-          <p:nvPr/>
-        </p:nvSpPr>
-        <p:spPr>
-          <a:xfrm>
-            <a:off x="5575298" y="5907408"/>
-            <a:ext cx="2654300" cy="646331"/>
-          </a:xfrm>
-          <a:prstGeom prst="rect">
-            <a:avLst/>
-          </a:prstGeom>
-          <a:solidFill>
-            <a:schemeClr val="accent1">
-              <a:lumMod val="40000"/>
-              <a:lumOff val="60000"/>
-            </a:schemeClr>
-          </a:solidFill>
-        </p:spPr>
-        <p:txBody>
-          <a:bodyPr wrap="square" rtlCol="0">
-            <a:spAutoFit/>
-          </a:bodyPr>
-          <a:lstStyle/>
-          <a:p>
-            <a:r>
-              <a:rPr lang="pt-BR"/>
-              <a:t>x = $B, y = $A</a:t>
-            </a:r>
-          </a:p>
-          <a:p>
-            <a:r>
-              <a:rPr lang="pt-BR"/>
-              <a:t>PC: $A &gt; $B &amp; $B-$A &lt;= 0</a:t>
-            </a:r>
-          </a:p>
-        </p:txBody>
-      </p:sp>
-      <p:cxnSp>
-        <p:nvCxnSpPr>
-          <p:cNvPr id="70" name="Conector de Seta Reta 69">
-            <a:extLst>
-              <a:ext uri="{FF2B5EF4-FFF2-40B4-BE49-F238E27FC236}">
-                <a16:creationId xmlns:a16="http://schemas.microsoft.com/office/drawing/2014/main" id="{7C60B2C4-DFCB-4E6D-9903-B3A5A8D81FDA}"/>
-              </a:ext>
-            </a:extLst>
-          </p:cNvPr>
-          <p:cNvCxnSpPr>
-            <a:cxnSpLocks/>
-          </p:cNvCxnSpPr>
-          <p:nvPr/>
-        </p:nvCxnSpPr>
-        <p:spPr>
-          <a:xfrm>
-            <a:off x="5594348" y="5714635"/>
-            <a:ext cx="244474" cy="274606"/>
-          </a:xfrm>
-          <a:prstGeom prst="straightConnector1">
-            <a:avLst/>
-          </a:prstGeom>
-          <a:ln>
-            <a:tailEnd type="triangle"/>
-          </a:ln>
-        </p:spPr>
-        <p:style>
-          <a:lnRef idx="1">
-            <a:schemeClr val="dk1"/>
-          </a:lnRef>
-          <a:fillRef idx="0">
-            <a:schemeClr val="dk1"/>
-          </a:fillRef>
-          <a:effectRef idx="0">
-            <a:schemeClr val="dk1"/>
-          </a:effectRef>
-          <a:fontRef idx="minor">
-            <a:schemeClr val="tx1"/>
-          </a:fontRef>
-        </p:style>
-      </p:cxnSp>
-      <p:sp>
-        <p:nvSpPr>
-          <p:cNvPr id="71" name="CaixaDeTexto 70">
-            <a:extLst>
-              <a:ext uri="{FF2B5EF4-FFF2-40B4-BE49-F238E27FC236}">
-                <a16:creationId xmlns:a16="http://schemas.microsoft.com/office/drawing/2014/main" id="{09A6B4FA-2BC7-4D38-97D3-D2C67EA3748A}"/>
-              </a:ext>
-            </a:extLst>
-          </p:cNvPr>
-          <p:cNvSpPr txBox="1"/>
-          <p:nvPr/>
-        </p:nvSpPr>
-        <p:spPr>
-          <a:xfrm>
-            <a:off x="3917952" y="5586032"/>
-            <a:ext cx="565146" cy="369332"/>
-          </a:xfrm>
-          <a:prstGeom prst="rect">
-            <a:avLst/>
-          </a:prstGeom>
-          <a:noFill/>
-        </p:spPr>
-        <p:txBody>
-          <a:bodyPr wrap="square" rtlCol="0">
-            <a:spAutoFit/>
-          </a:bodyPr>
-          <a:lstStyle/>
-          <a:p>
-            <a:r>
-              <a:rPr lang="pt-BR"/>
-              <a:t>T</a:t>
-            </a:r>
-          </a:p>
-        </p:txBody>
-      </p:sp>
-      <p:sp>
-        <p:nvSpPr>
-          <p:cNvPr id="72" name="CaixaDeTexto 71">
-            <a:extLst>
-              <a:ext uri="{FF2B5EF4-FFF2-40B4-BE49-F238E27FC236}">
-                <a16:creationId xmlns:a16="http://schemas.microsoft.com/office/drawing/2014/main" id="{8241E5EE-F201-467B-A651-2519DFEEF99F}"/>
-              </a:ext>
-            </a:extLst>
-          </p:cNvPr>
-          <p:cNvSpPr txBox="1"/>
-          <p:nvPr/>
-        </p:nvSpPr>
-        <p:spPr>
-          <a:xfrm>
-            <a:off x="5886452" y="5624132"/>
-            <a:ext cx="387346" cy="369332"/>
-          </a:xfrm>
-          <a:prstGeom prst="rect">
-            <a:avLst/>
-          </a:prstGeom>
-          <a:noFill/>
-        </p:spPr>
-        <p:txBody>
-          <a:bodyPr wrap="square" rtlCol="0">
-            <a:spAutoFit/>
-          </a:bodyPr>
-          <a:lstStyle/>
-          <a:p>
-            <a:r>
-              <a:rPr lang="pt-BR"/>
-              <a:t>F</a:t>
-            </a:r>
-          </a:p>
-        </p:txBody>
-      </p:sp>
-      <p:cxnSp>
-        <p:nvCxnSpPr>
-          <p:cNvPr id="73" name="Conector de Seta Reta 72">
-            <a:extLst>
-              <a:ext uri="{FF2B5EF4-FFF2-40B4-BE49-F238E27FC236}">
-                <a16:creationId xmlns:a16="http://schemas.microsoft.com/office/drawing/2014/main" id="{487CE3BF-1F59-4740-9207-1876E10DDFAD}"/>
-              </a:ext>
-            </a:extLst>
-          </p:cNvPr>
-          <p:cNvCxnSpPr/>
-          <p:nvPr/>
-        </p:nvCxnSpPr>
-        <p:spPr>
-          <a:xfrm flipH="1">
-            <a:off x="4203698" y="5701219"/>
-            <a:ext cx="361952" cy="300722"/>
-          </a:xfrm>
-          <a:prstGeom prst="straightConnector1">
-            <a:avLst/>
-          </a:prstGeom>
-          <a:ln>
-            <a:tailEnd type="triangle"/>
-          </a:ln>
-        </p:spPr>
-        <p:style>
-          <a:lnRef idx="1">
-            <a:schemeClr val="dk1"/>
-          </a:lnRef>
-          <a:fillRef idx="0">
-            <a:schemeClr val="dk1"/>
-          </a:fillRef>
-          <a:effectRef idx="0">
-            <a:schemeClr val="dk1"/>
-          </a:effectRef>
-          <a:fontRef idx="minor">
-            <a:schemeClr val="tx1"/>
-          </a:fontRef>
-        </p:style>
-      </p:cxnSp>
-      <p:sp>
-        <p:nvSpPr>
           <p:cNvPr id="74" name="CaixaDeTexto 73">
             <a:extLst>
               <a:ext uri="{FF2B5EF4-FFF2-40B4-BE49-F238E27FC236}">
@@ -31116,7 +31043,7 @@
           <p:nvPr>
             <p:extLst>
               <p:ext uri="{D42A27DB-BD31-4B8C-83A1-F6EECF244321}">
-                <p14:modId xmlns:p14="http://schemas.microsoft.com/office/powerpoint/2010/main" val="2170094374"/>
+                <p14:modId xmlns:p14="http://schemas.microsoft.com/office/powerpoint/2010/main" val="3864054655"/>
               </p:ext>
             </p:extLst>
           </p:nvPr>
@@ -31268,8 +31195,8 @@
                     <a:lstStyle/>
                     <a:p>
                       <a:r>
-                        <a:rPr lang="pt-BR"/>
-                        <a:t>PC: $A &gt; $B &amp; $B-$A &lt;= 0</a:t>
+                        <a:rPr lang="pt-BR" dirty="0"/>
+                        <a:t>PC: $A &gt; $B &amp; $B &lt;= $A</a:t>
                       </a:r>
                     </a:p>
                   </a:txBody>
@@ -31281,7 +31208,7 @@
                     <a:lstStyle/>
                     <a:p>
                       <a:r>
-                        <a:rPr lang="pt-BR"/>
+                        <a:rPr lang="pt-BR" dirty="0"/>
                         <a:t>$A = 2, $B = 1</a:t>
                       </a:r>
                     </a:p>
@@ -31314,9 +31241,14 @@
                     <a:lstStyle/>
                     <a:p>
                       <a:r>
-                        <a:rPr lang="pt-BR"/>
-                        <a:t>$A &gt; $B &amp; $B-$A &gt; 0</a:t>
+                        <a:rPr lang="pt-BR" dirty="0"/>
+                        <a:t>$A &gt; $B &amp; $B</a:t>
                       </a:r>
+                      <a:r>
+                        <a:rPr lang="pt-BR" baseline="0" dirty="0"/>
+                        <a:t> &lt; $A</a:t>
+                      </a:r>
+                      <a:endParaRPr lang="pt-BR" dirty="0"/>
                     </a:p>
                   </a:txBody>
                   <a:tcPr/>
@@ -31328,7 +31260,7 @@
                     <a:p>
                       <a:pPr algn="ctr"/>
                       <a:r>
-                        <a:rPr lang="pt-BR"/>
+                        <a:rPr lang="pt-BR" dirty="0"/>
                         <a:t>-</a:t>
                       </a:r>
                     </a:p>
@@ -31540,6 +31472,178 @@
           </a:p>
         </p:txBody>
       </p:sp>
+      <p:sp>
+        <p:nvSpPr>
+          <p:cNvPr id="32" name="CaixaDeTexto 13">
+            <a:extLst>
+              <a:ext uri="{FF2B5EF4-FFF2-40B4-BE49-F238E27FC236}">
+                <a16:creationId xmlns:a16="http://schemas.microsoft.com/office/drawing/2014/main" id="{03DD6710-AABF-478E-AFDC-39ABC8028998}"/>
+              </a:ext>
+            </a:extLst>
+          </p:cNvPr>
+          <p:cNvSpPr txBox="1"/>
+          <p:nvPr/>
+        </p:nvSpPr>
+        <p:spPr>
+          <a:xfrm>
+            <a:off x="5575297" y="5907408"/>
+            <a:ext cx="2789769" cy="646331"/>
+          </a:xfrm>
+          <a:prstGeom prst="rect">
+            <a:avLst/>
+          </a:prstGeom>
+          <a:solidFill>
+            <a:schemeClr val="accent1">
+              <a:lumMod val="40000"/>
+              <a:lumOff val="60000"/>
+            </a:schemeClr>
+          </a:solidFill>
+        </p:spPr>
+        <p:txBody>
+          <a:bodyPr wrap="square" rtlCol="0">
+            <a:spAutoFit/>
+          </a:bodyPr>
+          <a:lstStyle/>
+          <a:p>
+            <a:r>
+              <a:rPr lang="pt-BR" dirty="0"/>
+              <a:t>x = $B, y = $A</a:t>
+            </a:r>
+          </a:p>
+          <a:p>
+            <a:r>
+              <a:rPr lang="pt-BR" dirty="0"/>
+              <a:t>PC: $A &gt; $B &amp; $B &lt;= $A</a:t>
+            </a:r>
+          </a:p>
+        </p:txBody>
+      </p:sp>
+      <p:sp>
+        <p:nvSpPr>
+          <p:cNvPr id="33" name="CaixaDeTexto 12">
+            <a:extLst>
+              <a:ext uri="{FF2B5EF4-FFF2-40B4-BE49-F238E27FC236}">
+                <a16:creationId xmlns:a16="http://schemas.microsoft.com/office/drawing/2014/main" id="{CD7E33C5-6687-42E9-8C80-FA833198C99D}"/>
+              </a:ext>
+            </a:extLst>
+          </p:cNvPr>
+          <p:cNvSpPr txBox="1"/>
+          <p:nvPr/>
+        </p:nvSpPr>
+        <p:spPr>
+          <a:xfrm>
+            <a:off x="2628898" y="5907408"/>
+            <a:ext cx="2749554" cy="646331"/>
+          </a:xfrm>
+          <a:prstGeom prst="rect">
+            <a:avLst/>
+          </a:prstGeom>
+          <a:solidFill>
+            <a:schemeClr val="accent1">
+              <a:lumMod val="40000"/>
+              <a:lumOff val="60000"/>
+            </a:schemeClr>
+          </a:solidFill>
+        </p:spPr>
+        <p:txBody>
+          <a:bodyPr wrap="square" rtlCol="0">
+            <a:spAutoFit/>
+          </a:bodyPr>
+          <a:lstStyle/>
+          <a:p>
+            <a:r>
+              <a:rPr lang="pt-BR" dirty="0"/>
+              <a:t>x = $B, y = $A</a:t>
+            </a:r>
+          </a:p>
+          <a:p>
+            <a:r>
+              <a:rPr lang="pt-BR" dirty="0"/>
+              <a:t>PC: $A &gt; $B &amp; $B &gt; $A</a:t>
+            </a:r>
+          </a:p>
+        </p:txBody>
+      </p:sp>
+      <p:cxnSp>
+        <p:nvCxnSpPr>
+          <p:cNvPr id="38" name="Conector de Seta Reta 31">
+            <a:extLst>
+              <a:ext uri="{FF2B5EF4-FFF2-40B4-BE49-F238E27FC236}">
+                <a16:creationId xmlns:a16="http://schemas.microsoft.com/office/drawing/2014/main" id="{7E5FD7C9-F16E-4954-986D-2DB0E16B9F78}"/>
+              </a:ext>
+            </a:extLst>
+          </p:cNvPr>
+          <p:cNvCxnSpPr/>
+          <p:nvPr/>
+        </p:nvCxnSpPr>
+        <p:spPr>
+          <a:xfrm flipH="1">
+            <a:off x="4203698" y="5680745"/>
+            <a:ext cx="295250" cy="321196"/>
+          </a:xfrm>
+          <a:prstGeom prst="straightConnector1">
+            <a:avLst/>
+          </a:prstGeom>
+          <a:ln>
+            <a:tailEnd type="triangle"/>
+          </a:ln>
+        </p:spPr>
+        <p:style>
+          <a:lnRef idx="1">
+            <a:schemeClr val="dk1"/>
+          </a:lnRef>
+          <a:fillRef idx="0">
+            <a:schemeClr val="dk1"/>
+          </a:fillRef>
+          <a:effectRef idx="0">
+            <a:schemeClr val="dk1"/>
+          </a:effectRef>
+          <a:fontRef idx="minor">
+            <a:schemeClr val="tx1"/>
+          </a:fontRef>
+        </p:style>
+      </p:cxnSp>
+      <p:cxnSp>
+        <p:nvCxnSpPr>
+          <p:cNvPr id="39" name="Conector de Seta Reta 43">
+            <a:extLst>
+              <a:ext uri="{FF2B5EF4-FFF2-40B4-BE49-F238E27FC236}">
+                <a16:creationId xmlns:a16="http://schemas.microsoft.com/office/drawing/2014/main" id="{654E3EDB-006B-4EE4-8212-C2760A87F363}"/>
+              </a:ext>
+            </a:extLst>
+          </p:cNvPr>
+          <p:cNvCxnSpPr>
+            <a:cxnSpLocks/>
+          </p:cNvCxnSpPr>
+          <p:nvPr/>
+        </p:nvCxnSpPr>
+        <p:spPr>
+          <a:xfrm>
+            <a:off x="5422906" y="5639499"/>
+            <a:ext cx="336024" cy="362442"/>
+          </a:xfrm>
+          <a:prstGeom prst="straightConnector1">
+            <a:avLst/>
+          </a:prstGeom>
+          <a:ln>
+            <a:tailEnd type="triangle"/>
+          </a:ln>
+        </p:spPr>
+        <p:style>
+          <a:lnRef idx="1">
+            <a:schemeClr val="dk1"/>
+          </a:lnRef>
+          <a:fillRef idx="0">
+            <a:schemeClr val="dk1"/>
+          </a:fillRef>
+          <a:effectRef idx="0">
+            <a:schemeClr val="dk1"/>
+          </a:effectRef>
+          <a:fontRef idx="minor">
+            <a:schemeClr val="tx1"/>
+          </a:fontRef>
+        </p:style>
+      </p:cxnSp>
     </p:spTree>
     <p:extLst>
       <p:ext uri="{BB962C8B-B14F-4D97-AF65-F5344CB8AC3E}">
@@ -32317,6 +32421,34 @@
           <a:p>
             <a:pPr lvl="1"/>
             <a:endParaRPr lang="pt-BR" b="1" dirty="0"/>
+          </a:p>
+        </p:txBody>
+      </p:sp>
+      <p:sp>
+        <p:nvSpPr>
+          <p:cNvPr id="4" name="Retângulo 4"/>
+          <p:cNvSpPr/>
+          <p:nvPr/>
+        </p:nvSpPr>
+        <p:spPr>
+          <a:xfrm>
+            <a:off x="2201408" y="5144366"/>
+            <a:ext cx="7789184" cy="707886"/>
+          </a:xfrm>
+          <a:prstGeom prst="rect">
+            <a:avLst/>
+          </a:prstGeom>
+        </p:spPr>
+        <p:txBody>
+          <a:bodyPr wrap="none">
+            <a:spAutoFit/>
+          </a:bodyPr>
+          <a:lstStyle/>
+          <a:p>
+            <a:r>
+              <a:rPr lang="en-US" sz="4000" dirty="0"/>
+              <a:t>http://model-checking.dmtsj.com.br</a:t>
+            </a:r>
           </a:p>
         </p:txBody>
       </p:sp>
@@ -34554,34 +34686,6 @@
       </p:sp>
       <p:sp>
         <p:nvSpPr>
-          <p:cNvPr id="6" name="Retângulo 4"/>
-          <p:cNvSpPr/>
-          <p:nvPr/>
-        </p:nvSpPr>
-        <p:spPr>
-          <a:xfrm>
-            <a:off x="638175" y="1983477"/>
-            <a:ext cx="11027891" cy="707886"/>
-          </a:xfrm>
-          <a:prstGeom prst="rect">
-            <a:avLst/>
-          </a:prstGeom>
-        </p:spPr>
-        <p:txBody>
-          <a:bodyPr wrap="none">
-            <a:spAutoFit/>
-          </a:bodyPr>
-          <a:lstStyle/>
-          <a:p>
-            <a:r>
-              <a:rPr lang="en-US" sz="4000" dirty="0"/>
-              <a:t>http://davinomjr.github.io/model-checking-tutorial/</a:t>
-            </a:r>
-          </a:p>
-        </p:txBody>
-      </p:sp>
-      <p:sp>
-        <p:nvSpPr>
           <p:cNvPr id="8" name="Título 1"/>
           <p:cNvSpPr>
             <a:spLocks noGrp="1"/>
@@ -34603,6 +34707,34 @@
             <a:r>
               <a:rPr lang="en-US" dirty="0"/>
               <a:t>Tutorial Website:</a:t>
+            </a:r>
+          </a:p>
+        </p:txBody>
+      </p:sp>
+      <p:sp>
+        <p:nvSpPr>
+          <p:cNvPr id="5" name="Retângulo 4"/>
+          <p:cNvSpPr/>
+          <p:nvPr/>
+        </p:nvSpPr>
+        <p:spPr>
+          <a:xfrm>
+            <a:off x="2308935" y="1983477"/>
+            <a:ext cx="7789184" cy="707886"/>
+          </a:xfrm>
+          <a:prstGeom prst="rect">
+            <a:avLst/>
+          </a:prstGeom>
+        </p:spPr>
+        <p:txBody>
+          <a:bodyPr wrap="none">
+            <a:spAutoFit/>
+          </a:bodyPr>
+          <a:lstStyle/>
+          <a:p>
+            <a:r>
+              <a:rPr lang="en-US" sz="4000" dirty="0"/>
+              <a:t>http://model-checking.dmtsj.com.br</a:t>
             </a:r>
           </a:p>
         </p:txBody>

--- a/Program-Model-Checking.pptx
+++ b/Program-Model-Checking.pptx
@@ -18342,7 +18342,7 @@
           <a:p>
             <a:r>
               <a:rPr lang="pt-BR" dirty="0"/>
-              <a:t>6</a:t>
+              <a:t>8</a:t>
             </a:r>
           </a:p>
         </p:txBody>
@@ -20046,41 +20046,6 @@
       </p:sp>
       <p:sp>
         <p:nvSpPr>
-          <p:cNvPr id="87" name="CaixaDeTexto 86">
-            <a:extLst>
-              <a:ext uri="{FF2B5EF4-FFF2-40B4-BE49-F238E27FC236}">
-                <a16:creationId xmlns:a16="http://schemas.microsoft.com/office/drawing/2014/main" id="{91A5B7EC-C4F8-49A2-A73D-4654B2BCAFCE}"/>
-              </a:ext>
-            </a:extLst>
-          </p:cNvPr>
-          <p:cNvSpPr txBox="1"/>
-          <p:nvPr/>
-        </p:nvSpPr>
-        <p:spPr>
-          <a:xfrm>
-            <a:off x="8202611" y="6045907"/>
-            <a:ext cx="279398" cy="369332"/>
-          </a:xfrm>
-          <a:prstGeom prst="rect">
-            <a:avLst/>
-          </a:prstGeom>
-          <a:noFill/>
-        </p:spPr>
-        <p:txBody>
-          <a:bodyPr wrap="square" rtlCol="0">
-            <a:spAutoFit/>
-          </a:bodyPr>
-          <a:lstStyle/>
-          <a:p>
-            <a:r>
-              <a:rPr lang="pt-BR"/>
-              <a:t>8</a:t>
-            </a:r>
-          </a:p>
-        </p:txBody>
-      </p:sp>
-      <p:sp>
-        <p:nvSpPr>
           <p:cNvPr id="37" name="Retângulo 36">
             <a:extLst>
               <a:ext uri="{FF2B5EF4-FFF2-40B4-BE49-F238E27FC236}">
@@ -21062,6 +21027,41 @@
           </a:fontRef>
         </p:style>
       </p:cxnSp>
+      <p:sp>
+        <p:nvSpPr>
+          <p:cNvPr id="36" name="CaixaDeTexto 86">
+            <a:extLst>
+              <a:ext uri="{FF2B5EF4-FFF2-40B4-BE49-F238E27FC236}">
+                <a16:creationId xmlns:a16="http://schemas.microsoft.com/office/drawing/2014/main" id="{91A5B7EC-C4F8-49A2-A73D-4654B2BCAFCE}"/>
+              </a:ext>
+            </a:extLst>
+          </p:cNvPr>
+          <p:cNvSpPr txBox="1"/>
+          <p:nvPr/>
+        </p:nvSpPr>
+        <p:spPr>
+          <a:xfrm>
+            <a:off x="8383235" y="6045907"/>
+            <a:ext cx="279398" cy="369332"/>
+          </a:xfrm>
+          <a:prstGeom prst="rect">
+            <a:avLst/>
+          </a:prstGeom>
+          <a:noFill/>
+        </p:spPr>
+        <p:txBody>
+          <a:bodyPr wrap="square" rtlCol="0">
+            <a:spAutoFit/>
+          </a:bodyPr>
+          <a:lstStyle/>
+          <a:p>
+            <a:r>
+              <a:rPr lang="pt-BR" dirty="0"/>
+              <a:t>8</a:t>
+            </a:r>
+          </a:p>
+        </p:txBody>
+      </p:sp>
     </p:spTree>
     <p:extLst>
       <p:ext uri="{BB962C8B-B14F-4D97-AF65-F5344CB8AC3E}">
@@ -21786,41 +21786,6 @@
       </p:sp>
       <p:sp>
         <p:nvSpPr>
-          <p:cNvPr id="87" name="CaixaDeTexto 86">
-            <a:extLst>
-              <a:ext uri="{FF2B5EF4-FFF2-40B4-BE49-F238E27FC236}">
-                <a16:creationId xmlns:a16="http://schemas.microsoft.com/office/drawing/2014/main" id="{91A5B7EC-C4F8-49A2-A73D-4654B2BCAFCE}"/>
-              </a:ext>
-            </a:extLst>
-          </p:cNvPr>
-          <p:cNvSpPr txBox="1"/>
-          <p:nvPr/>
-        </p:nvSpPr>
-        <p:spPr>
-          <a:xfrm>
-            <a:off x="8202611" y="6045907"/>
-            <a:ext cx="279398" cy="369332"/>
-          </a:xfrm>
-          <a:prstGeom prst="rect">
-            <a:avLst/>
-          </a:prstGeom>
-          <a:noFill/>
-        </p:spPr>
-        <p:txBody>
-          <a:bodyPr wrap="square" rtlCol="0">
-            <a:spAutoFit/>
-          </a:bodyPr>
-          <a:lstStyle/>
-          <a:p>
-            <a:r>
-              <a:rPr lang="pt-BR"/>
-              <a:t>8</a:t>
-            </a:r>
-          </a:p>
-        </p:txBody>
-      </p:sp>
-      <p:sp>
-        <p:nvSpPr>
           <p:cNvPr id="37" name="Retângulo 36">
             <a:extLst>
               <a:ext uri="{FF2B5EF4-FFF2-40B4-BE49-F238E27FC236}">
@@ -22807,6 +22772,41 @@
           </a:fontRef>
         </p:style>
       </p:cxnSp>
+      <p:sp>
+        <p:nvSpPr>
+          <p:cNvPr id="38" name="CaixaDeTexto 86">
+            <a:extLst>
+              <a:ext uri="{FF2B5EF4-FFF2-40B4-BE49-F238E27FC236}">
+                <a16:creationId xmlns:a16="http://schemas.microsoft.com/office/drawing/2014/main" id="{91A5B7EC-C4F8-49A2-A73D-4654B2BCAFCE}"/>
+              </a:ext>
+            </a:extLst>
+          </p:cNvPr>
+          <p:cNvSpPr txBox="1"/>
+          <p:nvPr/>
+        </p:nvSpPr>
+        <p:spPr>
+          <a:xfrm>
+            <a:off x="8383235" y="6045907"/>
+            <a:ext cx="279398" cy="369332"/>
+          </a:xfrm>
+          <a:prstGeom prst="rect">
+            <a:avLst/>
+          </a:prstGeom>
+          <a:noFill/>
+        </p:spPr>
+        <p:txBody>
+          <a:bodyPr wrap="square" rtlCol="0">
+            <a:spAutoFit/>
+          </a:bodyPr>
+          <a:lstStyle/>
+          <a:p>
+            <a:r>
+              <a:rPr lang="pt-BR" dirty="0"/>
+              <a:t>8</a:t>
+            </a:r>
+          </a:p>
+        </p:txBody>
+      </p:sp>
     </p:spTree>
     <p:extLst>
       <p:ext uri="{BB962C8B-B14F-4D97-AF65-F5344CB8AC3E}">
@@ -23531,41 +23531,6 @@
       </p:sp>
       <p:sp>
         <p:nvSpPr>
-          <p:cNvPr id="87" name="CaixaDeTexto 86">
-            <a:extLst>
-              <a:ext uri="{FF2B5EF4-FFF2-40B4-BE49-F238E27FC236}">
-                <a16:creationId xmlns:a16="http://schemas.microsoft.com/office/drawing/2014/main" id="{91A5B7EC-C4F8-49A2-A73D-4654B2BCAFCE}"/>
-              </a:ext>
-            </a:extLst>
-          </p:cNvPr>
-          <p:cNvSpPr txBox="1"/>
-          <p:nvPr/>
-        </p:nvSpPr>
-        <p:spPr>
-          <a:xfrm>
-            <a:off x="8202611" y="6045907"/>
-            <a:ext cx="279398" cy="369332"/>
-          </a:xfrm>
-          <a:prstGeom prst="rect">
-            <a:avLst/>
-          </a:prstGeom>
-          <a:noFill/>
-        </p:spPr>
-        <p:txBody>
-          <a:bodyPr wrap="square" rtlCol="0">
-            <a:spAutoFit/>
-          </a:bodyPr>
-          <a:lstStyle/>
-          <a:p>
-            <a:r>
-              <a:rPr lang="pt-BR"/>
-              <a:t>8</a:t>
-            </a:r>
-          </a:p>
-        </p:txBody>
-      </p:sp>
-      <p:sp>
-        <p:nvSpPr>
           <p:cNvPr id="37" name="Retângulo 36">
             <a:extLst>
               <a:ext uri="{FF2B5EF4-FFF2-40B4-BE49-F238E27FC236}">
@@ -24547,6 +24512,41 @@
           </a:fontRef>
         </p:style>
       </p:cxnSp>
+      <p:sp>
+        <p:nvSpPr>
+          <p:cNvPr id="38" name="CaixaDeTexto 86">
+            <a:extLst>
+              <a:ext uri="{FF2B5EF4-FFF2-40B4-BE49-F238E27FC236}">
+                <a16:creationId xmlns:a16="http://schemas.microsoft.com/office/drawing/2014/main" id="{91A5B7EC-C4F8-49A2-A73D-4654B2BCAFCE}"/>
+              </a:ext>
+            </a:extLst>
+          </p:cNvPr>
+          <p:cNvSpPr txBox="1"/>
+          <p:nvPr/>
+        </p:nvSpPr>
+        <p:spPr>
+          <a:xfrm>
+            <a:off x="8383235" y="6045907"/>
+            <a:ext cx="279398" cy="369332"/>
+          </a:xfrm>
+          <a:prstGeom prst="rect">
+            <a:avLst/>
+          </a:prstGeom>
+          <a:noFill/>
+        </p:spPr>
+        <p:txBody>
+          <a:bodyPr wrap="square" rtlCol="0">
+            <a:spAutoFit/>
+          </a:bodyPr>
+          <a:lstStyle/>
+          <a:p>
+            <a:r>
+              <a:rPr lang="pt-BR" dirty="0"/>
+              <a:t>8</a:t>
+            </a:r>
+          </a:p>
+        </p:txBody>
+      </p:sp>
     </p:spTree>
     <p:extLst>
       <p:ext uri="{BB962C8B-B14F-4D97-AF65-F5344CB8AC3E}">
@@ -25271,41 +25271,6 @@
       </p:sp>
       <p:sp>
         <p:nvSpPr>
-          <p:cNvPr id="87" name="CaixaDeTexto 86">
-            <a:extLst>
-              <a:ext uri="{FF2B5EF4-FFF2-40B4-BE49-F238E27FC236}">
-                <a16:creationId xmlns:a16="http://schemas.microsoft.com/office/drawing/2014/main" id="{91A5B7EC-C4F8-49A2-A73D-4654B2BCAFCE}"/>
-              </a:ext>
-            </a:extLst>
-          </p:cNvPr>
-          <p:cNvSpPr txBox="1"/>
-          <p:nvPr/>
-        </p:nvSpPr>
-        <p:spPr>
-          <a:xfrm>
-            <a:off x="8202611" y="6045907"/>
-            <a:ext cx="279398" cy="369332"/>
-          </a:xfrm>
-          <a:prstGeom prst="rect">
-            <a:avLst/>
-          </a:prstGeom>
-          <a:noFill/>
-        </p:spPr>
-        <p:txBody>
-          <a:bodyPr wrap="square" rtlCol="0">
-            <a:spAutoFit/>
-          </a:bodyPr>
-          <a:lstStyle/>
-          <a:p>
-            <a:r>
-              <a:rPr lang="pt-BR"/>
-              <a:t>8</a:t>
-            </a:r>
-          </a:p>
-        </p:txBody>
-      </p:sp>
-      <p:sp>
-        <p:nvSpPr>
           <p:cNvPr id="37" name="Retângulo 36">
             <a:extLst>
               <a:ext uri="{FF2B5EF4-FFF2-40B4-BE49-F238E27FC236}">
@@ -26287,6 +26252,41 @@
           </a:fontRef>
         </p:style>
       </p:cxnSp>
+      <p:sp>
+        <p:nvSpPr>
+          <p:cNvPr id="36" name="CaixaDeTexto 86">
+            <a:extLst>
+              <a:ext uri="{FF2B5EF4-FFF2-40B4-BE49-F238E27FC236}">
+                <a16:creationId xmlns:a16="http://schemas.microsoft.com/office/drawing/2014/main" id="{91A5B7EC-C4F8-49A2-A73D-4654B2BCAFCE}"/>
+              </a:ext>
+            </a:extLst>
+          </p:cNvPr>
+          <p:cNvSpPr txBox="1"/>
+          <p:nvPr/>
+        </p:nvSpPr>
+        <p:spPr>
+          <a:xfrm>
+            <a:off x="8383235" y="6045907"/>
+            <a:ext cx="279398" cy="369332"/>
+          </a:xfrm>
+          <a:prstGeom prst="rect">
+            <a:avLst/>
+          </a:prstGeom>
+          <a:noFill/>
+        </p:spPr>
+        <p:txBody>
+          <a:bodyPr wrap="square" rtlCol="0">
+            <a:spAutoFit/>
+          </a:bodyPr>
+          <a:lstStyle/>
+          <a:p>
+            <a:r>
+              <a:rPr lang="pt-BR" dirty="0"/>
+              <a:t>8</a:t>
+            </a:r>
+          </a:p>
+        </p:txBody>
+      </p:sp>
     </p:spTree>
     <p:extLst>
       <p:ext uri="{BB962C8B-B14F-4D97-AF65-F5344CB8AC3E}">
@@ -27011,41 +27011,6 @@
       </p:sp>
       <p:sp>
         <p:nvSpPr>
-          <p:cNvPr id="87" name="CaixaDeTexto 86">
-            <a:extLst>
-              <a:ext uri="{FF2B5EF4-FFF2-40B4-BE49-F238E27FC236}">
-                <a16:creationId xmlns:a16="http://schemas.microsoft.com/office/drawing/2014/main" id="{91A5B7EC-C4F8-49A2-A73D-4654B2BCAFCE}"/>
-              </a:ext>
-            </a:extLst>
-          </p:cNvPr>
-          <p:cNvSpPr txBox="1"/>
-          <p:nvPr/>
-        </p:nvSpPr>
-        <p:spPr>
-          <a:xfrm>
-            <a:off x="8202611" y="6045907"/>
-            <a:ext cx="279398" cy="369332"/>
-          </a:xfrm>
-          <a:prstGeom prst="rect">
-            <a:avLst/>
-          </a:prstGeom>
-          <a:noFill/>
-        </p:spPr>
-        <p:txBody>
-          <a:bodyPr wrap="square" rtlCol="0">
-            <a:spAutoFit/>
-          </a:bodyPr>
-          <a:lstStyle/>
-          <a:p>
-            <a:r>
-              <a:rPr lang="pt-BR"/>
-              <a:t>8</a:t>
-            </a:r>
-          </a:p>
-        </p:txBody>
-      </p:sp>
-      <p:sp>
-        <p:nvSpPr>
           <p:cNvPr id="37" name="Retângulo 36">
             <a:extLst>
               <a:ext uri="{FF2B5EF4-FFF2-40B4-BE49-F238E27FC236}">
@@ -28035,6 +28000,41 @@
           </a:fontRef>
         </p:style>
       </p:cxnSp>
+      <p:sp>
+        <p:nvSpPr>
+          <p:cNvPr id="38" name="CaixaDeTexto 86">
+            <a:extLst>
+              <a:ext uri="{FF2B5EF4-FFF2-40B4-BE49-F238E27FC236}">
+                <a16:creationId xmlns:a16="http://schemas.microsoft.com/office/drawing/2014/main" id="{91A5B7EC-C4F8-49A2-A73D-4654B2BCAFCE}"/>
+              </a:ext>
+            </a:extLst>
+          </p:cNvPr>
+          <p:cNvSpPr txBox="1"/>
+          <p:nvPr/>
+        </p:nvSpPr>
+        <p:spPr>
+          <a:xfrm>
+            <a:off x="8383235" y="6045907"/>
+            <a:ext cx="279398" cy="369332"/>
+          </a:xfrm>
+          <a:prstGeom prst="rect">
+            <a:avLst/>
+          </a:prstGeom>
+          <a:noFill/>
+        </p:spPr>
+        <p:txBody>
+          <a:bodyPr wrap="square" rtlCol="0">
+            <a:spAutoFit/>
+          </a:bodyPr>
+          <a:lstStyle/>
+          <a:p>
+            <a:r>
+              <a:rPr lang="pt-BR" dirty="0"/>
+              <a:t>8</a:t>
+            </a:r>
+          </a:p>
+        </p:txBody>
+      </p:sp>
     </p:spTree>
     <p:extLst>
       <p:ext uri="{BB962C8B-B14F-4D97-AF65-F5344CB8AC3E}">
@@ -28936,41 +28936,6 @@
       </p:sp>
       <p:sp>
         <p:nvSpPr>
-          <p:cNvPr id="87" name="CaixaDeTexto 86">
-            <a:extLst>
-              <a:ext uri="{FF2B5EF4-FFF2-40B4-BE49-F238E27FC236}">
-                <a16:creationId xmlns:a16="http://schemas.microsoft.com/office/drawing/2014/main" id="{91A5B7EC-C4F8-49A2-A73D-4654B2BCAFCE}"/>
-              </a:ext>
-            </a:extLst>
-          </p:cNvPr>
-          <p:cNvSpPr txBox="1"/>
-          <p:nvPr/>
-        </p:nvSpPr>
-        <p:spPr>
-          <a:xfrm>
-            <a:off x="8202611" y="6045907"/>
-            <a:ext cx="279398" cy="369332"/>
-          </a:xfrm>
-          <a:prstGeom prst="rect">
-            <a:avLst/>
-          </a:prstGeom>
-          <a:noFill/>
-        </p:spPr>
-        <p:txBody>
-          <a:bodyPr wrap="square" rtlCol="0">
-            <a:spAutoFit/>
-          </a:bodyPr>
-          <a:lstStyle/>
-          <a:p>
-            <a:r>
-              <a:rPr lang="pt-BR"/>
-              <a:t>8</a:t>
-            </a:r>
-          </a:p>
-        </p:txBody>
-      </p:sp>
-      <p:sp>
-        <p:nvSpPr>
           <p:cNvPr id="61" name="Retângulo 36">
             <a:extLst>
               <a:ext uri="{FF2B5EF4-FFF2-40B4-BE49-F238E27FC236}">
@@ -29921,6 +29886,41 @@
           </a:fontRef>
         </p:style>
       </p:cxnSp>
+      <p:sp>
+        <p:nvSpPr>
+          <p:cNvPr id="36" name="CaixaDeTexto 86">
+            <a:extLst>
+              <a:ext uri="{FF2B5EF4-FFF2-40B4-BE49-F238E27FC236}">
+                <a16:creationId xmlns:a16="http://schemas.microsoft.com/office/drawing/2014/main" id="{91A5B7EC-C4F8-49A2-A73D-4654B2BCAFCE}"/>
+              </a:ext>
+            </a:extLst>
+          </p:cNvPr>
+          <p:cNvSpPr txBox="1"/>
+          <p:nvPr/>
+        </p:nvSpPr>
+        <p:spPr>
+          <a:xfrm>
+            <a:off x="8383235" y="6045907"/>
+            <a:ext cx="279398" cy="369332"/>
+          </a:xfrm>
+          <a:prstGeom prst="rect">
+            <a:avLst/>
+          </a:prstGeom>
+          <a:noFill/>
+        </p:spPr>
+        <p:txBody>
+          <a:bodyPr wrap="square" rtlCol="0">
+            <a:spAutoFit/>
+          </a:bodyPr>
+          <a:lstStyle/>
+          <a:p>
+            <a:r>
+              <a:rPr lang="pt-BR" dirty="0"/>
+              <a:t>8</a:t>
+            </a:r>
+          </a:p>
+        </p:txBody>
+      </p:sp>
     </p:spTree>
     <p:extLst>
       <p:ext uri="{BB962C8B-B14F-4D97-AF65-F5344CB8AC3E}">
@@ -30993,41 +30993,6 @@
           </a:p>
         </p:txBody>
       </p:sp>
-      <p:sp>
-        <p:nvSpPr>
-          <p:cNvPr id="100" name="CaixaDeTexto 99">
-            <a:extLst>
-              <a:ext uri="{FF2B5EF4-FFF2-40B4-BE49-F238E27FC236}">
-                <a16:creationId xmlns:a16="http://schemas.microsoft.com/office/drawing/2014/main" id="{7B57A690-6E58-4EE3-944E-9A5462976322}"/>
-              </a:ext>
-            </a:extLst>
-          </p:cNvPr>
-          <p:cNvSpPr txBox="1"/>
-          <p:nvPr/>
-        </p:nvSpPr>
-        <p:spPr>
-          <a:xfrm>
-            <a:off x="8202611" y="6045907"/>
-            <a:ext cx="279398" cy="369332"/>
-          </a:xfrm>
-          <a:prstGeom prst="rect">
-            <a:avLst/>
-          </a:prstGeom>
-          <a:noFill/>
-        </p:spPr>
-        <p:txBody>
-          <a:bodyPr wrap="square" rtlCol="0">
-            <a:spAutoFit/>
-          </a:bodyPr>
-          <a:lstStyle/>
-          <a:p>
-            <a:r>
-              <a:rPr lang="pt-BR"/>
-              <a:t>8</a:t>
-            </a:r>
-          </a:p>
-        </p:txBody>
-      </p:sp>
       <p:graphicFrame>
         <p:nvGraphicFramePr>
           <p:cNvPr id="101" name="Tabela 100">
@@ -31043,7 +31008,7 @@
           <p:nvPr>
             <p:extLst>
               <p:ext uri="{D42A27DB-BD31-4B8C-83A1-F6EECF244321}">
-                <p14:modId xmlns:p14="http://schemas.microsoft.com/office/powerpoint/2010/main" val="3864054655"/>
+                <p14:modId xmlns:p14="http://schemas.microsoft.com/office/powerpoint/2010/main" val="1678127828"/>
               </p:ext>
             </p:extLst>
           </p:nvPr>
@@ -31246,7 +31211,7 @@
                       </a:r>
                       <a:r>
                         <a:rPr lang="pt-BR" baseline="0" dirty="0"/>
-                        <a:t> &lt; $A</a:t>
+                        <a:t> &gt; $A</a:t>
                       </a:r>
                       <a:endParaRPr lang="pt-BR" dirty="0"/>
                     </a:p>
@@ -31644,6 +31609,41 @@
           </a:fontRef>
         </p:style>
       </p:cxnSp>
+      <p:sp>
+        <p:nvSpPr>
+          <p:cNvPr id="30" name="CaixaDeTexto 86">
+            <a:extLst>
+              <a:ext uri="{FF2B5EF4-FFF2-40B4-BE49-F238E27FC236}">
+                <a16:creationId xmlns:a16="http://schemas.microsoft.com/office/drawing/2014/main" id="{91A5B7EC-C4F8-49A2-A73D-4654B2BCAFCE}"/>
+              </a:ext>
+            </a:extLst>
+          </p:cNvPr>
+          <p:cNvSpPr txBox="1"/>
+          <p:nvPr/>
+        </p:nvSpPr>
+        <p:spPr>
+          <a:xfrm>
+            <a:off x="8383235" y="6045907"/>
+            <a:ext cx="279398" cy="369332"/>
+          </a:xfrm>
+          <a:prstGeom prst="rect">
+            <a:avLst/>
+          </a:prstGeom>
+          <a:noFill/>
+        </p:spPr>
+        <p:txBody>
+          <a:bodyPr wrap="square" rtlCol="0">
+            <a:spAutoFit/>
+          </a:bodyPr>
+          <a:lstStyle/>
+          <a:p>
+            <a:r>
+              <a:rPr lang="pt-BR" dirty="0"/>
+              <a:t>8</a:t>
+            </a:r>
+          </a:p>
+        </p:txBody>
+      </p:sp>
     </p:spTree>
     <p:extLst>
       <p:ext uri="{BB962C8B-B14F-4D97-AF65-F5344CB8AC3E}">
@@ -31976,7 +31976,7 @@
             <a:pPr lvl="1"/>
             <a:r>
               <a:rPr lang="pt-BR" dirty="0"/>
-              <a:t>Can change from concrete to symbolic execution on the go</a:t>
+              <a:t>Can change from concrete to symbolic execution on-the-fly</a:t>
             </a:r>
           </a:p>
           <a:p>

--- a/Program-Model-Checking.pptx
+++ b/Program-Model-Checking.pptx
@@ -259,7 +259,7 @@
           <a:p>
             <a:fld id="{0FCBEF8C-05DE-4EF1-B3D5-0FE0E7E6411E}" type="datetimeFigureOut">
               <a:rPr lang="en-US" smtClean="0"/>
-              <a:t>26-Nov-17</a:t>
+              <a:t>11/27/2017</a:t>
             </a:fld>
             <a:endParaRPr lang="en-US"/>
           </a:p>
@@ -424,7 +424,7 @@
           <a:p>
             <a:fld id="{8F53463A-9E6F-40F4-A5F9-BE5B7336BBE0}" type="datetimeFigureOut">
               <a:rPr lang="en-US" smtClean="0"/>
-              <a:t>26-Nov-17</a:t>
+              <a:t>11/27/2017</a:t>
             </a:fld>
             <a:endParaRPr lang="en-US"/>
           </a:p>
@@ -987,9 +987,9 @@
           <a:bodyPr/>
           <a:lstStyle/>
           <a:p>
-            <a:fld id="{DB92403D-F9D5-4E12-9FC3-A142C89E8FE4}" type="datetime1">
+            <a:fld id="{33A2532E-CE52-400D-9412-895FDBF15833}" type="datetime1">
               <a:rPr lang="en-US" smtClean="0"/>
-              <a:t>26-Nov-17</a:t>
+              <a:t>11/27/2017</a:t>
             </a:fld>
             <a:endParaRPr lang="en-US"/>
           </a:p>
@@ -1155,9 +1155,9 @@
           <a:bodyPr/>
           <a:lstStyle/>
           <a:p>
-            <a:fld id="{C54D6945-34FB-4841-85EF-82FE234CE16D}" type="datetime1">
+            <a:fld id="{C5DE6E46-FE0C-49B1-A091-BE4608053C3B}" type="datetime1">
               <a:rPr lang="en-US" smtClean="0"/>
-              <a:t>26-Nov-17</a:t>
+              <a:t>11/27/2017</a:t>
             </a:fld>
             <a:endParaRPr lang="en-US"/>
           </a:p>
@@ -1333,9 +1333,9 @@
           <a:bodyPr/>
           <a:lstStyle/>
           <a:p>
-            <a:fld id="{0D672040-6240-4480-B86B-46FD2270B915}" type="datetime1">
+            <a:fld id="{3AA284F8-6081-4F3A-B9C5-297A68E34D73}" type="datetime1">
               <a:rPr lang="en-US" smtClean="0"/>
-              <a:t>26-Nov-17</a:t>
+              <a:t>11/27/2017</a:t>
             </a:fld>
             <a:endParaRPr lang="en-US"/>
           </a:p>
@@ -1501,9 +1501,9 @@
           <a:bodyPr/>
           <a:lstStyle/>
           <a:p>
-            <a:fld id="{6D9BE4EC-DC2B-4063-90C4-2AAB316EFE42}" type="datetime1">
+            <a:fld id="{AF31CE05-0ECD-4B84-8138-1B7F777E54F2}" type="datetime1">
               <a:rPr lang="en-US" smtClean="0"/>
-              <a:t>26-Nov-17</a:t>
+              <a:t>11/27/2017</a:t>
             </a:fld>
             <a:endParaRPr lang="en-US"/>
           </a:p>
@@ -1746,9 +1746,9 @@
           <a:bodyPr/>
           <a:lstStyle/>
           <a:p>
-            <a:fld id="{EA1EE669-47C7-4569-933A-819CB0C63D49}" type="datetime1">
+            <a:fld id="{7963008D-BC72-4CB3-9520-270E3098BB31}" type="datetime1">
               <a:rPr lang="en-US" smtClean="0"/>
-              <a:t>26-Nov-17</a:t>
+              <a:t>11/27/2017</a:t>
             </a:fld>
             <a:endParaRPr lang="en-US"/>
           </a:p>
@@ -1975,9 +1975,9 @@
           <a:bodyPr/>
           <a:lstStyle/>
           <a:p>
-            <a:fld id="{3278C984-AA3E-42FF-B0C7-BFAB32FF37DE}" type="datetime1">
+            <a:fld id="{355DE626-F802-4708-BE6B-808F0E576ADE}" type="datetime1">
               <a:rPr lang="en-US" smtClean="0"/>
-              <a:t>26-Nov-17</a:t>
+              <a:t>11/27/2017</a:t>
             </a:fld>
             <a:endParaRPr lang="en-US"/>
           </a:p>
@@ -2339,9 +2339,9 @@
           <a:bodyPr/>
           <a:lstStyle/>
           <a:p>
-            <a:fld id="{D6D9E85C-7E1E-498C-B091-936310822C21}" type="datetime1">
+            <a:fld id="{E2F4C474-FEAE-4D83-9F90-2BFCEE705116}" type="datetime1">
               <a:rPr lang="en-US" smtClean="0"/>
-              <a:t>26-Nov-17</a:t>
+              <a:t>11/27/2017</a:t>
             </a:fld>
             <a:endParaRPr lang="en-US"/>
           </a:p>
@@ -2456,9 +2456,9 @@
           <a:bodyPr/>
           <a:lstStyle/>
           <a:p>
-            <a:fld id="{62611078-E00E-4980-8268-C64DDD7EF834}" type="datetime1">
+            <a:fld id="{FA57D20C-D6EB-41C1-B13A-997F01D7D3D0}" type="datetime1">
               <a:rPr lang="en-US" smtClean="0"/>
-              <a:t>26-Nov-17</a:t>
+              <a:t>11/27/2017</a:t>
             </a:fld>
             <a:endParaRPr lang="en-US"/>
           </a:p>
@@ -2551,9 +2551,9 @@
           <a:bodyPr/>
           <a:lstStyle/>
           <a:p>
-            <a:fld id="{E290CACD-CFC9-4121-B51C-BF79103D5326}" type="datetime1">
+            <a:fld id="{4508CFCF-1200-4F82-8F46-757003DA2AAB}" type="datetime1">
               <a:rPr lang="en-US" smtClean="0"/>
-              <a:t>26-Nov-17</a:t>
+              <a:t>11/27/2017</a:t>
             </a:fld>
             <a:endParaRPr lang="en-US"/>
           </a:p>
@@ -2826,9 +2826,9 @@
           <a:bodyPr/>
           <a:lstStyle/>
           <a:p>
-            <a:fld id="{6BAE4B09-FBD4-4A88-B81D-9660505F98C6}" type="datetime1">
+            <a:fld id="{89D866C1-FC5D-4654-821F-D1B3A0A3A4ED}" type="datetime1">
               <a:rPr lang="en-US" smtClean="0"/>
-              <a:t>26-Nov-17</a:t>
+              <a:t>11/27/2017</a:t>
             </a:fld>
             <a:endParaRPr lang="en-US"/>
           </a:p>
@@ -3078,9 +3078,9 @@
           <a:bodyPr/>
           <a:lstStyle/>
           <a:p>
-            <a:fld id="{F076337B-8FB4-40EF-B0E7-B684B28D430D}" type="datetime1">
+            <a:fld id="{533935E7-06DC-4A96-947C-28A8DA5619DF}" type="datetime1">
               <a:rPr lang="en-US" smtClean="0"/>
-              <a:t>26-Nov-17</a:t>
+              <a:t>11/27/2017</a:t>
             </a:fld>
             <a:endParaRPr lang="en-US"/>
           </a:p>
@@ -3289,9 +3289,9 @@
             </a:lvl1pPr>
           </a:lstStyle>
           <a:p>
-            <a:fld id="{32313BCD-6F12-4049-8D73-F3763E36230A}" type="datetime1">
+            <a:fld id="{27EF0569-3E97-4C9B-835E-D183B46D9EDE}" type="datetime1">
               <a:rPr lang="en-US" smtClean="0"/>
-              <a:t>26-Nov-17</a:t>
+              <a:t>11/27/2017</a:t>
             </a:fld>
             <a:endParaRPr lang="en-US"/>
           </a:p>
@@ -3814,7 +3814,7 @@
             <a:pPr algn="ctr"/>
             <a:r>
               <a:rPr lang="en-US" dirty="0"/>
-              <a:t>SBMF Tutorial, November 21, 2017, Recife-PE, Brazil</a:t>
+              <a:t>SBMF Tutorial, November 27, 2017, Recife-PE, Brazil</a:t>
             </a:r>
           </a:p>
         </p:txBody>
@@ -4040,6 +4040,29 @@
           </a:p>
         </p:txBody>
       </p:sp>
+      <p:sp>
+        <p:nvSpPr>
+          <p:cNvPr id="4" name="Slide Number Placeholder 3"/>
+          <p:cNvSpPr>
+            <a:spLocks noGrp="1"/>
+          </p:cNvSpPr>
+          <p:nvPr>
+            <p:ph type="sldNum" sz="quarter" idx="12"/>
+          </p:nvPr>
+        </p:nvSpPr>
+        <p:spPr/>
+        <p:txBody>
+          <a:bodyPr/>
+          <a:lstStyle/>
+          <a:p>
+            <a:fld id="{8C71CAF9-4461-454A-B702-D536C3775752}" type="slidenum">
+              <a:rPr lang="en-US" smtClean="0"/>
+              <a:t>11</a:t>
+            </a:fld>
+            <a:endParaRPr lang="en-US"/>
+          </a:p>
+        </p:txBody>
+      </p:sp>
     </p:spTree>
     <p:extLst>
       <p:ext uri="{BB962C8B-B14F-4D97-AF65-F5344CB8AC3E}">
@@ -4201,6 +4224,29 @@
           </a:prstGeom>
         </p:spPr>
       </p:pic>
+      <p:sp>
+        <p:nvSpPr>
+          <p:cNvPr id="2" name="Slide Number Placeholder 1"/>
+          <p:cNvSpPr>
+            <a:spLocks noGrp="1"/>
+          </p:cNvSpPr>
+          <p:nvPr>
+            <p:ph type="sldNum" sz="quarter" idx="12"/>
+          </p:nvPr>
+        </p:nvSpPr>
+        <p:spPr/>
+        <p:txBody>
+          <a:bodyPr/>
+          <a:lstStyle/>
+          <a:p>
+            <a:fld id="{8C71CAF9-4461-454A-B702-D536C3775752}" type="slidenum">
+              <a:rPr lang="en-US" smtClean="0"/>
+              <a:t>12</a:t>
+            </a:fld>
+            <a:endParaRPr lang="en-US"/>
+          </a:p>
+        </p:txBody>
+      </p:sp>
     </p:spTree>
     <p:extLst>
       <p:ext uri="{BB962C8B-B14F-4D97-AF65-F5344CB8AC3E}">
@@ -5199,6 +5245,29 @@
           </a:p>
         </p:txBody>
       </p:sp>
+      <p:sp>
+        <p:nvSpPr>
+          <p:cNvPr id="3" name="Slide Number Placeholder 2"/>
+          <p:cNvSpPr>
+            <a:spLocks noGrp="1"/>
+          </p:cNvSpPr>
+          <p:nvPr>
+            <p:ph type="sldNum" sz="quarter" idx="12"/>
+          </p:nvPr>
+        </p:nvSpPr>
+        <p:spPr/>
+        <p:txBody>
+          <a:bodyPr/>
+          <a:lstStyle/>
+          <a:p>
+            <a:fld id="{8C71CAF9-4461-454A-B702-D536C3775752}" type="slidenum">
+              <a:rPr lang="en-US" smtClean="0"/>
+              <a:t>13</a:t>
+            </a:fld>
+            <a:endParaRPr lang="en-US"/>
+          </a:p>
+        </p:txBody>
+      </p:sp>
     </p:spTree>
     <p:extLst>
       <p:ext uri="{BB962C8B-B14F-4D97-AF65-F5344CB8AC3E}">
@@ -5378,6 +5447,29 @@
               <a:rPr lang="pt-BR" dirty="0"/>
               <a:t>		"x = x + y + x;"  READ:  getfield Racer$Pair.x</a:t>
             </a:r>
+          </a:p>
+        </p:txBody>
+      </p:sp>
+      <p:sp>
+        <p:nvSpPr>
+          <p:cNvPr id="4" name="Slide Number Placeholder 3"/>
+          <p:cNvSpPr>
+            <a:spLocks noGrp="1"/>
+          </p:cNvSpPr>
+          <p:nvPr>
+            <p:ph type="sldNum" sz="quarter" idx="12"/>
+          </p:nvPr>
+        </p:nvSpPr>
+        <p:spPr/>
+        <p:txBody>
+          <a:bodyPr/>
+          <a:lstStyle/>
+          <a:p>
+            <a:fld id="{8C71CAF9-4461-454A-B702-D536C3775752}" type="slidenum">
+              <a:rPr lang="en-US" smtClean="0"/>
+              <a:t>14</a:t>
+            </a:fld>
+            <a:endParaRPr lang="en-US"/>
           </a:p>
         </p:txBody>
       </p:sp>
@@ -6673,6 +6765,29 @@
           </a:p>
         </p:txBody>
       </p:sp>
+      <p:sp>
+        <p:nvSpPr>
+          <p:cNvPr id="3" name="Slide Number Placeholder 2"/>
+          <p:cNvSpPr>
+            <a:spLocks noGrp="1"/>
+          </p:cNvSpPr>
+          <p:nvPr>
+            <p:ph type="sldNum" sz="quarter" idx="12"/>
+          </p:nvPr>
+        </p:nvSpPr>
+        <p:spPr/>
+        <p:txBody>
+          <a:bodyPr/>
+          <a:lstStyle/>
+          <a:p>
+            <a:fld id="{8C71CAF9-4461-454A-B702-D536C3775752}" type="slidenum">
+              <a:rPr lang="en-US" smtClean="0"/>
+              <a:t>15</a:t>
+            </a:fld>
+            <a:endParaRPr lang="en-US"/>
+          </a:p>
+        </p:txBody>
+      </p:sp>
     </p:spTree>
     <p:extLst>
       <p:ext uri="{BB962C8B-B14F-4D97-AF65-F5344CB8AC3E}">
@@ -6851,6 +6966,29 @@
           </a:p>
         </p:txBody>
       </p:sp>
+      <p:sp>
+        <p:nvSpPr>
+          <p:cNvPr id="4" name="Slide Number Placeholder 3"/>
+          <p:cNvSpPr>
+            <a:spLocks noGrp="1"/>
+          </p:cNvSpPr>
+          <p:nvPr>
+            <p:ph type="sldNum" sz="quarter" idx="12"/>
+          </p:nvPr>
+        </p:nvSpPr>
+        <p:spPr/>
+        <p:txBody>
+          <a:bodyPr/>
+          <a:lstStyle/>
+          <a:p>
+            <a:fld id="{8C71CAF9-4461-454A-B702-D536C3775752}" type="slidenum">
+              <a:rPr lang="en-US" smtClean="0"/>
+              <a:t>16</a:t>
+            </a:fld>
+            <a:endParaRPr lang="en-US"/>
+          </a:p>
+        </p:txBody>
+      </p:sp>
     </p:spTree>
     <p:extLst>
       <p:ext uri="{BB962C8B-B14F-4D97-AF65-F5344CB8AC3E}">
@@ -6920,6 +7058,19 @@
           <a:p>
             <a:r>
               <a:rPr lang="pt-BR" dirty="0"/>
+              <a:t>Your program won’t just work</a:t>
+            </a:r>
+          </a:p>
+          <a:p>
+            <a:pPr lvl="1"/>
+            <a:r>
+              <a:rPr lang="pt-BR" dirty="0"/>
+              <a:t>You probably still need to make some modeling</a:t>
+            </a:r>
+          </a:p>
+          <a:p>
+            <a:r>
+              <a:rPr lang="pt-BR" dirty="0"/>
               <a:t>Scalability Issues</a:t>
             </a:r>
           </a:p>
@@ -6962,6 +7113,29 @@
           </a:p>
           <a:p>
             <a:endParaRPr lang="pt-BR" dirty="0"/>
+          </a:p>
+        </p:txBody>
+      </p:sp>
+      <p:sp>
+        <p:nvSpPr>
+          <p:cNvPr id="4" name="Slide Number Placeholder 3"/>
+          <p:cNvSpPr>
+            <a:spLocks noGrp="1"/>
+          </p:cNvSpPr>
+          <p:nvPr>
+            <p:ph type="sldNum" sz="quarter" idx="12"/>
+          </p:nvPr>
+        </p:nvSpPr>
+        <p:spPr/>
+        <p:txBody>
+          <a:bodyPr/>
+          <a:lstStyle/>
+          <a:p>
+            <a:fld id="{8C71CAF9-4461-454A-B702-D536C3775752}" type="slidenum">
+              <a:rPr lang="en-US" smtClean="0"/>
+              <a:t>17</a:t>
+            </a:fld>
+            <a:endParaRPr lang="en-US"/>
           </a:p>
         </p:txBody>
       </p:sp>
@@ -7071,6 +7245,29 @@
               <a:rPr lang="pt-BR" b="1" dirty="0"/>
               <a:t>lhsm/jpf-examples</a:t>
             </a:r>
+          </a:p>
+        </p:txBody>
+      </p:sp>
+      <p:sp>
+        <p:nvSpPr>
+          <p:cNvPr id="4" name="Slide Number Placeholder 3"/>
+          <p:cNvSpPr>
+            <a:spLocks noGrp="1"/>
+          </p:cNvSpPr>
+          <p:nvPr>
+            <p:ph type="sldNum" sz="quarter" idx="12"/>
+          </p:nvPr>
+        </p:nvSpPr>
+        <p:spPr/>
+        <p:txBody>
+          <a:bodyPr/>
+          <a:lstStyle/>
+          <a:p>
+            <a:fld id="{8C71CAF9-4461-454A-B702-D536C3775752}" type="slidenum">
+              <a:rPr lang="en-US" smtClean="0"/>
+              <a:t>18</a:t>
+            </a:fld>
+            <a:endParaRPr lang="en-US"/>
           </a:p>
         </p:txBody>
       </p:sp>
@@ -32449,6 +32646,29 @@
               <a:rPr lang="en-US" sz="4000" dirty="0"/>
               <a:t>http://model-checking.dmtsj.com.br</a:t>
             </a:r>
+          </a:p>
+        </p:txBody>
+      </p:sp>
+      <p:sp>
+        <p:nvSpPr>
+          <p:cNvPr id="5" name="Slide Number Placeholder 4"/>
+          <p:cNvSpPr>
+            <a:spLocks noGrp="1"/>
+          </p:cNvSpPr>
+          <p:nvPr>
+            <p:ph type="sldNum" sz="quarter" idx="12"/>
+          </p:nvPr>
+        </p:nvSpPr>
+        <p:spPr/>
+        <p:txBody>
+          <a:bodyPr/>
+          <a:lstStyle/>
+          <a:p>
+            <a:fld id="{8C71CAF9-4461-454A-B702-D536C3775752}" type="slidenum">
+              <a:rPr lang="en-US" smtClean="0"/>
+              <a:t>44</a:t>
+            </a:fld>
+            <a:endParaRPr lang="en-US"/>
           </a:p>
         </p:txBody>
       </p:sp>

--- a/Program-Model-Checking.pptx
+++ b/Program-Model-Checking.pptx
@@ -259,7 +259,7 @@
           <a:p>
             <a:fld id="{0FCBEF8C-05DE-4EF1-B3D5-0FE0E7E6411E}" type="datetimeFigureOut">
               <a:rPr lang="en-US" smtClean="0"/>
-              <a:t>05-Dec-17</a:t>
+              <a:t>12/5/2017</a:t>
             </a:fld>
             <a:endParaRPr lang="en-US"/>
           </a:p>
@@ -424,7 +424,7 @@
           <a:p>
             <a:fld id="{8F53463A-9E6F-40F4-A5F9-BE5B7336BBE0}" type="datetimeFigureOut">
               <a:rPr lang="en-US" smtClean="0"/>
-              <a:t>05-Dec-17</a:t>
+              <a:t>12/5/2017</a:t>
             </a:fld>
             <a:endParaRPr lang="en-US"/>
           </a:p>
@@ -989,7 +989,7 @@
           <a:p>
             <a:fld id="{DB92403D-F9D5-4E12-9FC3-A142C89E8FE4}" type="datetime1">
               <a:rPr lang="en-US" smtClean="0"/>
-              <a:t>05-Dec-17</a:t>
+              <a:t>12/5/2017</a:t>
             </a:fld>
             <a:endParaRPr lang="en-US"/>
           </a:p>
@@ -1157,7 +1157,7 @@
           <a:p>
             <a:fld id="{C54D6945-34FB-4841-85EF-82FE234CE16D}" type="datetime1">
               <a:rPr lang="en-US" smtClean="0"/>
-              <a:t>05-Dec-17</a:t>
+              <a:t>12/5/2017</a:t>
             </a:fld>
             <a:endParaRPr lang="en-US"/>
           </a:p>
@@ -1335,7 +1335,7 @@
           <a:p>
             <a:fld id="{0D672040-6240-4480-B86B-46FD2270B915}" type="datetime1">
               <a:rPr lang="en-US" smtClean="0"/>
-              <a:t>05-Dec-17</a:t>
+              <a:t>12/5/2017</a:t>
             </a:fld>
             <a:endParaRPr lang="en-US"/>
           </a:p>
@@ -1503,7 +1503,7 @@
           <a:p>
             <a:fld id="{6D9BE4EC-DC2B-4063-90C4-2AAB316EFE42}" type="datetime1">
               <a:rPr lang="en-US" smtClean="0"/>
-              <a:t>05-Dec-17</a:t>
+              <a:t>12/5/2017</a:t>
             </a:fld>
             <a:endParaRPr lang="en-US"/>
           </a:p>
@@ -1748,7 +1748,7 @@
           <a:p>
             <a:fld id="{EA1EE669-47C7-4569-933A-819CB0C63D49}" type="datetime1">
               <a:rPr lang="en-US" smtClean="0"/>
-              <a:t>05-Dec-17</a:t>
+              <a:t>12/5/2017</a:t>
             </a:fld>
             <a:endParaRPr lang="en-US"/>
           </a:p>
@@ -1977,7 +1977,7 @@
           <a:p>
             <a:fld id="{3278C984-AA3E-42FF-B0C7-BFAB32FF37DE}" type="datetime1">
               <a:rPr lang="en-US" smtClean="0"/>
-              <a:t>05-Dec-17</a:t>
+              <a:t>12/5/2017</a:t>
             </a:fld>
             <a:endParaRPr lang="en-US"/>
           </a:p>
@@ -2341,7 +2341,7 @@
           <a:p>
             <a:fld id="{D6D9E85C-7E1E-498C-B091-936310822C21}" type="datetime1">
               <a:rPr lang="en-US" smtClean="0"/>
-              <a:t>05-Dec-17</a:t>
+              <a:t>12/5/2017</a:t>
             </a:fld>
             <a:endParaRPr lang="en-US"/>
           </a:p>
@@ -2458,7 +2458,7 @@
           <a:p>
             <a:fld id="{62611078-E00E-4980-8268-C64DDD7EF834}" type="datetime1">
               <a:rPr lang="en-US" smtClean="0"/>
-              <a:t>05-Dec-17</a:t>
+              <a:t>12/5/2017</a:t>
             </a:fld>
             <a:endParaRPr lang="en-US"/>
           </a:p>
@@ -2553,7 +2553,7 @@
           <a:p>
             <a:fld id="{E290CACD-CFC9-4121-B51C-BF79103D5326}" type="datetime1">
               <a:rPr lang="en-US" smtClean="0"/>
-              <a:t>05-Dec-17</a:t>
+              <a:t>12/5/2017</a:t>
             </a:fld>
             <a:endParaRPr lang="en-US"/>
           </a:p>
@@ -2828,7 +2828,7 @@
           <a:p>
             <a:fld id="{6BAE4B09-FBD4-4A88-B81D-9660505F98C6}" type="datetime1">
               <a:rPr lang="en-US" smtClean="0"/>
-              <a:t>05-Dec-17</a:t>
+              <a:t>12/5/2017</a:t>
             </a:fld>
             <a:endParaRPr lang="en-US"/>
           </a:p>
@@ -3080,7 +3080,7 @@
           <a:p>
             <a:fld id="{F076337B-8FB4-40EF-B0E7-B684B28D430D}" type="datetime1">
               <a:rPr lang="en-US" smtClean="0"/>
-              <a:t>05-Dec-17</a:t>
+              <a:t>12/5/2017</a:t>
             </a:fld>
             <a:endParaRPr lang="en-US"/>
           </a:p>
@@ -3291,7 +3291,7 @@
           <a:p>
             <a:fld id="{32313BCD-6F12-4049-8D73-F3763E36230A}" type="datetime1">
               <a:rPr lang="en-US" smtClean="0"/>
-              <a:t>05-Dec-17</a:t>
+              <a:t>12/5/2017</a:t>
             </a:fld>
             <a:endParaRPr lang="en-US"/>
           </a:p>
@@ -7546,66 +7546,42 @@
         </p:nvSpPr>
         <p:spPr/>
         <p:txBody>
-          <a:bodyPr/>
+          <a:bodyPr>
+            <a:normAutofit/>
+          </a:bodyPr>
           <a:lstStyle/>
           <a:p>
             <a:r>
               <a:rPr lang="pt-BR" dirty="0"/>
-              <a:t>Your program won’t just work</a:t>
+              <a:t>Scalability Issues – Time and Space</a:t>
             </a:r>
           </a:p>
           <a:p>
             <a:pPr lvl="1"/>
             <a:r>
               <a:rPr lang="pt-BR" dirty="0"/>
-              <a:t>You probably still need to make some modeling</a:t>
-            </a:r>
-          </a:p>
-          <a:p>
+              <a:t>Time: Your program will run on top a tweaked JVM on top of the JVM.</a:t>
+            </a:r>
+          </a:p>
+          <a:p>
+            <a:pPr lvl="1"/>
             <a:r>
               <a:rPr lang="pt-BR" dirty="0"/>
-              <a:t>Scalability Issues</a:t>
+              <a:t>Space: Path explosion.</a:t>
+            </a:r>
+          </a:p>
+          <a:p>
+            <a:r>
+              <a:rPr lang="pt-BR" dirty="0"/>
+              <a:t>Many parts are not supported (need to model)</a:t>
             </a:r>
           </a:p>
           <a:p>
             <a:pPr lvl="1"/>
             <a:r>
               <a:rPr lang="pt-BR" dirty="0"/>
-              <a:t>Your program will run on top a tweaked JVM on top of the JVM.</a:t>
-            </a:r>
-          </a:p>
-          <a:p>
-            <a:r>
-              <a:rPr lang="pt-BR" dirty="0"/>
-              <a:t>Only works on closed systems</a:t>
-            </a:r>
-          </a:p>
-          <a:p>
-            <a:pPr lvl="1"/>
-            <a:r>
-              <a:rPr lang="pt-BR" dirty="0"/>
-              <a:t>JPF cannot I/O and GUI.</a:t>
-            </a:r>
-          </a:p>
-          <a:p>
-            <a:r>
-              <a:rPr lang="pt-BR" dirty="0"/>
-              <a:t>You will possibly encounter unimplemented/missing parts</a:t>
-            </a:r>
-          </a:p>
-          <a:p>
-            <a:pPr lvl="1"/>
-            <a:r>
-              <a:rPr lang="pt-BR" dirty="0"/>
-              <a:t>State-relevant native libraries (e.g., java.io and java.net)</a:t>
-            </a:r>
-          </a:p>
-          <a:p>
-            <a:pPr lvl="1"/>
-            <a:endParaRPr lang="pt-BR" dirty="0"/>
-          </a:p>
-          <a:p>
-            <a:endParaRPr lang="pt-BR" dirty="0"/>
+              <a:t>For example, I/O and GUI.</a:t>
+            </a:r>
           </a:p>
         </p:txBody>
       </p:sp>
@@ -7732,11 +7708,22 @@
             <a:pPr lvl="1"/>
             <a:r>
               <a:rPr lang="pt-BR" dirty="0"/>
-              <a:t>docker run -it –rm </a:t>
+              <a:t>Only output -&gt; docker run –it --rm </a:t>
             </a:r>
             <a:r>
               <a:rPr lang="pt-BR" b="1" dirty="0"/>
               <a:t>lhsm/jpf-examples</a:t>
+            </a:r>
+          </a:p>
+          <a:p>
+            <a:pPr lvl="1"/>
+            <a:r>
+              <a:rPr lang="pt-BR" dirty="0"/>
+              <a:t>Playground -&gt; docker run -it –rm </a:t>
+            </a:r>
+            <a:r>
+              <a:rPr lang="pt-BR" b="1" dirty="0"/>
+              <a:t>lhsm/jpf-examples bash</a:t>
             </a:r>
           </a:p>
         </p:txBody>
@@ -9750,7 +9737,7 @@
             <a:pPr lvl="1"/>
             <a:r>
               <a:rPr lang="pt-BR" dirty="0"/>
-              <a:t>Model checker backtracks if path becomes unfeasible</a:t>
+              <a:t>Model checker backtracks if path becomes infeasible</a:t>
             </a:r>
           </a:p>
           <a:p>
@@ -32133,7 +32120,13 @@
           <a:p>
             <a:r>
               <a:rPr lang="pt-BR" dirty="0"/>
-              <a:t>Automatic generation of inputs</a:t>
+              <a:t>Automated</a:t>
+            </a:r>
+          </a:p>
+          <a:p>
+            <a:r>
+              <a:rPr lang="pt-BR" dirty="0"/>
+              <a:t>Extesibility</a:t>
             </a:r>
           </a:p>
           <a:p>
@@ -32337,7 +32330,7 @@
             <a:pPr lvl="1"/>
             <a:r>
               <a:rPr lang="pt-BR" dirty="0"/>
-              <a:t>Samples -&gt; docker run –it --rm </a:t>
+              <a:t>Only Output -&gt; docker run –it --rm </a:t>
             </a:r>
             <a:r>
               <a:rPr lang="pt-BR" b="1" dirty="0"/>
@@ -32348,7 +32341,7 @@
             <a:pPr lvl="1"/>
             <a:r>
               <a:rPr lang="pt-BR" dirty="0"/>
-              <a:t>Modify files -&gt; docker run -it –rm </a:t>
+              <a:t>Playground -&gt; docker run -it –rm </a:t>
             </a:r>
             <a:r>
               <a:rPr lang="pt-BR" b="1" dirty="0"/>

--- a/Program-Model-Checking.pptx
+++ b/Program-Model-Checking.pptx
@@ -259,7 +259,7 @@
           <a:p>
             <a:fld id="{0FCBEF8C-05DE-4EF1-B3D5-0FE0E7E6411E}" type="datetimeFigureOut">
               <a:rPr lang="en-US" smtClean="0"/>
-              <a:t>27-Nov-17</a:t>
+              <a:t>05-Dec-17</a:t>
             </a:fld>
             <a:endParaRPr lang="en-US"/>
           </a:p>
@@ -424,7 +424,7 @@
           <a:p>
             <a:fld id="{8F53463A-9E6F-40F4-A5F9-BE5B7336BBE0}" type="datetimeFigureOut">
               <a:rPr lang="en-US" smtClean="0"/>
-              <a:t>27-Nov-17</a:t>
+              <a:t>05-Dec-17</a:t>
             </a:fld>
             <a:endParaRPr lang="en-US"/>
           </a:p>
@@ -989,7 +989,7 @@
           <a:p>
             <a:fld id="{DB92403D-F9D5-4E12-9FC3-A142C89E8FE4}" type="datetime1">
               <a:rPr lang="en-US" smtClean="0"/>
-              <a:t>27-Nov-17</a:t>
+              <a:t>05-Dec-17</a:t>
             </a:fld>
             <a:endParaRPr lang="en-US"/>
           </a:p>
@@ -1157,7 +1157,7 @@
           <a:p>
             <a:fld id="{C54D6945-34FB-4841-85EF-82FE234CE16D}" type="datetime1">
               <a:rPr lang="en-US" smtClean="0"/>
-              <a:t>27-Nov-17</a:t>
+              <a:t>05-Dec-17</a:t>
             </a:fld>
             <a:endParaRPr lang="en-US"/>
           </a:p>
@@ -1335,7 +1335,7 @@
           <a:p>
             <a:fld id="{0D672040-6240-4480-B86B-46FD2270B915}" type="datetime1">
               <a:rPr lang="en-US" smtClean="0"/>
-              <a:t>27-Nov-17</a:t>
+              <a:t>05-Dec-17</a:t>
             </a:fld>
             <a:endParaRPr lang="en-US"/>
           </a:p>
@@ -1503,7 +1503,7 @@
           <a:p>
             <a:fld id="{6D9BE4EC-DC2B-4063-90C4-2AAB316EFE42}" type="datetime1">
               <a:rPr lang="en-US" smtClean="0"/>
-              <a:t>27-Nov-17</a:t>
+              <a:t>05-Dec-17</a:t>
             </a:fld>
             <a:endParaRPr lang="en-US"/>
           </a:p>
@@ -1748,7 +1748,7 @@
           <a:p>
             <a:fld id="{EA1EE669-47C7-4569-933A-819CB0C63D49}" type="datetime1">
               <a:rPr lang="en-US" smtClean="0"/>
-              <a:t>27-Nov-17</a:t>
+              <a:t>05-Dec-17</a:t>
             </a:fld>
             <a:endParaRPr lang="en-US"/>
           </a:p>
@@ -1977,7 +1977,7 @@
           <a:p>
             <a:fld id="{3278C984-AA3E-42FF-B0C7-BFAB32FF37DE}" type="datetime1">
               <a:rPr lang="en-US" smtClean="0"/>
-              <a:t>27-Nov-17</a:t>
+              <a:t>05-Dec-17</a:t>
             </a:fld>
             <a:endParaRPr lang="en-US"/>
           </a:p>
@@ -2341,7 +2341,7 @@
           <a:p>
             <a:fld id="{D6D9E85C-7E1E-498C-B091-936310822C21}" type="datetime1">
               <a:rPr lang="en-US" smtClean="0"/>
-              <a:t>27-Nov-17</a:t>
+              <a:t>05-Dec-17</a:t>
             </a:fld>
             <a:endParaRPr lang="en-US"/>
           </a:p>
@@ -2458,7 +2458,7 @@
           <a:p>
             <a:fld id="{62611078-E00E-4980-8268-C64DDD7EF834}" type="datetime1">
               <a:rPr lang="en-US" smtClean="0"/>
-              <a:t>27-Nov-17</a:t>
+              <a:t>05-Dec-17</a:t>
             </a:fld>
             <a:endParaRPr lang="en-US"/>
           </a:p>
@@ -2553,7 +2553,7 @@
           <a:p>
             <a:fld id="{E290CACD-CFC9-4121-B51C-BF79103D5326}" type="datetime1">
               <a:rPr lang="en-US" smtClean="0"/>
-              <a:t>27-Nov-17</a:t>
+              <a:t>05-Dec-17</a:t>
             </a:fld>
             <a:endParaRPr lang="en-US"/>
           </a:p>
@@ -2828,7 +2828,7 @@
           <a:p>
             <a:fld id="{6BAE4B09-FBD4-4A88-B81D-9660505F98C6}" type="datetime1">
               <a:rPr lang="en-US" smtClean="0"/>
-              <a:t>27-Nov-17</a:t>
+              <a:t>05-Dec-17</a:t>
             </a:fld>
             <a:endParaRPr lang="en-US"/>
           </a:p>
@@ -3080,7 +3080,7 @@
           <a:p>
             <a:fld id="{F076337B-8FB4-40EF-B0E7-B684B28D430D}" type="datetime1">
               <a:rPr lang="en-US" smtClean="0"/>
-              <a:t>27-Nov-17</a:t>
+              <a:t>05-Dec-17</a:t>
             </a:fld>
             <a:endParaRPr lang="en-US"/>
           </a:p>
@@ -3291,7 +3291,7 @@
           <a:p>
             <a:fld id="{32313BCD-6F12-4049-8D73-F3763E36230A}" type="datetime1">
               <a:rPr lang="en-US" smtClean="0"/>
-              <a:t>27-Nov-17</a:t>
+              <a:t>05-Dec-17</a:t>
             </a:fld>
             <a:endParaRPr lang="en-US"/>
           </a:p>
@@ -9750,7 +9750,7 @@
             <a:pPr lvl="1"/>
             <a:r>
               <a:rPr lang="pt-BR" dirty="0"/>
-              <a:t>Model checker backtracks if path becomes infeasible</a:t>
+              <a:t>Model checker backtracks if path becomes unfeasible</a:t>
             </a:r>
           </a:p>
           <a:p>
@@ -31850,19 +31850,7 @@
           <a:p>
             <a:r>
               <a:rPr lang="pt-BR" dirty="0"/>
-              <a:t>JPF </a:t>
-            </a:r>
-            <a:r>
-              <a:rPr lang="pt-BR" dirty="0" err="1"/>
-              <a:t>infrastructure</a:t>
-            </a:r>
-            <a:r>
-              <a:rPr lang="pt-BR" dirty="0"/>
-              <a:t> </a:t>
-            </a:r>
-            <a:r>
-              <a:rPr lang="pt-BR" dirty="0" err="1"/>
-              <a:t>used</a:t>
+              <a:t>JPF infrastructure</a:t>
             </a:r>
           </a:p>
           <a:p>
@@ -32145,13 +32133,7 @@
           <a:p>
             <a:r>
               <a:rPr lang="pt-BR" dirty="0"/>
-              <a:t>Less effort on generating test inputs</a:t>
-            </a:r>
-          </a:p>
-          <a:p>
-            <a:r>
-              <a:rPr lang="pt-BR" dirty="0"/>
-              <a:t>Portability (Java)</a:t>
+              <a:t>Automatic generation of inputs</a:t>
             </a:r>
           </a:p>
           <a:p>
@@ -32215,18 +32197,6 @@
         <p:txBody>
           <a:bodyPr/>
           <a:lstStyle/>
-          <a:p>
-            <a:r>
-              <a:rPr lang="pt-BR" dirty="0"/>
-              <a:t>Path explosion</a:t>
-            </a:r>
-          </a:p>
-          <a:p>
-            <a:r>
-              <a:rPr lang="pt-BR" dirty="0"/>
-              <a:t>Scalability</a:t>
-            </a:r>
-          </a:p>
           <a:p>
             <a:r>
               <a:rPr lang="pt-BR" dirty="0"/>
@@ -32367,7 +32337,7 @@
             <a:pPr lvl="1"/>
             <a:r>
               <a:rPr lang="pt-BR" dirty="0"/>
-              <a:t>Samples -&gt; docker run -it </a:t>
+              <a:t>Samples -&gt; docker run –it --rm </a:t>
             </a:r>
             <a:r>
               <a:rPr lang="pt-BR" b="1" dirty="0"/>
@@ -32378,7 +32348,7 @@
             <a:pPr lvl="1"/>
             <a:r>
               <a:rPr lang="pt-BR" dirty="0"/>
-              <a:t>Modify files -&gt; docker run -it </a:t>
+              <a:t>Modify files -&gt; docker run -it –rm </a:t>
             </a:r>
             <a:r>
               <a:rPr lang="pt-BR" b="1" dirty="0"/>
@@ -32388,34 +32358,6 @@
           <a:p>
             <a:pPr lvl="1"/>
             <a:endParaRPr lang="pt-BR" b="1" dirty="0"/>
-          </a:p>
-        </p:txBody>
-      </p:sp>
-      <p:sp>
-        <p:nvSpPr>
-          <p:cNvPr id="4" name="Retângulo 4"/>
-          <p:cNvSpPr/>
-          <p:nvPr/>
-        </p:nvSpPr>
-        <p:spPr>
-          <a:xfrm>
-            <a:off x="2201408" y="5144366"/>
-            <a:ext cx="7789184" cy="707886"/>
-          </a:xfrm>
-          <a:prstGeom prst="rect">
-            <a:avLst/>
-          </a:prstGeom>
-        </p:spPr>
-        <p:txBody>
-          <a:bodyPr wrap="none">
-            <a:spAutoFit/>
-          </a:bodyPr>
-          <a:lstStyle/>
-          <a:p>
-            <a:r>
-              <a:rPr lang="en-US" sz="4000" dirty="0"/>
-              <a:t>http://model-checking.dmtsj.com.br</a:t>
-            </a:r>
           </a:p>
         </p:txBody>
       </p:sp>
